--- a/slides/Tag-2_3-CI_CD.pptx
+++ b/slides/Tag-2_3-CI_CD.pptx
@@ -2189,7 +2189,7 @@
               <a:pPr algn="ctr">
                 <a:defRPr/>
               </a:pPr>
-              <a:t>02.06.2024</a:t>
+              <a:t>05.06.2024</a:t>
             </a:fld>
             <a:endParaRPr lang="de-DE" sz="1000">
               <a:solidFill>
@@ -2574,7 +2574,7 @@
         <p:spPr bwMode="auto">
           <a:xfrm>
             <a:off x="4252913" y="6424613"/>
-            <a:ext cx="1311578" cy="246221"/>
+            <a:ext cx="1298753" cy="246221"/>
           </a:xfrm>
           <a:prstGeom prst="rect">
             <a:avLst/>
@@ -2604,7 +2604,7 @@
                 </a:solidFill>
                 <a:latin typeface="Arial" charset="0"/>
               </a:rPr>
-              <a:t>Tag-2_5-GitOps.ppt</a:t>
+              <a:t>Tag-2_3-CI_CD.ppt</a:t>
             </a:r>
             <a:endParaRPr lang="de-DE" dirty="0">
               <a:solidFill>
@@ -6152,37 +6152,37 @@
               <a:buChar char="•"/>
             </a:pPr>
             <a:r>
+              <a:rPr lang="de-DE" altLang="de-DE" sz="1400" u="sng" dirty="0"/>
+              <a:t>Einführung in </a:t>
+            </a:r>
+            <a:r>
+              <a:rPr lang="de-DE" altLang="de-DE" sz="1400" u="sng" dirty="0" err="1"/>
+              <a:t>GitLab</a:t>
+            </a:r>
+            <a:r>
+              <a:rPr lang="de-DE" altLang="de-DE" sz="1400" u="sng" dirty="0"/>
+              <a:t> CI/CD &amp; </a:t>
+            </a:r>
+            <a:r>
+              <a:rPr lang="de-DE" altLang="de-DE" sz="1400" u="sng" dirty="0" err="1"/>
+              <a:t>gitlab.yml</a:t>
+            </a:r>
+            <a:endParaRPr lang="de-DE" altLang="de-DE" sz="1400" u="sng" dirty="0"/>
+          </a:p>
+          <a:p>
+            <a:pPr lvl="1">
+              <a:buFont typeface="Arial" panose="020B0604020202020204" pitchFamily="34" charset="0"/>
+              <a:buChar char="•"/>
+            </a:pPr>
+            <a:r>
               <a:rPr lang="de-DE" altLang="de-DE" sz="1400" dirty="0"/>
-              <a:t>Einführung in </a:t>
+              <a:t>Grundlagen von </a:t>
             </a:r>
             <a:r>
               <a:rPr lang="de-DE" altLang="de-DE" sz="1400" dirty="0" err="1"/>
-              <a:t>GitLab</a:t>
-            </a:r>
-            <a:r>
-              <a:rPr lang="de-DE" altLang="de-DE" sz="1400" dirty="0"/>
-              <a:t> CI/CD &amp; </a:t>
-            </a:r>
-            <a:r>
-              <a:rPr lang="de-DE" altLang="de-DE" sz="1400" dirty="0" err="1"/>
-              <a:t>gitlab.yml</a:t>
+              <a:t>GitOps</a:t>
             </a:r>
             <a:endParaRPr lang="de-DE" altLang="de-DE" sz="1400" dirty="0"/>
-          </a:p>
-          <a:p>
-            <a:pPr lvl="1">
-              <a:buFont typeface="Arial" panose="020B0604020202020204" pitchFamily="34" charset="0"/>
-              <a:buChar char="•"/>
-            </a:pPr>
-            <a:r>
-              <a:rPr lang="de-DE" altLang="de-DE" sz="1400" u="sng" dirty="0"/>
-              <a:t>Grundlagen von </a:t>
-            </a:r>
-            <a:r>
-              <a:rPr lang="de-DE" altLang="de-DE" sz="1400" u="sng" dirty="0" err="1"/>
-              <a:t>GitOps</a:t>
-            </a:r>
-            <a:endParaRPr lang="de-DE" altLang="de-DE" sz="1400" u="sng" dirty="0"/>
           </a:p>
           <a:p>
             <a:pPr lvl="1">
@@ -6649,7 +6649,15 @@
             </a:r>
             <a:r>
               <a:rPr lang="de-DE" dirty="0"/>
-              <a:t>: Regelmäßiges Integrieren kleiner Änderungen</a:t>
+              <a:t>: </a:t>
+            </a:r>
+            <a:r>
+              <a:rPr lang="de-DE"/>
+              <a:t>Regelmäßiges integrieren </a:t>
+            </a:r>
+            <a:r>
+              <a:rPr lang="de-DE" dirty="0"/>
+              <a:t>kleiner Änderungen</a:t>
             </a:r>
           </a:p>
           <a:p>

--- a/slides/Tag-2_3-CI_CD.pptx
+++ b/slides/Tag-2_3-CI_CD.pptx
@@ -6,10 +6,10 @@
     <p:sldMasterId id="2147483649" r:id="rId2"/>
   </p:sldMasterIdLst>
   <p:notesMasterIdLst>
-    <p:notesMasterId r:id="rId18"/>
+    <p:notesMasterId r:id="rId23"/>
   </p:notesMasterIdLst>
   <p:handoutMasterIdLst>
-    <p:handoutMasterId r:id="rId19"/>
+    <p:handoutMasterId r:id="rId24"/>
   </p:handoutMasterIdLst>
   <p:sldIdLst>
     <p:sldId id="288" r:id="rId3"/>
@@ -21,12 +21,17 @@
     <p:sldId id="602" r:id="rId9"/>
     <p:sldId id="603" r:id="rId10"/>
     <p:sldId id="600" r:id="rId11"/>
-    <p:sldId id="597" r:id="rId12"/>
-    <p:sldId id="596" r:id="rId13"/>
-    <p:sldId id="589" r:id="rId14"/>
-    <p:sldId id="593" r:id="rId15"/>
-    <p:sldId id="591" r:id="rId16"/>
-    <p:sldId id="592" r:id="rId17"/>
+    <p:sldId id="604" r:id="rId12"/>
+    <p:sldId id="597" r:id="rId13"/>
+    <p:sldId id="596" r:id="rId14"/>
+    <p:sldId id="589" r:id="rId15"/>
+    <p:sldId id="605" r:id="rId16"/>
+    <p:sldId id="593" r:id="rId17"/>
+    <p:sldId id="606" r:id="rId18"/>
+    <p:sldId id="592" r:id="rId19"/>
+    <p:sldId id="608" r:id="rId20"/>
+    <p:sldId id="591" r:id="rId21"/>
+    <p:sldId id="607" r:id="rId22"/>
   </p:sldIdLst>
   <p:sldSz cx="9144000" cy="6858000" type="screen4x3"/>
   <p:notesSz cx="6784975" cy="9921875"/>
@@ -1028,6 +1033,261 @@
 </p:notes>
 </file>
 
+<file path=ppt/notesSlides/notesSlide10.xml><?xml version="1.0" encoding="utf-8"?>
+<p:notes xmlns:a="http://schemas.openxmlformats.org/drawingml/2006/main" xmlns:r="http://schemas.openxmlformats.org/officeDocument/2006/relationships" xmlns:p="http://schemas.openxmlformats.org/presentationml/2006/main">
+  <p:cSld>
+    <p:spTree>
+      <p:nvGrpSpPr>
+        <p:cNvPr id="1" name=""/>
+        <p:cNvGrpSpPr/>
+        <p:nvPr/>
+      </p:nvGrpSpPr>
+      <p:grpSpPr>
+        <a:xfrm>
+          <a:off x="0" y="0"/>
+          <a:ext cx="0" cy="0"/>
+          <a:chOff x="0" y="0"/>
+          <a:chExt cx="0" cy="0"/>
+        </a:xfrm>
+      </p:grpSpPr>
+      <p:sp>
+        <p:nvSpPr>
+          <p:cNvPr id="2" name="Folienbildplatzhalter 1"/>
+          <p:cNvSpPr>
+            <a:spLocks noGrp="1" noRot="1" noChangeAspect="1"/>
+          </p:cNvSpPr>
+          <p:nvPr>
+            <p:ph type="sldImg"/>
+          </p:nvPr>
+        </p:nvSpPr>
+        <p:spPr/>
+      </p:sp>
+      <p:sp>
+        <p:nvSpPr>
+          <p:cNvPr id="3" name="Notizenplatzhalter 2"/>
+          <p:cNvSpPr>
+            <a:spLocks noGrp="1"/>
+          </p:cNvSpPr>
+          <p:nvPr>
+            <p:ph type="body" idx="1"/>
+          </p:nvPr>
+        </p:nvSpPr>
+        <p:spPr/>
+        <p:txBody>
+          <a:bodyPr/>
+          <a:lstStyle/>
+          <a:p>
+            <a:endParaRPr lang="de-DE" dirty="0"/>
+          </a:p>
+        </p:txBody>
+      </p:sp>
+      <p:sp>
+        <p:nvSpPr>
+          <p:cNvPr id="4" name="Foliennummernplatzhalter 3"/>
+          <p:cNvSpPr>
+            <a:spLocks noGrp="1"/>
+          </p:cNvSpPr>
+          <p:nvPr>
+            <p:ph type="sldNum" sz="quarter" idx="5"/>
+          </p:nvPr>
+        </p:nvSpPr>
+        <p:spPr/>
+        <p:txBody>
+          <a:bodyPr/>
+          <a:lstStyle/>
+          <a:p>
+            <a:fld id="{18182567-388C-4D33-8B7B-A651F195F118}" type="slidenum">
+              <a:rPr lang="de-DE" altLang="de-DE" smtClean="0"/>
+              <a:pPr/>
+              <a:t>18</a:t>
+            </a:fld>
+            <a:endParaRPr lang="de-DE" altLang="de-DE"/>
+          </a:p>
+        </p:txBody>
+      </p:sp>
+    </p:spTree>
+    <p:extLst>
+      <p:ext uri="{BB962C8B-B14F-4D97-AF65-F5344CB8AC3E}">
+        <p14:creationId xmlns:p14="http://schemas.microsoft.com/office/powerpoint/2010/main" val="689394643"/>
+      </p:ext>
+    </p:extLst>
+  </p:cSld>
+  <p:clrMapOvr>
+    <a:masterClrMapping/>
+  </p:clrMapOvr>
+</p:notes>
+</file>
+
+<file path=ppt/notesSlides/notesSlide11.xml><?xml version="1.0" encoding="utf-8"?>
+<p:notes xmlns:a="http://schemas.openxmlformats.org/drawingml/2006/main" xmlns:r="http://schemas.openxmlformats.org/officeDocument/2006/relationships" xmlns:p="http://schemas.openxmlformats.org/presentationml/2006/main">
+  <p:cSld>
+    <p:spTree>
+      <p:nvGrpSpPr>
+        <p:cNvPr id="1" name=""/>
+        <p:cNvGrpSpPr/>
+        <p:nvPr/>
+      </p:nvGrpSpPr>
+      <p:grpSpPr>
+        <a:xfrm>
+          <a:off x="0" y="0"/>
+          <a:ext cx="0" cy="0"/>
+          <a:chOff x="0" y="0"/>
+          <a:chExt cx="0" cy="0"/>
+        </a:xfrm>
+      </p:grpSpPr>
+      <p:sp>
+        <p:nvSpPr>
+          <p:cNvPr id="2" name="Folienbildplatzhalter 1"/>
+          <p:cNvSpPr>
+            <a:spLocks noGrp="1" noRot="1" noChangeAspect="1"/>
+          </p:cNvSpPr>
+          <p:nvPr>
+            <p:ph type="sldImg"/>
+          </p:nvPr>
+        </p:nvSpPr>
+        <p:spPr/>
+      </p:sp>
+      <p:sp>
+        <p:nvSpPr>
+          <p:cNvPr id="3" name="Notizenplatzhalter 2"/>
+          <p:cNvSpPr>
+            <a:spLocks noGrp="1"/>
+          </p:cNvSpPr>
+          <p:nvPr>
+            <p:ph type="body" idx="1"/>
+          </p:nvPr>
+        </p:nvSpPr>
+        <p:spPr/>
+        <p:txBody>
+          <a:bodyPr/>
+          <a:lstStyle/>
+          <a:p>
+            <a:endParaRPr lang="de-DE" dirty="0"/>
+          </a:p>
+        </p:txBody>
+      </p:sp>
+      <p:sp>
+        <p:nvSpPr>
+          <p:cNvPr id="4" name="Foliennummernplatzhalter 3"/>
+          <p:cNvSpPr>
+            <a:spLocks noGrp="1"/>
+          </p:cNvSpPr>
+          <p:nvPr>
+            <p:ph type="sldNum" sz="quarter" idx="5"/>
+          </p:nvPr>
+        </p:nvSpPr>
+        <p:spPr/>
+        <p:txBody>
+          <a:bodyPr/>
+          <a:lstStyle/>
+          <a:p>
+            <a:fld id="{18182567-388C-4D33-8B7B-A651F195F118}" type="slidenum">
+              <a:rPr lang="de-DE" altLang="de-DE" smtClean="0"/>
+              <a:pPr/>
+              <a:t>19</a:t>
+            </a:fld>
+            <a:endParaRPr lang="de-DE" altLang="de-DE"/>
+          </a:p>
+        </p:txBody>
+      </p:sp>
+    </p:spTree>
+    <p:extLst>
+      <p:ext uri="{BB962C8B-B14F-4D97-AF65-F5344CB8AC3E}">
+        <p14:creationId xmlns:p14="http://schemas.microsoft.com/office/powerpoint/2010/main" val="696351830"/>
+      </p:ext>
+    </p:extLst>
+  </p:cSld>
+  <p:clrMapOvr>
+    <a:masterClrMapping/>
+  </p:clrMapOvr>
+</p:notes>
+</file>
+
+<file path=ppt/notesSlides/notesSlide12.xml><?xml version="1.0" encoding="utf-8"?>
+<p:notes xmlns:a="http://schemas.openxmlformats.org/drawingml/2006/main" xmlns:r="http://schemas.openxmlformats.org/officeDocument/2006/relationships" xmlns:p="http://schemas.openxmlformats.org/presentationml/2006/main">
+  <p:cSld>
+    <p:spTree>
+      <p:nvGrpSpPr>
+        <p:cNvPr id="1" name=""/>
+        <p:cNvGrpSpPr/>
+        <p:nvPr/>
+      </p:nvGrpSpPr>
+      <p:grpSpPr>
+        <a:xfrm>
+          <a:off x="0" y="0"/>
+          <a:ext cx="0" cy="0"/>
+          <a:chOff x="0" y="0"/>
+          <a:chExt cx="0" cy="0"/>
+        </a:xfrm>
+      </p:grpSpPr>
+      <p:sp>
+        <p:nvSpPr>
+          <p:cNvPr id="2" name="Folienbildplatzhalter 1"/>
+          <p:cNvSpPr>
+            <a:spLocks noGrp="1" noRot="1" noChangeAspect="1"/>
+          </p:cNvSpPr>
+          <p:nvPr>
+            <p:ph type="sldImg"/>
+          </p:nvPr>
+        </p:nvSpPr>
+        <p:spPr/>
+      </p:sp>
+      <p:sp>
+        <p:nvSpPr>
+          <p:cNvPr id="3" name="Notizenplatzhalter 2"/>
+          <p:cNvSpPr>
+            <a:spLocks noGrp="1"/>
+          </p:cNvSpPr>
+          <p:nvPr>
+            <p:ph type="body" idx="1"/>
+          </p:nvPr>
+        </p:nvSpPr>
+        <p:spPr/>
+        <p:txBody>
+          <a:bodyPr/>
+          <a:lstStyle/>
+          <a:p>
+            <a:endParaRPr lang="de-DE" dirty="0"/>
+          </a:p>
+        </p:txBody>
+      </p:sp>
+      <p:sp>
+        <p:nvSpPr>
+          <p:cNvPr id="4" name="Foliennummernplatzhalter 3"/>
+          <p:cNvSpPr>
+            <a:spLocks noGrp="1"/>
+          </p:cNvSpPr>
+          <p:nvPr>
+            <p:ph type="sldNum" sz="quarter" idx="5"/>
+          </p:nvPr>
+        </p:nvSpPr>
+        <p:spPr/>
+        <p:txBody>
+          <a:bodyPr/>
+          <a:lstStyle/>
+          <a:p>
+            <a:fld id="{18182567-388C-4D33-8B7B-A651F195F118}" type="slidenum">
+              <a:rPr lang="de-DE" altLang="de-DE" smtClean="0"/>
+              <a:pPr/>
+              <a:t>20</a:t>
+            </a:fld>
+            <a:endParaRPr lang="de-DE" altLang="de-DE"/>
+          </a:p>
+        </p:txBody>
+      </p:sp>
+    </p:spTree>
+    <p:extLst>
+      <p:ext uri="{BB962C8B-B14F-4D97-AF65-F5344CB8AC3E}">
+        <p14:creationId xmlns:p14="http://schemas.microsoft.com/office/powerpoint/2010/main" val="210679744"/>
+      </p:ext>
+    </p:extLst>
+  </p:cSld>
+  <p:clrMapOvr>
+    <a:masterClrMapping/>
+  </p:clrMapOvr>
+</p:notes>
+</file>
+
 <file path=ppt/notesSlides/notesSlide2.xml><?xml version="1.0" encoding="utf-8"?>
 <p:notes xmlns:a="http://schemas.openxmlformats.org/drawingml/2006/main" xmlns:r="http://schemas.openxmlformats.org/officeDocument/2006/relationships" xmlns:p="http://schemas.openxmlformats.org/presentationml/2006/main">
   <p:cSld>
@@ -1412,10 +1672,7 @@
           <a:bodyPr/>
           <a:lstStyle/>
           <a:p>
-            <a:r>
-              <a:rPr lang="de-DE" dirty="0"/>
-              <a:t>Quelle: https://aws.amazon.com/de/devops/continuous-integration/</a:t>
-            </a:r>
+            <a:endParaRPr lang="de-DE" dirty="0"/>
           </a:p>
         </p:txBody>
       </p:sp>
@@ -1446,7 +1703,7 @@
     </p:spTree>
     <p:extLst>
       <p:ext uri="{BB962C8B-B14F-4D97-AF65-F5344CB8AC3E}">
-        <p14:creationId xmlns:p14="http://schemas.microsoft.com/office/powerpoint/2010/main" val="3979204594"/>
+        <p14:creationId xmlns:p14="http://schemas.microsoft.com/office/powerpoint/2010/main" val="2640838222"/>
       </p:ext>
     </p:extLst>
   </p:cSld>
@@ -1502,7 +1759,7 @@
           <a:p>
             <a:r>
               <a:rPr lang="de-DE" dirty="0"/>
-              <a:t>Quelle: https://b1286009.smushcdn.com/1286009/wp-content/uploads/2020/04/a-world-without-ci.cd-meme.jpg?lossy=1&amp;strip=1&amp;webp=1</a:t>
+              <a:t>Quelle: https://aws.amazon.com/de/devops/continuous-integration/</a:t>
             </a:r>
           </a:p>
         </p:txBody>
@@ -1534,7 +1791,7 @@
     </p:spTree>
     <p:extLst>
       <p:ext uri="{BB962C8B-B14F-4D97-AF65-F5344CB8AC3E}">
-        <p14:creationId xmlns:p14="http://schemas.microsoft.com/office/powerpoint/2010/main" val="4044336700"/>
+        <p14:creationId xmlns:p14="http://schemas.microsoft.com/office/powerpoint/2010/main" val="3979204594"/>
       </p:ext>
     </p:extLst>
   </p:cSld>
@@ -1588,7 +1845,10 @@
           <a:bodyPr/>
           <a:lstStyle/>
           <a:p>
-            <a:endParaRPr lang="de-DE" dirty="0"/>
+            <a:r>
+              <a:rPr lang="de-DE" dirty="0"/>
+              <a:t>Quelle: https://b1286009.smushcdn.com/1286009/wp-content/uploads/2020/04/a-world-without-ci.cd-meme.jpg?lossy=1&amp;strip=1&amp;webp=1</a:t>
+            </a:r>
           </a:p>
         </p:txBody>
       </p:sp>
@@ -1610,7 +1870,7 @@
             <a:fld id="{18182567-388C-4D33-8B7B-A651F195F118}" type="slidenum">
               <a:rPr lang="de-DE" altLang="de-DE" smtClean="0"/>
               <a:pPr/>
-              <a:t>14</a:t>
+              <a:t>12</a:t>
             </a:fld>
             <a:endParaRPr lang="de-DE" altLang="de-DE"/>
           </a:p>
@@ -1619,7 +1879,7 @@
     </p:spTree>
     <p:extLst>
       <p:ext uri="{BB962C8B-B14F-4D97-AF65-F5344CB8AC3E}">
-        <p14:creationId xmlns:p14="http://schemas.microsoft.com/office/powerpoint/2010/main" val="696351830"/>
+        <p14:creationId xmlns:p14="http://schemas.microsoft.com/office/powerpoint/2010/main" val="4044336700"/>
       </p:ext>
     </p:extLst>
   </p:cSld>
@@ -1695,7 +1955,7 @@
             <a:fld id="{18182567-388C-4D33-8B7B-A651F195F118}" type="slidenum">
               <a:rPr lang="de-DE" altLang="de-DE" smtClean="0"/>
               <a:pPr/>
-              <a:t>15</a:t>
+              <a:t>17</a:t>
             </a:fld>
             <a:endParaRPr lang="de-DE" altLang="de-DE"/>
           </a:p>
@@ -2189,7 +2449,7 @@
               <a:pPr algn="ctr">
                 <a:defRPr/>
               </a:pPr>
-              <a:t>05.06.2024</a:t>
+              <a:t>06.06.2024</a:t>
             </a:fld>
             <a:endParaRPr lang="de-DE" sz="1000">
               <a:solidFill>
@@ -4459,7 +4719,7 @@
           <p:cNvPr id="2" name="Titel 1">
             <a:extLst>
               <a:ext uri="{FF2B5EF4-FFF2-40B4-BE49-F238E27FC236}">
-                <a16:creationId xmlns:a16="http://schemas.microsoft.com/office/drawing/2014/main" id="{573E86C8-FEC2-33AC-46AE-0549A82FAD01}"/>
+                <a16:creationId xmlns:a16="http://schemas.microsoft.com/office/drawing/2014/main" id="{74F61811-DDD3-CD36-300B-D3CAEEBD8E91}"/>
               </a:ext>
             </a:extLst>
           </p:cNvPr>
@@ -4482,57 +4742,127 @@
           </a:p>
         </p:txBody>
       </p:sp>
-      <p:pic>
-        <p:nvPicPr>
-          <p:cNvPr id="2050" name="Picture 2">
+      <p:sp>
+        <p:nvSpPr>
+          <p:cNvPr id="8" name="Inhaltsplatzhalter 2">
             <a:extLst>
               <a:ext uri="{FF2B5EF4-FFF2-40B4-BE49-F238E27FC236}">
-                <a16:creationId xmlns:a16="http://schemas.microsoft.com/office/drawing/2014/main" id="{AEB96CC2-9CB4-4477-2AA7-E44D0E74E5A6}"/>
+                <a16:creationId xmlns:a16="http://schemas.microsoft.com/office/drawing/2014/main" id="{3750ACE7-620C-13EC-C5A9-67889F051598}"/>
               </a:ext>
             </a:extLst>
           </p:cNvPr>
-          <p:cNvPicPr>
-            <a:picLocks noChangeAspect="1" noChangeArrowheads="1"/>
-          </p:cNvPicPr>
-          <p:nvPr/>
-        </p:nvPicPr>
-        <p:blipFill>
-          <a:blip r:embed="rId3">
-            <a:extLst>
-              <a:ext uri="{28A0092B-C50C-407E-A947-70E740481C1C}">
-                <a14:useLocalDpi xmlns:a14="http://schemas.microsoft.com/office/drawing/2010/main" val="0"/>
-              </a:ext>
-            </a:extLst>
-          </a:blip>
-          <a:srcRect/>
-          <a:stretch>
-            <a:fillRect/>
-          </a:stretch>
-        </p:blipFill>
-        <p:spPr bwMode="auto">
+          <p:cNvSpPr>
+            <a:spLocks noGrp="1"/>
+          </p:cNvSpPr>
+          <p:nvPr>
+            <p:ph idx="1"/>
+          </p:nvPr>
+        </p:nvSpPr>
+        <p:spPr>
           <a:xfrm>
-            <a:off x="252833" y="2511177"/>
-            <a:ext cx="8638334" cy="1835646"/>
+            <a:off x="303213" y="981075"/>
+            <a:ext cx="8516937" cy="5400675"/>
           </a:xfrm>
-          <a:prstGeom prst="rect">
-            <a:avLst/>
-          </a:prstGeom>
-          <a:noFill/>
-          <a:extLst>
-            <a:ext uri="{909E8E84-426E-40DD-AFC4-6F175D3DCCD1}">
-              <a14:hiddenFill xmlns:a14="http://schemas.microsoft.com/office/drawing/2010/main">
-                <a:solidFill>
-                  <a:srgbClr val="FFFFFF"/>
-                </a:solidFill>
-              </a14:hiddenFill>
-            </a:ext>
-          </a:extLst>
         </p:spPr>
-      </p:pic>
+        <p:txBody>
+          <a:bodyPr/>
+          <a:lstStyle/>
+          <a:p>
+            <a:pPr marL="0" indent="0">
+              <a:buNone/>
+            </a:pPr>
+            <a:r>
+              <a:rPr lang="de-DE" b="1" dirty="0"/>
+              <a:t>Nachteile von CI/CD</a:t>
+            </a:r>
+            <a:endParaRPr lang="de-DE" dirty="0"/>
+          </a:p>
+          <a:p>
+            <a:pPr>
+              <a:buFont typeface="Arial" panose="020B0604020202020204" pitchFamily="34" charset="0"/>
+              <a:buChar char="•"/>
+            </a:pPr>
+            <a:r>
+              <a:rPr lang="de-DE" dirty="0"/>
+              <a:t>Komplexität der Einrichtung:</a:t>
+            </a:r>
+          </a:p>
+          <a:p>
+            <a:pPr lvl="1">
+              <a:buFont typeface="Arial" panose="020B0604020202020204" pitchFamily="34" charset="0"/>
+              <a:buChar char="•"/>
+            </a:pPr>
+            <a:r>
+              <a:rPr lang="de-DE" dirty="0"/>
+              <a:t>Erheblicher Initialaufwand zur Implementierung und Konfiguration der CI/CD-Pipeline</a:t>
+            </a:r>
+          </a:p>
+          <a:p>
+            <a:pPr>
+              <a:buFont typeface="Arial" panose="020B0604020202020204" pitchFamily="34" charset="0"/>
+              <a:buChar char="•"/>
+            </a:pPr>
+            <a:r>
+              <a:rPr lang="de-DE" dirty="0"/>
+              <a:t>Kulturelle Anpassungen:</a:t>
+            </a:r>
+          </a:p>
+          <a:p>
+            <a:pPr lvl="1">
+              <a:buFont typeface="Arial" panose="020B0604020202020204" pitchFamily="34" charset="0"/>
+              <a:buChar char="•"/>
+            </a:pPr>
+            <a:r>
+              <a:rPr lang="de-DE" dirty="0"/>
+              <a:t>Erfordert eine Veränderung der Arbeitsweise und Denkweise im Team, was Widerstand verursachen kann</a:t>
+            </a:r>
+          </a:p>
+          <a:p>
+            <a:pPr>
+              <a:buFont typeface="Arial" panose="020B0604020202020204" pitchFamily="34" charset="0"/>
+              <a:buChar char="•"/>
+            </a:pPr>
+            <a:r>
+              <a:rPr lang="de-DE" dirty="0"/>
+              <a:t>Abhängigkeit von Automatisierung:</a:t>
+            </a:r>
+          </a:p>
+          <a:p>
+            <a:pPr lvl="1">
+              <a:buFont typeface="Arial" panose="020B0604020202020204" pitchFamily="34" charset="0"/>
+              <a:buChar char="•"/>
+            </a:pPr>
+            <a:r>
+              <a:rPr lang="de-DE" dirty="0"/>
+              <a:t>Starkes Vertrauen auf Automatisierung kann problematisch sein, wenn die automatisierten Prozesse fehlschlagen oder Fehler enthalten</a:t>
+            </a:r>
+          </a:p>
+          <a:p>
+            <a:pPr>
+              <a:buFont typeface="Arial" panose="020B0604020202020204" pitchFamily="34" charset="0"/>
+              <a:buChar char="•"/>
+            </a:pPr>
+            <a:r>
+              <a:rPr lang="de-DE" dirty="0"/>
+              <a:t>Kosten:</a:t>
+            </a:r>
+          </a:p>
+          <a:p>
+            <a:pPr lvl="1">
+              <a:buFont typeface="Arial" panose="020B0604020202020204" pitchFamily="34" charset="0"/>
+              <a:buChar char="•"/>
+            </a:pPr>
+            <a:r>
+              <a:rPr lang="de-DE" dirty="0"/>
+              <a:t>Zusätzliche Kosten für Tools, Infrastruktur und Schulungen, die für die Implementierung und den Betrieb von CI/CD erforderlich sind</a:t>
+            </a:r>
+          </a:p>
+        </p:txBody>
+      </p:sp>
     </p:spTree>
     <p:extLst>
       <p:ext uri="{BB962C8B-B14F-4D97-AF65-F5344CB8AC3E}">
-        <p14:creationId xmlns:p14="http://schemas.microsoft.com/office/powerpoint/2010/main" val="2957096432"/>
+        <p14:creationId xmlns:p14="http://schemas.microsoft.com/office/powerpoint/2010/main" val="2752595551"/>
       </p:ext>
     </p:extLst>
   </p:cSld>
@@ -4564,7 +4894,7 @@
           <p:cNvPr id="2" name="Titel 1">
             <a:extLst>
               <a:ext uri="{FF2B5EF4-FFF2-40B4-BE49-F238E27FC236}">
-                <a16:creationId xmlns:a16="http://schemas.microsoft.com/office/drawing/2014/main" id="{A665D894-C205-240B-EACE-153832C5C589}"/>
+                <a16:creationId xmlns:a16="http://schemas.microsoft.com/office/drawing/2014/main" id="{573E86C8-FEC2-33AC-46AE-0549A82FAD01}"/>
               </a:ext>
             </a:extLst>
           </p:cNvPr>
@@ -4587,59 +4917,2418 @@
           </a:p>
         </p:txBody>
       </p:sp>
-      <p:pic>
-        <p:nvPicPr>
-          <p:cNvPr id="3074" name="Picture 2" descr="Why the World Needs CI/CD | Flexagon">
+      <p:sp>
+        <p:nvSpPr>
+          <p:cNvPr id="3" name="Rechteck: abgerundete Ecken 2">
             <a:extLst>
               <a:ext uri="{FF2B5EF4-FFF2-40B4-BE49-F238E27FC236}">
-                <a16:creationId xmlns:a16="http://schemas.microsoft.com/office/drawing/2014/main" id="{6B3BD708-89D9-2A3B-48E9-3578730D2699}"/>
+                <a16:creationId xmlns:a16="http://schemas.microsoft.com/office/drawing/2014/main" id="{F7404443-982D-1DF9-5885-3696E3C5FFE1}"/>
               </a:ext>
             </a:extLst>
           </p:cNvPr>
-          <p:cNvPicPr>
-            <a:picLocks noGrp="1" noChangeAspect="1" noChangeArrowheads="1"/>
-          </p:cNvPicPr>
-          <p:nvPr>
-            <p:ph idx="1"/>
-          </p:nvPr>
-        </p:nvPicPr>
-        <p:blipFill>
-          <a:blip r:embed="rId3">
+          <p:cNvSpPr>
+            <a:spLocks/>
+          </p:cNvSpPr>
+          <p:nvPr/>
+        </p:nvSpPr>
+        <p:spPr bwMode="auto">
+          <a:xfrm>
+            <a:off x="208164" y="1869926"/>
+            <a:ext cx="2520280" cy="3240360"/>
+          </a:xfrm>
+          <a:prstGeom prst="roundRect">
+            <a:avLst>
+              <a:gd name="adj" fmla="val 3202"/>
+            </a:avLst>
+          </a:prstGeom>
+          <a:solidFill>
+            <a:schemeClr val="accent1"/>
+          </a:solidFill>
+          <a:ln w="12700" cap="flat" cmpd="sng" algn="ctr">
+            <a:solidFill>
+              <a:schemeClr val="tx1"/>
+            </a:solidFill>
+            <a:prstDash val="solid"/>
+            <a:round/>
+            <a:headEnd type="none" w="sm" len="sm"/>
+            <a:tailEnd type="none" w="sm" len="sm"/>
+          </a:ln>
+          <a:effectLst/>
+        </p:spPr>
+        <p:txBody>
+          <a:bodyPr vert="horz" wrap="square" lIns="91440" tIns="45720" rIns="91440" bIns="45720" numCol="1" rtlCol="0" anchor="t" anchorCtr="0" compatLnSpc="1">
+            <a:prstTxWarp prst="textNoShape">
+              <a:avLst/>
+            </a:prstTxWarp>
+          </a:bodyPr>
+          <a:lstStyle/>
+          <a:p>
+            <a:pPr marL="0" marR="0" indent="0" algn="ctr" defTabSz="914400" rtl="0" eaLnBrk="0" fontAlgn="base" latinLnBrk="0" hangingPunct="0">
+              <a:lnSpc>
+                <a:spcPct val="100000"/>
+              </a:lnSpc>
+              <a:spcBef>
+                <a:spcPct val="0"/>
+              </a:spcBef>
+              <a:spcAft>
+                <a:spcPct val="0"/>
+              </a:spcAft>
+              <a:buClrTx/>
+              <a:buSzTx/>
+              <a:buFontTx/>
+              <a:buNone/>
+              <a:tabLst/>
+            </a:pPr>
+            <a:r>
+              <a:rPr kumimoji="0" lang="de-DE" sz="1700" b="0" i="0" u="none" strike="noStrike" cap="none" normalizeH="0" baseline="0" dirty="0" err="1">
+                <a:ln>
+                  <a:noFill/>
+                </a:ln>
+                <a:solidFill>
+                  <a:schemeClr val="bg1"/>
+                </a:solidFill>
+                <a:effectLst/>
+                <a:latin typeface="+mj-lt"/>
+              </a:rPr>
+              <a:t>Continous</a:t>
+            </a:r>
+            <a:r>
+              <a:rPr kumimoji="0" lang="de-DE" sz="1700" b="0" i="0" u="none" strike="noStrike" cap="none" normalizeH="0" baseline="0" dirty="0">
+                <a:ln>
+                  <a:noFill/>
+                </a:ln>
+                <a:solidFill>
+                  <a:schemeClr val="bg1"/>
+                </a:solidFill>
+                <a:effectLst/>
+                <a:latin typeface="+mj-lt"/>
+              </a:rPr>
+              <a:t> </a:t>
+            </a:r>
+            <a:r>
+              <a:rPr kumimoji="0" lang="de-DE" sz="1700" b="0" i="0" u="none" strike="noStrike" cap="none" normalizeH="0" baseline="0" dirty="0" err="1">
+                <a:ln>
+                  <a:noFill/>
+                </a:ln>
+                <a:solidFill>
+                  <a:schemeClr val="bg1"/>
+                </a:solidFill>
+                <a:effectLst/>
+                <a:latin typeface="+mj-lt"/>
+              </a:rPr>
+              <a:t>integration</a:t>
+            </a:r>
+            <a:endParaRPr kumimoji="0" lang="de-DE" sz="1700" b="0" i="0" u="none" strike="noStrike" cap="none" normalizeH="0" baseline="0" dirty="0">
+              <a:ln>
+                <a:noFill/>
+              </a:ln>
+              <a:solidFill>
+                <a:schemeClr val="bg1"/>
+              </a:solidFill>
+              <a:effectLst/>
+              <a:latin typeface="+mj-lt"/>
+            </a:endParaRPr>
+          </a:p>
+        </p:txBody>
+      </p:sp>
+      <p:sp>
+        <p:nvSpPr>
+          <p:cNvPr id="5" name="Rechteck: abgerundete Ecken 4">
             <a:extLst>
-              <a:ext uri="{28A0092B-C50C-407E-A947-70E740481C1C}">
-                <a14:useLocalDpi xmlns:a14="http://schemas.microsoft.com/office/drawing/2010/main" val="0"/>
+              <a:ext uri="{FF2B5EF4-FFF2-40B4-BE49-F238E27FC236}">
+                <a16:creationId xmlns:a16="http://schemas.microsoft.com/office/drawing/2014/main" id="{B551F127-751F-7B71-2506-5BA943FEC7A6}"/>
               </a:ext>
             </a:extLst>
-          </a:blip>
-          <a:srcRect/>
-          <a:stretch>
-            <a:fillRect/>
-          </a:stretch>
-        </p:blipFill>
+          </p:cNvPr>
+          <p:cNvSpPr/>
+          <p:nvPr/>
+        </p:nvSpPr>
         <p:spPr bwMode="auto">
           <a:xfrm>
-            <a:off x="342106" y="1300162"/>
-            <a:ext cx="8439150" cy="4762500"/>
+            <a:off x="395536" y="2636912"/>
+            <a:ext cx="1008112" cy="504056"/>
+          </a:xfrm>
+          <a:prstGeom prst="roundRect">
+            <a:avLst/>
+          </a:prstGeom>
+          <a:solidFill>
+            <a:schemeClr val="accent2"/>
+          </a:solidFill>
+          <a:ln w="19050" cap="flat" cmpd="sng" algn="ctr">
+            <a:solidFill>
+              <a:schemeClr val="bg1"/>
+            </a:solidFill>
+            <a:prstDash val="solid"/>
+            <a:round/>
+            <a:headEnd type="none" w="sm" len="sm"/>
+            <a:tailEnd type="none" w="sm" len="sm"/>
+          </a:ln>
+          <a:effectLst/>
+        </p:spPr>
+        <p:txBody>
+          <a:bodyPr vert="horz" wrap="square" lIns="91440" tIns="45720" rIns="91440" bIns="45720" numCol="1" rtlCol="0" anchor="t" anchorCtr="0" compatLnSpc="1">
+            <a:prstTxWarp prst="textNoShape">
+              <a:avLst/>
+            </a:prstTxWarp>
+          </a:bodyPr>
+          <a:lstStyle/>
+          <a:p>
+            <a:pPr marL="0" marR="0" indent="0" algn="ctr" defTabSz="914400" rtl="0" eaLnBrk="0" fontAlgn="base" latinLnBrk="0" hangingPunct="0">
+              <a:lnSpc>
+                <a:spcPct val="100000"/>
+              </a:lnSpc>
+              <a:spcBef>
+                <a:spcPct val="0"/>
+              </a:spcBef>
+              <a:spcAft>
+                <a:spcPct val="0"/>
+              </a:spcAft>
+              <a:buClrTx/>
+              <a:buSzTx/>
+              <a:buFontTx/>
+              <a:buNone/>
+              <a:tabLst/>
+            </a:pPr>
+            <a:endParaRPr kumimoji="0" lang="de-DE" sz="1400" b="0" i="0" u="none" strike="noStrike" cap="none" normalizeH="0" baseline="0" dirty="0">
+              <a:ln>
+                <a:noFill/>
+              </a:ln>
+              <a:solidFill>
+                <a:schemeClr val="tx1"/>
+              </a:solidFill>
+              <a:effectLst/>
+              <a:latin typeface="+mj-lt"/>
+            </a:endParaRPr>
+          </a:p>
+        </p:txBody>
+      </p:sp>
+      <p:sp>
+        <p:nvSpPr>
+          <p:cNvPr id="6" name="Textfeld 5">
+            <a:extLst>
+              <a:ext uri="{FF2B5EF4-FFF2-40B4-BE49-F238E27FC236}">
+                <a16:creationId xmlns:a16="http://schemas.microsoft.com/office/drawing/2014/main" id="{8DDF3095-1189-32CA-96F1-A1AB984E6268}"/>
+              </a:ext>
+            </a:extLst>
+          </p:cNvPr>
+          <p:cNvSpPr txBox="1"/>
+          <p:nvPr/>
+        </p:nvSpPr>
+        <p:spPr bwMode="auto">
+          <a:xfrm>
+            <a:off x="395536" y="2768876"/>
+            <a:ext cx="1008112" cy="230832"/>
           </a:xfrm>
           <a:prstGeom prst="rect">
             <a:avLst/>
           </a:prstGeom>
           <a:noFill/>
-          <a:extLst>
-            <a:ext uri="{909E8E84-426E-40DD-AFC4-6F175D3DCCD1}">
-              <a14:hiddenFill xmlns:a14="http://schemas.microsoft.com/office/drawing/2010/main">
-                <a:solidFill>
-                  <a:srgbClr val="FFFFFF"/>
-                </a:solidFill>
-              </a14:hiddenFill>
-            </a:ext>
-          </a:extLst>
+          <a:ln w="9525">
+            <a:noFill/>
+            <a:miter lim="800000"/>
+            <a:headEnd/>
+            <a:tailEnd/>
+          </a:ln>
         </p:spPr>
-      </p:pic>
+        <p:txBody>
+          <a:bodyPr wrap="square" rtlCol="0" anchor="ctr">
+            <a:spAutoFit/>
+          </a:bodyPr>
+          <a:lstStyle/>
+          <a:p>
+            <a:pPr algn="ctr" eaLnBrk="1" hangingPunct="1"/>
+            <a:r>
+              <a:rPr kumimoji="0" lang="de-DE" sz="900" b="0" i="0" u="none" strike="noStrike" cap="none" normalizeH="0" baseline="0" dirty="0">
+                <a:ln>
+                  <a:noFill/>
+                </a:ln>
+                <a:solidFill>
+                  <a:schemeClr val="bg1"/>
+                </a:solidFill>
+                <a:effectLst/>
+                <a:latin typeface="+mj-lt"/>
+              </a:rPr>
+              <a:t>BUILDS</a:t>
+            </a:r>
+            <a:endParaRPr lang="de-DE" sz="1600" dirty="0">
+              <a:solidFill>
+                <a:schemeClr val="bg1"/>
+              </a:solidFill>
+              <a:latin typeface="Arial" charset="0"/>
+            </a:endParaRPr>
+          </a:p>
+        </p:txBody>
+      </p:sp>
+      <p:sp>
+        <p:nvSpPr>
+          <p:cNvPr id="7" name="Rechteck: abgerundete Ecken 6">
+            <a:extLst>
+              <a:ext uri="{FF2B5EF4-FFF2-40B4-BE49-F238E27FC236}">
+                <a16:creationId xmlns:a16="http://schemas.microsoft.com/office/drawing/2014/main" id="{847C08C6-5EAB-CCCB-B920-B7DF9D57C25B}"/>
+              </a:ext>
+            </a:extLst>
+          </p:cNvPr>
+          <p:cNvSpPr/>
+          <p:nvPr/>
+        </p:nvSpPr>
+        <p:spPr bwMode="auto">
+          <a:xfrm>
+            <a:off x="1564322" y="2636912"/>
+            <a:ext cx="1008112" cy="504056"/>
+          </a:xfrm>
+          <a:prstGeom prst="roundRect">
+            <a:avLst/>
+          </a:prstGeom>
+          <a:solidFill>
+            <a:schemeClr val="accent2"/>
+          </a:solidFill>
+          <a:ln w="19050" cap="flat" cmpd="sng" algn="ctr">
+            <a:solidFill>
+              <a:schemeClr val="bg1"/>
+            </a:solidFill>
+            <a:prstDash val="solid"/>
+            <a:round/>
+            <a:headEnd type="none" w="sm" len="sm"/>
+            <a:tailEnd type="none" w="sm" len="sm"/>
+          </a:ln>
+          <a:effectLst/>
+        </p:spPr>
+        <p:txBody>
+          <a:bodyPr vert="horz" wrap="square" lIns="91440" tIns="45720" rIns="91440" bIns="45720" numCol="1" rtlCol="0" anchor="t" anchorCtr="0" compatLnSpc="1">
+            <a:prstTxWarp prst="textNoShape">
+              <a:avLst/>
+            </a:prstTxWarp>
+          </a:bodyPr>
+          <a:lstStyle/>
+          <a:p>
+            <a:pPr marL="0" marR="0" indent="0" algn="ctr" defTabSz="914400" rtl="0" eaLnBrk="0" fontAlgn="base" latinLnBrk="0" hangingPunct="0">
+              <a:lnSpc>
+                <a:spcPct val="100000"/>
+              </a:lnSpc>
+              <a:spcBef>
+                <a:spcPct val="0"/>
+              </a:spcBef>
+              <a:spcAft>
+                <a:spcPct val="0"/>
+              </a:spcAft>
+              <a:buClrTx/>
+              <a:buSzTx/>
+              <a:buFontTx/>
+              <a:buNone/>
+              <a:tabLst/>
+            </a:pPr>
+            <a:endParaRPr kumimoji="0" lang="de-DE" sz="1400" b="0" i="0" u="none" strike="noStrike" cap="none" normalizeH="0" baseline="0" dirty="0">
+              <a:ln>
+                <a:noFill/>
+              </a:ln>
+              <a:solidFill>
+                <a:schemeClr val="tx1"/>
+              </a:solidFill>
+              <a:effectLst/>
+              <a:latin typeface="+mj-lt"/>
+            </a:endParaRPr>
+          </a:p>
+        </p:txBody>
+      </p:sp>
+      <p:sp>
+        <p:nvSpPr>
+          <p:cNvPr id="8" name="Textfeld 7">
+            <a:extLst>
+              <a:ext uri="{FF2B5EF4-FFF2-40B4-BE49-F238E27FC236}">
+                <a16:creationId xmlns:a16="http://schemas.microsoft.com/office/drawing/2014/main" id="{F4144BC3-6597-70F9-5D26-4065988E960A}"/>
+              </a:ext>
+            </a:extLst>
+          </p:cNvPr>
+          <p:cNvSpPr txBox="1"/>
+          <p:nvPr/>
+        </p:nvSpPr>
+        <p:spPr bwMode="auto">
+          <a:xfrm>
+            <a:off x="1564322" y="2768876"/>
+            <a:ext cx="1008112" cy="230832"/>
+          </a:xfrm>
+          <a:prstGeom prst="rect">
+            <a:avLst/>
+          </a:prstGeom>
+          <a:noFill/>
+          <a:ln w="9525">
+            <a:noFill/>
+            <a:miter lim="800000"/>
+            <a:headEnd/>
+            <a:tailEnd/>
+          </a:ln>
+        </p:spPr>
+        <p:txBody>
+          <a:bodyPr wrap="square" rtlCol="0" anchor="ctr">
+            <a:spAutoFit/>
+          </a:bodyPr>
+          <a:lstStyle/>
+          <a:p>
+            <a:pPr algn="ctr" eaLnBrk="1" hangingPunct="1"/>
+            <a:r>
+              <a:rPr kumimoji="0" lang="de-DE" sz="900" b="0" i="0" u="none" strike="noStrike" cap="none" normalizeH="0" baseline="0" dirty="0">
+                <a:ln>
+                  <a:noFill/>
+                </a:ln>
+                <a:solidFill>
+                  <a:schemeClr val="bg1"/>
+                </a:solidFill>
+                <a:effectLst/>
+                <a:latin typeface="+mj-lt"/>
+              </a:rPr>
+              <a:t>TEST</a:t>
+            </a:r>
+            <a:endParaRPr lang="de-DE" sz="900" dirty="0">
+              <a:solidFill>
+                <a:schemeClr val="bg1"/>
+              </a:solidFill>
+              <a:latin typeface="Arial" charset="0"/>
+            </a:endParaRPr>
+          </a:p>
+        </p:txBody>
+      </p:sp>
+      <p:cxnSp>
+        <p:nvCxnSpPr>
+          <p:cNvPr id="10" name="Gerader Verbinder 9">
+            <a:extLst>
+              <a:ext uri="{FF2B5EF4-FFF2-40B4-BE49-F238E27FC236}">
+                <a16:creationId xmlns:a16="http://schemas.microsoft.com/office/drawing/2014/main" id="{E5F69707-104A-9B26-52F9-7943B85368DE}"/>
+              </a:ext>
+            </a:extLst>
+          </p:cNvPr>
+          <p:cNvCxnSpPr>
+            <a:stCxn id="6" idx="3"/>
+            <a:endCxn id="8" idx="1"/>
+          </p:cNvCxnSpPr>
+          <p:nvPr/>
+        </p:nvCxnSpPr>
+        <p:spPr bwMode="auto">
+          <a:xfrm>
+            <a:off x="1403648" y="2884292"/>
+            <a:ext cx="160674" cy="0"/>
+          </a:xfrm>
+          <a:prstGeom prst="line">
+            <a:avLst/>
+          </a:prstGeom>
+          <a:solidFill>
+            <a:schemeClr val="accent1"/>
+          </a:solidFill>
+          <a:ln w="12700" cap="flat" cmpd="sng" algn="ctr">
+            <a:solidFill>
+              <a:schemeClr val="tx1"/>
+            </a:solidFill>
+            <a:prstDash val="solid"/>
+            <a:round/>
+            <a:headEnd type="none" w="sm" len="sm"/>
+            <a:tailEnd type="none" w="sm" len="sm"/>
+          </a:ln>
+          <a:effectLst/>
+        </p:spPr>
+      </p:cxnSp>
+      <p:sp>
+        <p:nvSpPr>
+          <p:cNvPr id="11" name="Rechteck: abgerundete Ecken 10">
+            <a:extLst>
+              <a:ext uri="{FF2B5EF4-FFF2-40B4-BE49-F238E27FC236}">
+                <a16:creationId xmlns:a16="http://schemas.microsoft.com/office/drawing/2014/main" id="{550B8ACD-B42A-46B1-3148-7F6DCAFA4544}"/>
+              </a:ext>
+            </a:extLst>
+          </p:cNvPr>
+          <p:cNvSpPr/>
+          <p:nvPr/>
+        </p:nvSpPr>
+        <p:spPr bwMode="auto">
+          <a:xfrm>
+            <a:off x="2915816" y="2632266"/>
+            <a:ext cx="1008112" cy="504056"/>
+          </a:xfrm>
+          <a:prstGeom prst="roundRect">
+            <a:avLst/>
+          </a:prstGeom>
+          <a:solidFill>
+            <a:schemeClr val="accent2"/>
+          </a:solidFill>
+          <a:ln w="19050" cap="flat" cmpd="sng" algn="ctr">
+            <a:solidFill>
+              <a:schemeClr val="bg1"/>
+            </a:solidFill>
+            <a:prstDash val="solid"/>
+            <a:round/>
+            <a:headEnd type="none" w="sm" len="sm"/>
+            <a:tailEnd type="none" w="sm" len="sm"/>
+          </a:ln>
+          <a:effectLst/>
+        </p:spPr>
+        <p:txBody>
+          <a:bodyPr vert="horz" wrap="square" lIns="91440" tIns="45720" rIns="91440" bIns="45720" numCol="1" rtlCol="0" anchor="t" anchorCtr="0" compatLnSpc="1">
+            <a:prstTxWarp prst="textNoShape">
+              <a:avLst/>
+            </a:prstTxWarp>
+          </a:bodyPr>
+          <a:lstStyle/>
+          <a:p>
+            <a:pPr marL="0" marR="0" indent="0" algn="ctr" defTabSz="914400" rtl="0" eaLnBrk="0" fontAlgn="base" latinLnBrk="0" hangingPunct="0">
+              <a:lnSpc>
+                <a:spcPct val="100000"/>
+              </a:lnSpc>
+              <a:spcBef>
+                <a:spcPct val="0"/>
+              </a:spcBef>
+              <a:spcAft>
+                <a:spcPct val="0"/>
+              </a:spcAft>
+              <a:buClrTx/>
+              <a:buSzTx/>
+              <a:buFontTx/>
+              <a:buNone/>
+              <a:tabLst/>
+            </a:pPr>
+            <a:endParaRPr kumimoji="0" lang="de-DE" sz="1400" b="0" i="0" u="none" strike="noStrike" cap="none" normalizeH="0" baseline="0" dirty="0">
+              <a:ln>
+                <a:noFill/>
+              </a:ln>
+              <a:solidFill>
+                <a:schemeClr val="tx1"/>
+              </a:solidFill>
+              <a:effectLst/>
+              <a:latin typeface="+mj-lt"/>
+            </a:endParaRPr>
+          </a:p>
+        </p:txBody>
+      </p:sp>
+      <p:sp>
+        <p:nvSpPr>
+          <p:cNvPr id="12" name="Textfeld 11">
+            <a:extLst>
+              <a:ext uri="{FF2B5EF4-FFF2-40B4-BE49-F238E27FC236}">
+                <a16:creationId xmlns:a16="http://schemas.microsoft.com/office/drawing/2014/main" id="{076D1822-80C5-25B0-AE06-B871A8D35E5C}"/>
+              </a:ext>
+            </a:extLst>
+          </p:cNvPr>
+          <p:cNvSpPr txBox="1"/>
+          <p:nvPr/>
+        </p:nvSpPr>
+        <p:spPr bwMode="auto">
+          <a:xfrm>
+            <a:off x="2915816" y="2694980"/>
+            <a:ext cx="1008112" cy="369332"/>
+          </a:xfrm>
+          <a:prstGeom prst="rect">
+            <a:avLst/>
+          </a:prstGeom>
+          <a:noFill/>
+          <a:ln w="9525">
+            <a:noFill/>
+            <a:miter lim="800000"/>
+            <a:headEnd/>
+            <a:tailEnd/>
+          </a:ln>
+        </p:spPr>
+        <p:txBody>
+          <a:bodyPr wrap="square" rtlCol="0" anchor="ctr">
+            <a:spAutoFit/>
+          </a:bodyPr>
+          <a:lstStyle/>
+          <a:p>
+            <a:pPr algn="ctr" eaLnBrk="1" hangingPunct="1"/>
+            <a:r>
+              <a:rPr lang="de-DE" sz="900" dirty="0">
+                <a:solidFill>
+                  <a:schemeClr val="bg1"/>
+                </a:solidFill>
+                <a:latin typeface="Arial" charset="0"/>
+              </a:rPr>
+              <a:t>ACCEPTANCE</a:t>
+            </a:r>
+          </a:p>
+          <a:p>
+            <a:pPr algn="ctr" eaLnBrk="1" hangingPunct="1"/>
+            <a:r>
+              <a:rPr lang="de-DE" sz="900" dirty="0">
+                <a:solidFill>
+                  <a:schemeClr val="bg1"/>
+                </a:solidFill>
+                <a:latin typeface="Arial" charset="0"/>
+              </a:rPr>
+              <a:t>TEST</a:t>
+            </a:r>
+          </a:p>
+        </p:txBody>
+      </p:sp>
+      <p:cxnSp>
+        <p:nvCxnSpPr>
+          <p:cNvPr id="14" name="Gerader Verbinder 13">
+            <a:extLst>
+              <a:ext uri="{FF2B5EF4-FFF2-40B4-BE49-F238E27FC236}">
+                <a16:creationId xmlns:a16="http://schemas.microsoft.com/office/drawing/2014/main" id="{B6F67580-910B-5644-90DB-1F789577A8F2}"/>
+              </a:ext>
+            </a:extLst>
+          </p:cNvPr>
+          <p:cNvCxnSpPr>
+            <a:stCxn id="8" idx="3"/>
+            <a:endCxn id="12" idx="1"/>
+          </p:cNvCxnSpPr>
+          <p:nvPr/>
+        </p:nvCxnSpPr>
+        <p:spPr bwMode="auto">
+          <a:xfrm flipV="1">
+            <a:off x="2572434" y="2879646"/>
+            <a:ext cx="343382" cy="4646"/>
+          </a:xfrm>
+          <a:prstGeom prst="line">
+            <a:avLst/>
+          </a:prstGeom>
+          <a:solidFill>
+            <a:schemeClr val="accent1"/>
+          </a:solidFill>
+          <a:ln w="12700" cap="flat" cmpd="sng" algn="ctr">
+            <a:solidFill>
+              <a:schemeClr val="tx1"/>
+            </a:solidFill>
+            <a:prstDash val="solid"/>
+            <a:round/>
+            <a:headEnd type="none" w="sm" len="sm"/>
+            <a:tailEnd type="none" w="sm" len="sm"/>
+          </a:ln>
+          <a:effectLst/>
+        </p:spPr>
+      </p:cxnSp>
+      <p:sp>
+        <p:nvSpPr>
+          <p:cNvPr id="16" name="Rechteck: abgerundete Ecken 15">
+            <a:extLst>
+              <a:ext uri="{FF2B5EF4-FFF2-40B4-BE49-F238E27FC236}">
+                <a16:creationId xmlns:a16="http://schemas.microsoft.com/office/drawing/2014/main" id="{6F53674B-E1F0-BB63-61F7-654295B84079}"/>
+              </a:ext>
+            </a:extLst>
+          </p:cNvPr>
+          <p:cNvSpPr/>
+          <p:nvPr/>
+        </p:nvSpPr>
+        <p:spPr bwMode="auto">
+          <a:xfrm>
+            <a:off x="4211962" y="2632266"/>
+            <a:ext cx="1008112" cy="504056"/>
+          </a:xfrm>
+          <a:prstGeom prst="roundRect">
+            <a:avLst/>
+          </a:prstGeom>
+          <a:solidFill>
+            <a:schemeClr val="accent2"/>
+          </a:solidFill>
+          <a:ln w="19050" cap="flat" cmpd="sng" algn="ctr">
+            <a:solidFill>
+              <a:schemeClr val="bg1"/>
+            </a:solidFill>
+            <a:prstDash val="solid"/>
+            <a:round/>
+            <a:headEnd type="none" w="sm" len="sm"/>
+            <a:tailEnd type="none" w="sm" len="sm"/>
+          </a:ln>
+          <a:effectLst/>
+        </p:spPr>
+        <p:txBody>
+          <a:bodyPr vert="horz" wrap="square" lIns="91440" tIns="45720" rIns="91440" bIns="45720" numCol="1" rtlCol="0" anchor="t" anchorCtr="0" compatLnSpc="1">
+            <a:prstTxWarp prst="textNoShape">
+              <a:avLst/>
+            </a:prstTxWarp>
+          </a:bodyPr>
+          <a:lstStyle/>
+          <a:p>
+            <a:pPr marL="0" marR="0" indent="0" algn="ctr" defTabSz="914400" rtl="0" eaLnBrk="0" fontAlgn="base" latinLnBrk="0" hangingPunct="0">
+              <a:lnSpc>
+                <a:spcPct val="100000"/>
+              </a:lnSpc>
+              <a:spcBef>
+                <a:spcPct val="0"/>
+              </a:spcBef>
+              <a:spcAft>
+                <a:spcPct val="0"/>
+              </a:spcAft>
+              <a:buClrTx/>
+              <a:buSzTx/>
+              <a:buFontTx/>
+              <a:buNone/>
+              <a:tabLst/>
+            </a:pPr>
+            <a:endParaRPr kumimoji="0" lang="de-DE" sz="1400" b="0" i="0" u="none" strike="noStrike" cap="none" normalizeH="0" baseline="0" dirty="0">
+              <a:ln>
+                <a:noFill/>
+              </a:ln>
+              <a:solidFill>
+                <a:schemeClr val="tx1"/>
+              </a:solidFill>
+              <a:effectLst/>
+              <a:latin typeface="+mj-lt"/>
+            </a:endParaRPr>
+          </a:p>
+        </p:txBody>
+      </p:sp>
+      <p:sp>
+        <p:nvSpPr>
+          <p:cNvPr id="17" name="Textfeld 16">
+            <a:extLst>
+              <a:ext uri="{FF2B5EF4-FFF2-40B4-BE49-F238E27FC236}">
+                <a16:creationId xmlns:a16="http://schemas.microsoft.com/office/drawing/2014/main" id="{42C650DC-23AC-8877-43ED-871E2852141D}"/>
+              </a:ext>
+            </a:extLst>
+          </p:cNvPr>
+          <p:cNvSpPr txBox="1"/>
+          <p:nvPr/>
+        </p:nvSpPr>
+        <p:spPr bwMode="auto">
+          <a:xfrm>
+            <a:off x="4211962" y="2694980"/>
+            <a:ext cx="1008112" cy="369332"/>
+          </a:xfrm>
+          <a:prstGeom prst="rect">
+            <a:avLst/>
+          </a:prstGeom>
+          <a:noFill/>
+          <a:ln w="9525">
+            <a:noFill/>
+            <a:miter lim="800000"/>
+            <a:headEnd/>
+            <a:tailEnd/>
+          </a:ln>
+        </p:spPr>
+        <p:txBody>
+          <a:bodyPr wrap="square" rtlCol="0" anchor="ctr">
+            <a:spAutoFit/>
+          </a:bodyPr>
+          <a:lstStyle/>
+          <a:p>
+            <a:pPr algn="ctr" eaLnBrk="1" hangingPunct="1"/>
+            <a:r>
+              <a:rPr lang="de-DE" sz="900" dirty="0">
+                <a:solidFill>
+                  <a:schemeClr val="bg1"/>
+                </a:solidFill>
+                <a:latin typeface="Arial" charset="0"/>
+              </a:rPr>
+              <a:t>DEPLOY TO</a:t>
+            </a:r>
+          </a:p>
+          <a:p>
+            <a:pPr algn="ctr" eaLnBrk="1" hangingPunct="1"/>
+            <a:r>
+              <a:rPr lang="de-DE" sz="900" dirty="0">
+                <a:solidFill>
+                  <a:schemeClr val="bg1"/>
+                </a:solidFill>
+                <a:latin typeface="Arial" charset="0"/>
+              </a:rPr>
+              <a:t>STAGING</a:t>
+            </a:r>
+          </a:p>
+        </p:txBody>
+      </p:sp>
+      <p:cxnSp>
+        <p:nvCxnSpPr>
+          <p:cNvPr id="19" name="Gerader Verbinder 18">
+            <a:extLst>
+              <a:ext uri="{FF2B5EF4-FFF2-40B4-BE49-F238E27FC236}">
+                <a16:creationId xmlns:a16="http://schemas.microsoft.com/office/drawing/2014/main" id="{567974FC-86DC-6A27-C505-3A932DE7E624}"/>
+              </a:ext>
+            </a:extLst>
+          </p:cNvPr>
+          <p:cNvCxnSpPr>
+            <a:cxnSpLocks/>
+            <a:stCxn id="12" idx="3"/>
+            <a:endCxn id="17" idx="1"/>
+          </p:cNvCxnSpPr>
+          <p:nvPr/>
+        </p:nvCxnSpPr>
+        <p:spPr bwMode="auto">
+          <a:xfrm>
+            <a:off x="3923928" y="2879646"/>
+            <a:ext cx="288034" cy="0"/>
+          </a:xfrm>
+          <a:prstGeom prst="line">
+            <a:avLst/>
+          </a:prstGeom>
+          <a:solidFill>
+            <a:schemeClr val="accent1"/>
+          </a:solidFill>
+          <a:ln w="12700" cap="flat" cmpd="sng" algn="ctr">
+            <a:solidFill>
+              <a:schemeClr val="tx1"/>
+            </a:solidFill>
+            <a:prstDash val="solid"/>
+            <a:round/>
+            <a:headEnd type="none" w="sm" len="sm"/>
+            <a:tailEnd type="none" w="sm" len="sm"/>
+          </a:ln>
+          <a:effectLst/>
+        </p:spPr>
+      </p:cxnSp>
+      <p:sp>
+        <p:nvSpPr>
+          <p:cNvPr id="20" name="Rechteck: abgerundete Ecken 19">
+            <a:extLst>
+              <a:ext uri="{FF2B5EF4-FFF2-40B4-BE49-F238E27FC236}">
+                <a16:creationId xmlns:a16="http://schemas.microsoft.com/office/drawing/2014/main" id="{5637D238-C186-AC26-E62A-63C65AC1A2CC}"/>
+              </a:ext>
+            </a:extLst>
+          </p:cNvPr>
+          <p:cNvSpPr/>
+          <p:nvPr/>
+        </p:nvSpPr>
+        <p:spPr bwMode="auto">
+          <a:xfrm>
+            <a:off x="5508108" y="2632266"/>
+            <a:ext cx="1008112" cy="504056"/>
+          </a:xfrm>
+          <a:prstGeom prst="roundRect">
+            <a:avLst/>
+          </a:prstGeom>
+          <a:solidFill>
+            <a:srgbClr val="FFCC00"/>
+          </a:solidFill>
+          <a:ln w="19050" cap="flat" cmpd="sng" algn="ctr">
+            <a:solidFill>
+              <a:schemeClr val="bg1"/>
+            </a:solidFill>
+            <a:prstDash val="solid"/>
+            <a:round/>
+            <a:headEnd type="none" w="sm" len="sm"/>
+            <a:tailEnd type="none" w="sm" len="sm"/>
+          </a:ln>
+          <a:effectLst/>
+        </p:spPr>
+        <p:txBody>
+          <a:bodyPr vert="horz" wrap="square" lIns="91440" tIns="45720" rIns="91440" bIns="45720" numCol="1" rtlCol="0" anchor="t" anchorCtr="0" compatLnSpc="1">
+            <a:prstTxWarp prst="textNoShape">
+              <a:avLst/>
+            </a:prstTxWarp>
+          </a:bodyPr>
+          <a:lstStyle/>
+          <a:p>
+            <a:pPr marL="0" marR="0" indent="0" algn="ctr" defTabSz="914400" rtl="0" eaLnBrk="0" fontAlgn="base" latinLnBrk="0" hangingPunct="0">
+              <a:lnSpc>
+                <a:spcPct val="100000"/>
+              </a:lnSpc>
+              <a:spcBef>
+                <a:spcPct val="0"/>
+              </a:spcBef>
+              <a:spcAft>
+                <a:spcPct val="0"/>
+              </a:spcAft>
+              <a:buClrTx/>
+              <a:buSzTx/>
+              <a:buFontTx/>
+              <a:buNone/>
+              <a:tabLst/>
+            </a:pPr>
+            <a:endParaRPr kumimoji="0" lang="de-DE" sz="1400" b="0" i="0" u="none" strike="noStrike" cap="none" normalizeH="0" baseline="0" dirty="0">
+              <a:ln>
+                <a:noFill/>
+              </a:ln>
+              <a:solidFill>
+                <a:schemeClr val="tx1"/>
+              </a:solidFill>
+              <a:effectLst/>
+              <a:latin typeface="+mj-lt"/>
+            </a:endParaRPr>
+          </a:p>
+        </p:txBody>
+      </p:sp>
+      <p:sp>
+        <p:nvSpPr>
+          <p:cNvPr id="21" name="Textfeld 20">
+            <a:extLst>
+              <a:ext uri="{FF2B5EF4-FFF2-40B4-BE49-F238E27FC236}">
+                <a16:creationId xmlns:a16="http://schemas.microsoft.com/office/drawing/2014/main" id="{62B5ED6A-9B7E-0607-89AD-04C0F3D4338B}"/>
+              </a:ext>
+            </a:extLst>
+          </p:cNvPr>
+          <p:cNvSpPr txBox="1"/>
+          <p:nvPr/>
+        </p:nvSpPr>
+        <p:spPr bwMode="auto">
+          <a:xfrm>
+            <a:off x="5508108" y="2694980"/>
+            <a:ext cx="1008112" cy="369332"/>
+          </a:xfrm>
+          <a:prstGeom prst="rect">
+            <a:avLst/>
+          </a:prstGeom>
+          <a:noFill/>
+          <a:ln w="9525">
+            <a:noFill/>
+            <a:miter lim="800000"/>
+            <a:headEnd/>
+            <a:tailEnd/>
+          </a:ln>
+        </p:spPr>
+        <p:txBody>
+          <a:bodyPr wrap="square" rtlCol="0" anchor="ctr">
+            <a:spAutoFit/>
+          </a:bodyPr>
+          <a:lstStyle/>
+          <a:p>
+            <a:pPr algn="ctr" eaLnBrk="1" hangingPunct="1"/>
+            <a:r>
+              <a:rPr lang="de-DE" sz="900" dirty="0">
+                <a:solidFill>
+                  <a:schemeClr val="bg1"/>
+                </a:solidFill>
+                <a:latin typeface="Arial" charset="0"/>
+              </a:rPr>
+              <a:t>DEPLOY TO</a:t>
+            </a:r>
+          </a:p>
+          <a:p>
+            <a:pPr algn="ctr" eaLnBrk="1" hangingPunct="1"/>
+            <a:r>
+              <a:rPr lang="de-DE" sz="900" dirty="0">
+                <a:solidFill>
+                  <a:schemeClr val="bg1"/>
+                </a:solidFill>
+                <a:latin typeface="Arial" charset="0"/>
+              </a:rPr>
+              <a:t>PRODUCTION</a:t>
+            </a:r>
+          </a:p>
+        </p:txBody>
+      </p:sp>
+      <p:cxnSp>
+        <p:nvCxnSpPr>
+          <p:cNvPr id="29" name="Gerader Verbinder 28">
+            <a:extLst>
+              <a:ext uri="{FF2B5EF4-FFF2-40B4-BE49-F238E27FC236}">
+                <a16:creationId xmlns:a16="http://schemas.microsoft.com/office/drawing/2014/main" id="{80353084-E63B-FC52-2104-326400AA57FA}"/>
+              </a:ext>
+            </a:extLst>
+          </p:cNvPr>
+          <p:cNvCxnSpPr>
+            <a:cxnSpLocks/>
+            <a:stCxn id="17" idx="3"/>
+          </p:cNvCxnSpPr>
+          <p:nvPr/>
+        </p:nvCxnSpPr>
+        <p:spPr bwMode="auto">
+          <a:xfrm>
+            <a:off x="5220074" y="2879646"/>
+            <a:ext cx="144014" cy="0"/>
+          </a:xfrm>
+          <a:prstGeom prst="line">
+            <a:avLst/>
+          </a:prstGeom>
+          <a:solidFill>
+            <a:schemeClr val="accent1"/>
+          </a:solidFill>
+          <a:ln w="12700" cap="flat" cmpd="sng" algn="ctr">
+            <a:solidFill>
+              <a:schemeClr val="tx1"/>
+            </a:solidFill>
+            <a:prstDash val="solid"/>
+            <a:round/>
+            <a:headEnd type="none" w="sm" len="sm"/>
+            <a:tailEnd type="none" w="sm" len="sm"/>
+          </a:ln>
+          <a:effectLst/>
+        </p:spPr>
+      </p:cxnSp>
+      <p:cxnSp>
+        <p:nvCxnSpPr>
+          <p:cNvPr id="31" name="Gerader Verbinder 30">
+            <a:extLst>
+              <a:ext uri="{FF2B5EF4-FFF2-40B4-BE49-F238E27FC236}">
+                <a16:creationId xmlns:a16="http://schemas.microsoft.com/office/drawing/2014/main" id="{34299FBB-B003-47EF-3B16-913F17689408}"/>
+              </a:ext>
+            </a:extLst>
+          </p:cNvPr>
+          <p:cNvCxnSpPr/>
+          <p:nvPr/>
+        </p:nvCxnSpPr>
+        <p:spPr bwMode="auto">
+          <a:xfrm>
+            <a:off x="5364088" y="2780928"/>
+            <a:ext cx="0" cy="216024"/>
+          </a:xfrm>
+          <a:prstGeom prst="line">
+            <a:avLst/>
+          </a:prstGeom>
+          <a:solidFill>
+            <a:schemeClr val="accent1"/>
+          </a:solidFill>
+          <a:ln w="12700" cap="flat" cmpd="sng" algn="ctr">
+            <a:solidFill>
+              <a:schemeClr val="tx1"/>
+            </a:solidFill>
+            <a:prstDash val="solid"/>
+            <a:round/>
+            <a:headEnd type="none" w="sm" len="sm"/>
+            <a:tailEnd type="none" w="sm" len="sm"/>
+          </a:ln>
+          <a:effectLst/>
+        </p:spPr>
+      </p:cxnSp>
+      <p:sp>
+        <p:nvSpPr>
+          <p:cNvPr id="34" name="Rechteck: abgerundete Ecken 33">
+            <a:extLst>
+              <a:ext uri="{FF2B5EF4-FFF2-40B4-BE49-F238E27FC236}">
+                <a16:creationId xmlns:a16="http://schemas.microsoft.com/office/drawing/2014/main" id="{003027FC-7EFA-EF57-1996-2A46D49D1649}"/>
+              </a:ext>
+            </a:extLst>
+          </p:cNvPr>
+          <p:cNvSpPr/>
+          <p:nvPr/>
+        </p:nvSpPr>
+        <p:spPr bwMode="auto">
+          <a:xfrm>
+            <a:off x="6804254" y="2632266"/>
+            <a:ext cx="1008112" cy="504056"/>
+          </a:xfrm>
+          <a:prstGeom prst="roundRect">
+            <a:avLst/>
+          </a:prstGeom>
+          <a:solidFill>
+            <a:schemeClr val="accent2"/>
+          </a:solidFill>
+          <a:ln w="19050" cap="flat" cmpd="sng" algn="ctr">
+            <a:solidFill>
+              <a:schemeClr val="bg1"/>
+            </a:solidFill>
+            <a:prstDash val="solid"/>
+            <a:round/>
+            <a:headEnd type="none" w="sm" len="sm"/>
+            <a:tailEnd type="none" w="sm" len="sm"/>
+          </a:ln>
+          <a:effectLst/>
+        </p:spPr>
+        <p:txBody>
+          <a:bodyPr vert="horz" wrap="square" lIns="91440" tIns="45720" rIns="91440" bIns="45720" numCol="1" rtlCol="0" anchor="t" anchorCtr="0" compatLnSpc="1">
+            <a:prstTxWarp prst="textNoShape">
+              <a:avLst/>
+            </a:prstTxWarp>
+          </a:bodyPr>
+          <a:lstStyle/>
+          <a:p>
+            <a:pPr marL="0" marR="0" indent="0" algn="ctr" defTabSz="914400" rtl="0" eaLnBrk="0" fontAlgn="base" latinLnBrk="0" hangingPunct="0">
+              <a:lnSpc>
+                <a:spcPct val="100000"/>
+              </a:lnSpc>
+              <a:spcBef>
+                <a:spcPct val="0"/>
+              </a:spcBef>
+              <a:spcAft>
+                <a:spcPct val="0"/>
+              </a:spcAft>
+              <a:buClrTx/>
+              <a:buSzTx/>
+              <a:buFontTx/>
+              <a:buNone/>
+              <a:tabLst/>
+            </a:pPr>
+            <a:endParaRPr kumimoji="0" lang="de-DE" sz="1400" b="0" i="0" u="none" strike="noStrike" cap="none" normalizeH="0" baseline="0" dirty="0">
+              <a:ln>
+                <a:noFill/>
+              </a:ln>
+              <a:solidFill>
+                <a:schemeClr val="tx1"/>
+              </a:solidFill>
+              <a:effectLst/>
+              <a:latin typeface="+mj-lt"/>
+            </a:endParaRPr>
+          </a:p>
+        </p:txBody>
+      </p:sp>
+      <p:sp>
+        <p:nvSpPr>
+          <p:cNvPr id="35" name="Textfeld 34">
+            <a:extLst>
+              <a:ext uri="{FF2B5EF4-FFF2-40B4-BE49-F238E27FC236}">
+                <a16:creationId xmlns:a16="http://schemas.microsoft.com/office/drawing/2014/main" id="{C65FCD1F-8682-1D7B-0FBD-5D39B7C14F3E}"/>
+              </a:ext>
+            </a:extLst>
+          </p:cNvPr>
+          <p:cNvSpPr txBox="1"/>
+          <p:nvPr/>
+        </p:nvSpPr>
+        <p:spPr bwMode="auto">
+          <a:xfrm>
+            <a:off x="6804254" y="2764230"/>
+            <a:ext cx="1008112" cy="230832"/>
+          </a:xfrm>
+          <a:prstGeom prst="rect">
+            <a:avLst/>
+          </a:prstGeom>
+          <a:noFill/>
+          <a:ln w="9525">
+            <a:noFill/>
+            <a:miter lim="800000"/>
+            <a:headEnd/>
+            <a:tailEnd/>
+          </a:ln>
+        </p:spPr>
+        <p:txBody>
+          <a:bodyPr wrap="square" rtlCol="0" anchor="ctr">
+            <a:spAutoFit/>
+          </a:bodyPr>
+          <a:lstStyle/>
+          <a:p>
+            <a:pPr algn="ctr" eaLnBrk="1" hangingPunct="1"/>
+            <a:r>
+              <a:rPr lang="de-DE" sz="900" dirty="0">
+                <a:solidFill>
+                  <a:schemeClr val="bg1"/>
+                </a:solidFill>
+                <a:latin typeface="Arial" charset="0"/>
+              </a:rPr>
+              <a:t>SMOKE TESTS</a:t>
+            </a:r>
+          </a:p>
+        </p:txBody>
+      </p:sp>
+      <p:cxnSp>
+        <p:nvCxnSpPr>
+          <p:cNvPr id="39" name="Gerade Verbindung mit Pfeil 38">
+            <a:extLst>
+              <a:ext uri="{FF2B5EF4-FFF2-40B4-BE49-F238E27FC236}">
+                <a16:creationId xmlns:a16="http://schemas.microsoft.com/office/drawing/2014/main" id="{59E487F9-B1A1-64DA-3D05-592338515067}"/>
+              </a:ext>
+            </a:extLst>
+          </p:cNvPr>
+          <p:cNvCxnSpPr>
+            <a:stCxn id="20" idx="3"/>
+            <a:endCxn id="34" idx="1"/>
+          </p:cNvCxnSpPr>
+          <p:nvPr/>
+        </p:nvCxnSpPr>
+        <p:spPr bwMode="auto">
+          <a:xfrm>
+            <a:off x="6516220" y="2884294"/>
+            <a:ext cx="288034" cy="0"/>
+          </a:xfrm>
+          <a:prstGeom prst="straightConnector1">
+            <a:avLst/>
+          </a:prstGeom>
+          <a:solidFill>
+            <a:schemeClr val="accent1"/>
+          </a:solidFill>
+          <a:ln w="12700" cap="flat" cmpd="sng" algn="ctr">
+            <a:solidFill>
+              <a:srgbClr val="FFCC00"/>
+            </a:solidFill>
+            <a:prstDash val="solid"/>
+            <a:round/>
+            <a:headEnd type="none" w="sm" len="sm"/>
+            <a:tailEnd type="triangle"/>
+          </a:ln>
+          <a:effectLst/>
+        </p:spPr>
+      </p:cxnSp>
+      <p:sp>
+        <p:nvSpPr>
+          <p:cNvPr id="40" name="Rechteck: abgerundete Ecken 39">
+            <a:extLst>
+              <a:ext uri="{FF2B5EF4-FFF2-40B4-BE49-F238E27FC236}">
+                <a16:creationId xmlns:a16="http://schemas.microsoft.com/office/drawing/2014/main" id="{608008E5-01FA-0A96-CEDB-015A210932AF}"/>
+              </a:ext>
+            </a:extLst>
+          </p:cNvPr>
+          <p:cNvSpPr/>
+          <p:nvPr/>
+        </p:nvSpPr>
+        <p:spPr bwMode="auto">
+          <a:xfrm>
+            <a:off x="395530" y="3933056"/>
+            <a:ext cx="1008112" cy="504056"/>
+          </a:xfrm>
+          <a:prstGeom prst="roundRect">
+            <a:avLst/>
+          </a:prstGeom>
+          <a:solidFill>
+            <a:schemeClr val="accent2"/>
+          </a:solidFill>
+          <a:ln w="19050" cap="flat" cmpd="sng" algn="ctr">
+            <a:solidFill>
+              <a:schemeClr val="bg1"/>
+            </a:solidFill>
+            <a:prstDash val="solid"/>
+            <a:round/>
+            <a:headEnd type="none" w="sm" len="sm"/>
+            <a:tailEnd type="none" w="sm" len="sm"/>
+          </a:ln>
+          <a:effectLst/>
+        </p:spPr>
+        <p:txBody>
+          <a:bodyPr vert="horz" wrap="square" lIns="91440" tIns="45720" rIns="91440" bIns="45720" numCol="1" rtlCol="0" anchor="t" anchorCtr="0" compatLnSpc="1">
+            <a:prstTxWarp prst="textNoShape">
+              <a:avLst/>
+            </a:prstTxWarp>
+          </a:bodyPr>
+          <a:lstStyle/>
+          <a:p>
+            <a:pPr marL="0" marR="0" indent="0" algn="ctr" defTabSz="914400" rtl="0" eaLnBrk="0" fontAlgn="base" latinLnBrk="0" hangingPunct="0">
+              <a:lnSpc>
+                <a:spcPct val="100000"/>
+              </a:lnSpc>
+              <a:spcBef>
+                <a:spcPct val="0"/>
+              </a:spcBef>
+              <a:spcAft>
+                <a:spcPct val="0"/>
+              </a:spcAft>
+              <a:buClrTx/>
+              <a:buSzTx/>
+              <a:buFontTx/>
+              <a:buNone/>
+              <a:tabLst/>
+            </a:pPr>
+            <a:endParaRPr kumimoji="0" lang="de-DE" sz="1400" b="0" i="0" u="none" strike="noStrike" cap="none" normalizeH="0" baseline="0" dirty="0">
+              <a:ln>
+                <a:noFill/>
+              </a:ln>
+              <a:solidFill>
+                <a:schemeClr val="tx1"/>
+              </a:solidFill>
+              <a:effectLst/>
+              <a:latin typeface="+mj-lt"/>
+            </a:endParaRPr>
+          </a:p>
+        </p:txBody>
+      </p:sp>
+      <p:sp>
+        <p:nvSpPr>
+          <p:cNvPr id="41" name="Textfeld 40">
+            <a:extLst>
+              <a:ext uri="{FF2B5EF4-FFF2-40B4-BE49-F238E27FC236}">
+                <a16:creationId xmlns:a16="http://schemas.microsoft.com/office/drawing/2014/main" id="{7024D5DD-6CB7-CA9E-2E0C-3747C7C07447}"/>
+              </a:ext>
+            </a:extLst>
+          </p:cNvPr>
+          <p:cNvSpPr txBox="1"/>
+          <p:nvPr/>
+        </p:nvSpPr>
+        <p:spPr bwMode="auto">
+          <a:xfrm>
+            <a:off x="395530" y="4065020"/>
+            <a:ext cx="1008112" cy="230832"/>
+          </a:xfrm>
+          <a:prstGeom prst="rect">
+            <a:avLst/>
+          </a:prstGeom>
+          <a:noFill/>
+          <a:ln w="9525">
+            <a:noFill/>
+            <a:miter lim="800000"/>
+            <a:headEnd/>
+            <a:tailEnd/>
+          </a:ln>
+        </p:spPr>
+        <p:txBody>
+          <a:bodyPr wrap="square" rtlCol="0" anchor="ctr">
+            <a:spAutoFit/>
+          </a:bodyPr>
+          <a:lstStyle/>
+          <a:p>
+            <a:pPr algn="ctr" eaLnBrk="1" hangingPunct="1"/>
+            <a:r>
+              <a:rPr kumimoji="0" lang="de-DE" sz="900" b="0" i="0" u="none" strike="noStrike" cap="none" normalizeH="0" baseline="0" dirty="0">
+                <a:ln>
+                  <a:noFill/>
+                </a:ln>
+                <a:solidFill>
+                  <a:schemeClr val="bg1"/>
+                </a:solidFill>
+                <a:effectLst/>
+                <a:latin typeface="+mj-lt"/>
+              </a:rPr>
+              <a:t>BUILDS</a:t>
+            </a:r>
+            <a:endParaRPr lang="de-DE" sz="900" dirty="0">
+              <a:solidFill>
+                <a:schemeClr val="bg1"/>
+              </a:solidFill>
+              <a:latin typeface="Arial" charset="0"/>
+            </a:endParaRPr>
+          </a:p>
+        </p:txBody>
+      </p:sp>
+      <p:sp>
+        <p:nvSpPr>
+          <p:cNvPr id="42" name="Rechteck: abgerundete Ecken 41">
+            <a:extLst>
+              <a:ext uri="{FF2B5EF4-FFF2-40B4-BE49-F238E27FC236}">
+                <a16:creationId xmlns:a16="http://schemas.microsoft.com/office/drawing/2014/main" id="{5BA940BE-C47B-B77F-A297-529B524E6EDD}"/>
+              </a:ext>
+            </a:extLst>
+          </p:cNvPr>
+          <p:cNvSpPr/>
+          <p:nvPr/>
+        </p:nvSpPr>
+        <p:spPr bwMode="auto">
+          <a:xfrm>
+            <a:off x="1564316" y="3933056"/>
+            <a:ext cx="1008112" cy="504056"/>
+          </a:xfrm>
+          <a:prstGeom prst="roundRect">
+            <a:avLst/>
+          </a:prstGeom>
+          <a:solidFill>
+            <a:schemeClr val="accent2"/>
+          </a:solidFill>
+          <a:ln w="19050" cap="flat" cmpd="sng" algn="ctr">
+            <a:solidFill>
+              <a:schemeClr val="bg1"/>
+            </a:solidFill>
+            <a:prstDash val="solid"/>
+            <a:round/>
+            <a:headEnd type="none" w="sm" len="sm"/>
+            <a:tailEnd type="none" w="sm" len="sm"/>
+          </a:ln>
+          <a:effectLst/>
+        </p:spPr>
+        <p:txBody>
+          <a:bodyPr vert="horz" wrap="square" lIns="91440" tIns="45720" rIns="91440" bIns="45720" numCol="1" rtlCol="0" anchor="t" anchorCtr="0" compatLnSpc="1">
+            <a:prstTxWarp prst="textNoShape">
+              <a:avLst/>
+            </a:prstTxWarp>
+          </a:bodyPr>
+          <a:lstStyle/>
+          <a:p>
+            <a:pPr marL="0" marR="0" indent="0" algn="ctr" defTabSz="914400" rtl="0" eaLnBrk="0" fontAlgn="base" latinLnBrk="0" hangingPunct="0">
+              <a:lnSpc>
+                <a:spcPct val="100000"/>
+              </a:lnSpc>
+              <a:spcBef>
+                <a:spcPct val="0"/>
+              </a:spcBef>
+              <a:spcAft>
+                <a:spcPct val="0"/>
+              </a:spcAft>
+              <a:buClrTx/>
+              <a:buSzTx/>
+              <a:buFontTx/>
+              <a:buNone/>
+              <a:tabLst/>
+            </a:pPr>
+            <a:endParaRPr kumimoji="0" lang="de-DE" sz="1400" b="0" i="0" u="none" strike="noStrike" cap="none" normalizeH="0" baseline="0" dirty="0">
+              <a:ln>
+                <a:noFill/>
+              </a:ln>
+              <a:solidFill>
+                <a:schemeClr val="tx1"/>
+              </a:solidFill>
+              <a:effectLst/>
+              <a:latin typeface="+mj-lt"/>
+            </a:endParaRPr>
+          </a:p>
+        </p:txBody>
+      </p:sp>
+      <p:sp>
+        <p:nvSpPr>
+          <p:cNvPr id="43" name="Textfeld 42">
+            <a:extLst>
+              <a:ext uri="{FF2B5EF4-FFF2-40B4-BE49-F238E27FC236}">
+                <a16:creationId xmlns:a16="http://schemas.microsoft.com/office/drawing/2014/main" id="{463D967F-190A-96C7-96DE-977DF218B89C}"/>
+              </a:ext>
+            </a:extLst>
+          </p:cNvPr>
+          <p:cNvSpPr txBox="1"/>
+          <p:nvPr/>
+        </p:nvSpPr>
+        <p:spPr bwMode="auto">
+          <a:xfrm>
+            <a:off x="1564316" y="4065020"/>
+            <a:ext cx="1008112" cy="230832"/>
+          </a:xfrm>
+          <a:prstGeom prst="rect">
+            <a:avLst/>
+          </a:prstGeom>
+          <a:noFill/>
+          <a:ln w="9525">
+            <a:noFill/>
+            <a:miter lim="800000"/>
+            <a:headEnd/>
+            <a:tailEnd/>
+          </a:ln>
+        </p:spPr>
+        <p:txBody>
+          <a:bodyPr wrap="square" rtlCol="0" anchor="ctr">
+            <a:spAutoFit/>
+          </a:bodyPr>
+          <a:lstStyle/>
+          <a:p>
+            <a:pPr algn="ctr" eaLnBrk="1" hangingPunct="1"/>
+            <a:r>
+              <a:rPr kumimoji="0" lang="de-DE" sz="900" b="0" i="0" u="none" strike="noStrike" cap="none" normalizeH="0" baseline="0" dirty="0">
+                <a:ln>
+                  <a:noFill/>
+                </a:ln>
+                <a:solidFill>
+                  <a:schemeClr val="bg1"/>
+                </a:solidFill>
+                <a:effectLst/>
+                <a:latin typeface="+mj-lt"/>
+              </a:rPr>
+              <a:t>TEST</a:t>
+            </a:r>
+            <a:endParaRPr lang="de-DE" sz="1600" dirty="0">
+              <a:solidFill>
+                <a:schemeClr val="bg1"/>
+              </a:solidFill>
+              <a:latin typeface="Arial" charset="0"/>
+            </a:endParaRPr>
+          </a:p>
+        </p:txBody>
+      </p:sp>
+      <p:cxnSp>
+        <p:nvCxnSpPr>
+          <p:cNvPr id="44" name="Gerader Verbinder 43">
+            <a:extLst>
+              <a:ext uri="{FF2B5EF4-FFF2-40B4-BE49-F238E27FC236}">
+                <a16:creationId xmlns:a16="http://schemas.microsoft.com/office/drawing/2014/main" id="{5532A87D-CAC6-018A-074F-3CF15E09CFF8}"/>
+              </a:ext>
+            </a:extLst>
+          </p:cNvPr>
+          <p:cNvCxnSpPr>
+            <a:stCxn id="41" idx="3"/>
+            <a:endCxn id="43" idx="1"/>
+          </p:cNvCxnSpPr>
+          <p:nvPr/>
+        </p:nvCxnSpPr>
+        <p:spPr bwMode="auto">
+          <a:xfrm>
+            <a:off x="1403642" y="4180436"/>
+            <a:ext cx="160674" cy="0"/>
+          </a:xfrm>
+          <a:prstGeom prst="line">
+            <a:avLst/>
+          </a:prstGeom>
+          <a:solidFill>
+            <a:schemeClr val="accent1"/>
+          </a:solidFill>
+          <a:ln w="12700" cap="flat" cmpd="sng" algn="ctr">
+            <a:solidFill>
+              <a:schemeClr val="tx1"/>
+            </a:solidFill>
+            <a:prstDash val="solid"/>
+            <a:round/>
+            <a:headEnd type="none" w="sm" len="sm"/>
+            <a:tailEnd type="none" w="sm" len="sm"/>
+          </a:ln>
+          <a:effectLst/>
+        </p:spPr>
+      </p:cxnSp>
+      <p:sp>
+        <p:nvSpPr>
+          <p:cNvPr id="45" name="Rechteck: abgerundete Ecken 44">
+            <a:extLst>
+              <a:ext uri="{FF2B5EF4-FFF2-40B4-BE49-F238E27FC236}">
+                <a16:creationId xmlns:a16="http://schemas.microsoft.com/office/drawing/2014/main" id="{2EDBC004-8BA4-0C10-DC50-279217C3716F}"/>
+              </a:ext>
+            </a:extLst>
+          </p:cNvPr>
+          <p:cNvSpPr/>
+          <p:nvPr/>
+        </p:nvSpPr>
+        <p:spPr bwMode="auto">
+          <a:xfrm>
+            <a:off x="2915810" y="3928410"/>
+            <a:ext cx="1008112" cy="504056"/>
+          </a:xfrm>
+          <a:prstGeom prst="roundRect">
+            <a:avLst/>
+          </a:prstGeom>
+          <a:solidFill>
+            <a:schemeClr val="accent2"/>
+          </a:solidFill>
+          <a:ln w="19050" cap="flat" cmpd="sng" algn="ctr">
+            <a:solidFill>
+              <a:schemeClr val="bg1"/>
+            </a:solidFill>
+            <a:prstDash val="solid"/>
+            <a:round/>
+            <a:headEnd type="none" w="sm" len="sm"/>
+            <a:tailEnd type="none" w="sm" len="sm"/>
+          </a:ln>
+          <a:effectLst/>
+        </p:spPr>
+        <p:txBody>
+          <a:bodyPr vert="horz" wrap="square" lIns="91440" tIns="45720" rIns="91440" bIns="45720" numCol="1" rtlCol="0" anchor="t" anchorCtr="0" compatLnSpc="1">
+            <a:prstTxWarp prst="textNoShape">
+              <a:avLst/>
+            </a:prstTxWarp>
+          </a:bodyPr>
+          <a:lstStyle/>
+          <a:p>
+            <a:pPr marL="0" marR="0" indent="0" algn="ctr" defTabSz="914400" rtl="0" eaLnBrk="0" fontAlgn="base" latinLnBrk="0" hangingPunct="0">
+              <a:lnSpc>
+                <a:spcPct val="100000"/>
+              </a:lnSpc>
+              <a:spcBef>
+                <a:spcPct val="0"/>
+              </a:spcBef>
+              <a:spcAft>
+                <a:spcPct val="0"/>
+              </a:spcAft>
+              <a:buClrTx/>
+              <a:buSzTx/>
+              <a:buFontTx/>
+              <a:buNone/>
+              <a:tabLst/>
+            </a:pPr>
+            <a:endParaRPr kumimoji="0" lang="de-DE" sz="1400" b="0" i="0" u="none" strike="noStrike" cap="none" normalizeH="0" baseline="0" dirty="0">
+              <a:ln>
+                <a:noFill/>
+              </a:ln>
+              <a:solidFill>
+                <a:schemeClr val="tx1"/>
+              </a:solidFill>
+              <a:effectLst/>
+              <a:latin typeface="+mj-lt"/>
+            </a:endParaRPr>
+          </a:p>
+        </p:txBody>
+      </p:sp>
+      <p:sp>
+        <p:nvSpPr>
+          <p:cNvPr id="46" name="Textfeld 45">
+            <a:extLst>
+              <a:ext uri="{FF2B5EF4-FFF2-40B4-BE49-F238E27FC236}">
+                <a16:creationId xmlns:a16="http://schemas.microsoft.com/office/drawing/2014/main" id="{CAB145AD-A811-39FD-A2B9-7D0E85E9A776}"/>
+              </a:ext>
+            </a:extLst>
+          </p:cNvPr>
+          <p:cNvSpPr txBox="1"/>
+          <p:nvPr/>
+        </p:nvSpPr>
+        <p:spPr bwMode="auto">
+          <a:xfrm>
+            <a:off x="2915810" y="3991124"/>
+            <a:ext cx="1008112" cy="369332"/>
+          </a:xfrm>
+          <a:prstGeom prst="rect">
+            <a:avLst/>
+          </a:prstGeom>
+          <a:noFill/>
+          <a:ln w="9525">
+            <a:noFill/>
+            <a:miter lim="800000"/>
+            <a:headEnd/>
+            <a:tailEnd/>
+          </a:ln>
+        </p:spPr>
+        <p:txBody>
+          <a:bodyPr wrap="square" rtlCol="0" anchor="ctr">
+            <a:spAutoFit/>
+          </a:bodyPr>
+          <a:lstStyle/>
+          <a:p>
+            <a:pPr algn="ctr" eaLnBrk="1" hangingPunct="1"/>
+            <a:r>
+              <a:rPr lang="de-DE" sz="900" dirty="0">
+                <a:solidFill>
+                  <a:schemeClr val="bg1"/>
+                </a:solidFill>
+                <a:latin typeface="Arial" charset="0"/>
+              </a:rPr>
+              <a:t>ACCEPTANCE</a:t>
+            </a:r>
+          </a:p>
+          <a:p>
+            <a:pPr algn="ctr" eaLnBrk="1" hangingPunct="1"/>
+            <a:r>
+              <a:rPr lang="de-DE" sz="900" dirty="0">
+                <a:solidFill>
+                  <a:schemeClr val="bg1"/>
+                </a:solidFill>
+                <a:latin typeface="Arial" charset="0"/>
+              </a:rPr>
+              <a:t>TEST</a:t>
+            </a:r>
+          </a:p>
+        </p:txBody>
+      </p:sp>
+      <p:cxnSp>
+        <p:nvCxnSpPr>
+          <p:cNvPr id="47" name="Gerader Verbinder 46">
+            <a:extLst>
+              <a:ext uri="{FF2B5EF4-FFF2-40B4-BE49-F238E27FC236}">
+                <a16:creationId xmlns:a16="http://schemas.microsoft.com/office/drawing/2014/main" id="{E4396FED-9610-5024-7F47-F1B6E819CB79}"/>
+              </a:ext>
+            </a:extLst>
+          </p:cNvPr>
+          <p:cNvCxnSpPr>
+            <a:stCxn id="43" idx="3"/>
+            <a:endCxn id="46" idx="1"/>
+          </p:cNvCxnSpPr>
+          <p:nvPr/>
+        </p:nvCxnSpPr>
+        <p:spPr bwMode="auto">
+          <a:xfrm flipV="1">
+            <a:off x="2572428" y="4175790"/>
+            <a:ext cx="343382" cy="4646"/>
+          </a:xfrm>
+          <a:prstGeom prst="line">
+            <a:avLst/>
+          </a:prstGeom>
+          <a:solidFill>
+            <a:schemeClr val="accent1"/>
+          </a:solidFill>
+          <a:ln w="12700" cap="flat" cmpd="sng" algn="ctr">
+            <a:solidFill>
+              <a:schemeClr val="tx1"/>
+            </a:solidFill>
+            <a:prstDash val="solid"/>
+            <a:round/>
+            <a:headEnd type="none" w="sm" len="sm"/>
+            <a:tailEnd type="none" w="sm" len="sm"/>
+          </a:ln>
+          <a:effectLst/>
+        </p:spPr>
+      </p:cxnSp>
+      <p:sp>
+        <p:nvSpPr>
+          <p:cNvPr id="48" name="Rechteck: abgerundete Ecken 47">
+            <a:extLst>
+              <a:ext uri="{FF2B5EF4-FFF2-40B4-BE49-F238E27FC236}">
+                <a16:creationId xmlns:a16="http://schemas.microsoft.com/office/drawing/2014/main" id="{B0FBDC84-83C6-F961-18F2-C82CBEA7E053}"/>
+              </a:ext>
+            </a:extLst>
+          </p:cNvPr>
+          <p:cNvSpPr/>
+          <p:nvPr/>
+        </p:nvSpPr>
+        <p:spPr bwMode="auto">
+          <a:xfrm>
+            <a:off x="4211956" y="3928410"/>
+            <a:ext cx="1008112" cy="504056"/>
+          </a:xfrm>
+          <a:prstGeom prst="roundRect">
+            <a:avLst/>
+          </a:prstGeom>
+          <a:solidFill>
+            <a:schemeClr val="accent2"/>
+          </a:solidFill>
+          <a:ln w="19050" cap="flat" cmpd="sng" algn="ctr">
+            <a:solidFill>
+              <a:schemeClr val="bg1"/>
+            </a:solidFill>
+            <a:prstDash val="solid"/>
+            <a:round/>
+            <a:headEnd type="none" w="sm" len="sm"/>
+            <a:tailEnd type="none" w="sm" len="sm"/>
+          </a:ln>
+          <a:effectLst/>
+        </p:spPr>
+        <p:txBody>
+          <a:bodyPr vert="horz" wrap="square" lIns="91440" tIns="45720" rIns="91440" bIns="45720" numCol="1" rtlCol="0" anchor="t" anchorCtr="0" compatLnSpc="1">
+            <a:prstTxWarp prst="textNoShape">
+              <a:avLst/>
+            </a:prstTxWarp>
+          </a:bodyPr>
+          <a:lstStyle/>
+          <a:p>
+            <a:pPr marL="0" marR="0" indent="0" algn="ctr" defTabSz="914400" rtl="0" eaLnBrk="0" fontAlgn="base" latinLnBrk="0" hangingPunct="0">
+              <a:lnSpc>
+                <a:spcPct val="100000"/>
+              </a:lnSpc>
+              <a:spcBef>
+                <a:spcPct val="0"/>
+              </a:spcBef>
+              <a:spcAft>
+                <a:spcPct val="0"/>
+              </a:spcAft>
+              <a:buClrTx/>
+              <a:buSzTx/>
+              <a:buFontTx/>
+              <a:buNone/>
+              <a:tabLst/>
+            </a:pPr>
+            <a:endParaRPr kumimoji="0" lang="de-DE" sz="1400" b="0" i="0" u="none" strike="noStrike" cap="none" normalizeH="0" baseline="0" dirty="0">
+              <a:ln>
+                <a:noFill/>
+              </a:ln>
+              <a:solidFill>
+                <a:schemeClr val="tx1"/>
+              </a:solidFill>
+              <a:effectLst/>
+              <a:latin typeface="+mj-lt"/>
+            </a:endParaRPr>
+          </a:p>
+        </p:txBody>
+      </p:sp>
+      <p:sp>
+        <p:nvSpPr>
+          <p:cNvPr id="49" name="Textfeld 48">
+            <a:extLst>
+              <a:ext uri="{FF2B5EF4-FFF2-40B4-BE49-F238E27FC236}">
+                <a16:creationId xmlns:a16="http://schemas.microsoft.com/office/drawing/2014/main" id="{EBE0F630-B80E-5495-6669-53CE20166B8F}"/>
+              </a:ext>
+            </a:extLst>
+          </p:cNvPr>
+          <p:cNvSpPr txBox="1"/>
+          <p:nvPr/>
+        </p:nvSpPr>
+        <p:spPr bwMode="auto">
+          <a:xfrm>
+            <a:off x="4211956" y="3991124"/>
+            <a:ext cx="1008112" cy="369332"/>
+          </a:xfrm>
+          <a:prstGeom prst="rect">
+            <a:avLst/>
+          </a:prstGeom>
+          <a:noFill/>
+          <a:ln w="9525">
+            <a:noFill/>
+            <a:miter lim="800000"/>
+            <a:headEnd/>
+            <a:tailEnd/>
+          </a:ln>
+        </p:spPr>
+        <p:txBody>
+          <a:bodyPr wrap="square" rtlCol="0" anchor="ctr">
+            <a:spAutoFit/>
+          </a:bodyPr>
+          <a:lstStyle/>
+          <a:p>
+            <a:pPr algn="ctr" eaLnBrk="1" hangingPunct="1"/>
+            <a:r>
+              <a:rPr lang="de-DE" sz="900" dirty="0">
+                <a:solidFill>
+                  <a:schemeClr val="bg1"/>
+                </a:solidFill>
+                <a:latin typeface="Arial" charset="0"/>
+              </a:rPr>
+              <a:t>DEPLOY TO</a:t>
+            </a:r>
+          </a:p>
+          <a:p>
+            <a:pPr algn="ctr" eaLnBrk="1" hangingPunct="1"/>
+            <a:r>
+              <a:rPr lang="de-DE" sz="900" dirty="0">
+                <a:solidFill>
+                  <a:schemeClr val="bg1"/>
+                </a:solidFill>
+                <a:latin typeface="Arial" charset="0"/>
+              </a:rPr>
+              <a:t>STAGING</a:t>
+            </a:r>
+          </a:p>
+        </p:txBody>
+      </p:sp>
+      <p:cxnSp>
+        <p:nvCxnSpPr>
+          <p:cNvPr id="50" name="Gerader Verbinder 49">
+            <a:extLst>
+              <a:ext uri="{FF2B5EF4-FFF2-40B4-BE49-F238E27FC236}">
+                <a16:creationId xmlns:a16="http://schemas.microsoft.com/office/drawing/2014/main" id="{023DDBC1-F9EC-3DA1-606A-AA0097327C71}"/>
+              </a:ext>
+            </a:extLst>
+          </p:cNvPr>
+          <p:cNvCxnSpPr>
+            <a:cxnSpLocks/>
+            <a:stCxn id="46" idx="3"/>
+            <a:endCxn id="49" idx="1"/>
+          </p:cNvCxnSpPr>
+          <p:nvPr/>
+        </p:nvCxnSpPr>
+        <p:spPr bwMode="auto">
+          <a:xfrm>
+            <a:off x="3923922" y="4175790"/>
+            <a:ext cx="288034" cy="0"/>
+          </a:xfrm>
+          <a:prstGeom prst="line">
+            <a:avLst/>
+          </a:prstGeom>
+          <a:solidFill>
+            <a:schemeClr val="accent1"/>
+          </a:solidFill>
+          <a:ln w="12700" cap="flat" cmpd="sng" algn="ctr">
+            <a:solidFill>
+              <a:schemeClr val="tx1"/>
+            </a:solidFill>
+            <a:prstDash val="solid"/>
+            <a:round/>
+            <a:headEnd type="none" w="sm" len="sm"/>
+            <a:tailEnd type="none" w="sm" len="sm"/>
+          </a:ln>
+          <a:effectLst/>
+        </p:spPr>
+      </p:cxnSp>
+      <p:sp>
+        <p:nvSpPr>
+          <p:cNvPr id="55" name="Rechteck: abgerundete Ecken 54">
+            <a:extLst>
+              <a:ext uri="{FF2B5EF4-FFF2-40B4-BE49-F238E27FC236}">
+                <a16:creationId xmlns:a16="http://schemas.microsoft.com/office/drawing/2014/main" id="{9257657E-1D83-B846-1828-88C5A2097651}"/>
+              </a:ext>
+            </a:extLst>
+          </p:cNvPr>
+          <p:cNvSpPr/>
+          <p:nvPr/>
+        </p:nvSpPr>
+        <p:spPr bwMode="auto">
+          <a:xfrm>
+            <a:off x="6804254" y="3937590"/>
+            <a:ext cx="1008112" cy="504056"/>
+          </a:xfrm>
+          <a:prstGeom prst="roundRect">
+            <a:avLst/>
+          </a:prstGeom>
+          <a:solidFill>
+            <a:schemeClr val="accent2"/>
+          </a:solidFill>
+          <a:ln w="19050" cap="flat" cmpd="sng" algn="ctr">
+            <a:solidFill>
+              <a:schemeClr val="bg1"/>
+            </a:solidFill>
+            <a:prstDash val="solid"/>
+            <a:round/>
+            <a:headEnd type="none" w="sm" len="sm"/>
+            <a:tailEnd type="none" w="sm" len="sm"/>
+          </a:ln>
+          <a:effectLst/>
+        </p:spPr>
+        <p:txBody>
+          <a:bodyPr vert="horz" wrap="square" lIns="91440" tIns="45720" rIns="91440" bIns="45720" numCol="1" rtlCol="0" anchor="t" anchorCtr="0" compatLnSpc="1">
+            <a:prstTxWarp prst="textNoShape">
+              <a:avLst/>
+            </a:prstTxWarp>
+          </a:bodyPr>
+          <a:lstStyle/>
+          <a:p>
+            <a:pPr marL="0" marR="0" indent="0" algn="ctr" defTabSz="914400" rtl="0" eaLnBrk="0" fontAlgn="base" latinLnBrk="0" hangingPunct="0">
+              <a:lnSpc>
+                <a:spcPct val="100000"/>
+              </a:lnSpc>
+              <a:spcBef>
+                <a:spcPct val="0"/>
+              </a:spcBef>
+              <a:spcAft>
+                <a:spcPct val="0"/>
+              </a:spcAft>
+              <a:buClrTx/>
+              <a:buSzTx/>
+              <a:buFontTx/>
+              <a:buNone/>
+              <a:tabLst/>
+            </a:pPr>
+            <a:endParaRPr kumimoji="0" lang="de-DE" sz="1400" b="0" i="0" u="none" strike="noStrike" cap="none" normalizeH="0" baseline="0" dirty="0">
+              <a:ln>
+                <a:noFill/>
+              </a:ln>
+              <a:solidFill>
+                <a:schemeClr val="tx1"/>
+              </a:solidFill>
+              <a:effectLst/>
+              <a:latin typeface="+mj-lt"/>
+            </a:endParaRPr>
+          </a:p>
+        </p:txBody>
+      </p:sp>
+      <p:sp>
+        <p:nvSpPr>
+          <p:cNvPr id="56" name="Textfeld 55">
+            <a:extLst>
+              <a:ext uri="{FF2B5EF4-FFF2-40B4-BE49-F238E27FC236}">
+                <a16:creationId xmlns:a16="http://schemas.microsoft.com/office/drawing/2014/main" id="{1C078C6A-B7AC-ECB6-38CB-36766AA56C17}"/>
+              </a:ext>
+            </a:extLst>
+          </p:cNvPr>
+          <p:cNvSpPr txBox="1"/>
+          <p:nvPr/>
+        </p:nvSpPr>
+        <p:spPr bwMode="auto">
+          <a:xfrm>
+            <a:off x="6803836" y="4069554"/>
+            <a:ext cx="1008112" cy="230832"/>
+          </a:xfrm>
+          <a:prstGeom prst="rect">
+            <a:avLst/>
+          </a:prstGeom>
+          <a:noFill/>
+          <a:ln w="9525">
+            <a:noFill/>
+            <a:miter lim="800000"/>
+            <a:headEnd/>
+            <a:tailEnd/>
+          </a:ln>
+        </p:spPr>
+        <p:txBody>
+          <a:bodyPr wrap="square" rtlCol="0" anchor="ctr">
+            <a:spAutoFit/>
+          </a:bodyPr>
+          <a:lstStyle/>
+          <a:p>
+            <a:pPr algn="ctr" eaLnBrk="1" hangingPunct="1"/>
+            <a:r>
+              <a:rPr lang="de-DE" sz="900" dirty="0">
+                <a:solidFill>
+                  <a:schemeClr val="bg1"/>
+                </a:solidFill>
+                <a:latin typeface="Arial" charset="0"/>
+              </a:rPr>
+              <a:t>SMOKE TESTS</a:t>
+            </a:r>
+          </a:p>
+        </p:txBody>
+      </p:sp>
+      <p:sp>
+        <p:nvSpPr>
+          <p:cNvPr id="63" name="Rechteck: abgerundete Ecken 62">
+            <a:extLst>
+              <a:ext uri="{FF2B5EF4-FFF2-40B4-BE49-F238E27FC236}">
+                <a16:creationId xmlns:a16="http://schemas.microsoft.com/office/drawing/2014/main" id="{065D2509-6E47-9EAB-34A8-B5B3601D1C30}"/>
+              </a:ext>
+            </a:extLst>
+          </p:cNvPr>
+          <p:cNvSpPr/>
+          <p:nvPr/>
+        </p:nvSpPr>
+        <p:spPr bwMode="auto">
+          <a:xfrm>
+            <a:off x="5508108" y="3937590"/>
+            <a:ext cx="1008112" cy="504056"/>
+          </a:xfrm>
+          <a:prstGeom prst="roundRect">
+            <a:avLst/>
+          </a:prstGeom>
+          <a:solidFill>
+            <a:schemeClr val="accent2"/>
+          </a:solidFill>
+          <a:ln w="19050" cap="flat" cmpd="sng" algn="ctr">
+            <a:solidFill>
+              <a:schemeClr val="bg1"/>
+            </a:solidFill>
+            <a:prstDash val="solid"/>
+            <a:round/>
+            <a:headEnd type="none" w="sm" len="sm"/>
+            <a:tailEnd type="none" w="sm" len="sm"/>
+          </a:ln>
+          <a:effectLst/>
+        </p:spPr>
+        <p:txBody>
+          <a:bodyPr vert="horz" wrap="square" lIns="91440" tIns="45720" rIns="91440" bIns="45720" numCol="1" rtlCol="0" anchor="t" anchorCtr="0" compatLnSpc="1">
+            <a:prstTxWarp prst="textNoShape">
+              <a:avLst/>
+            </a:prstTxWarp>
+          </a:bodyPr>
+          <a:lstStyle/>
+          <a:p>
+            <a:pPr marL="0" marR="0" indent="0" algn="ctr" defTabSz="914400" rtl="0" eaLnBrk="0" fontAlgn="base" latinLnBrk="0" hangingPunct="0">
+              <a:lnSpc>
+                <a:spcPct val="100000"/>
+              </a:lnSpc>
+              <a:spcBef>
+                <a:spcPct val="0"/>
+              </a:spcBef>
+              <a:spcAft>
+                <a:spcPct val="0"/>
+              </a:spcAft>
+              <a:buClrTx/>
+              <a:buSzTx/>
+              <a:buFontTx/>
+              <a:buNone/>
+              <a:tabLst/>
+            </a:pPr>
+            <a:endParaRPr kumimoji="0" lang="de-DE" sz="1400" b="0" i="0" u="none" strike="noStrike" cap="none" normalizeH="0" baseline="0" dirty="0">
+              <a:ln>
+                <a:noFill/>
+              </a:ln>
+              <a:solidFill>
+                <a:schemeClr val="tx1"/>
+              </a:solidFill>
+              <a:effectLst/>
+              <a:latin typeface="+mj-lt"/>
+            </a:endParaRPr>
+          </a:p>
+        </p:txBody>
+      </p:sp>
+      <p:sp>
+        <p:nvSpPr>
+          <p:cNvPr id="2048" name="Textfeld 2047">
+            <a:extLst>
+              <a:ext uri="{FF2B5EF4-FFF2-40B4-BE49-F238E27FC236}">
+                <a16:creationId xmlns:a16="http://schemas.microsoft.com/office/drawing/2014/main" id="{ED6F361F-A42F-ED99-EF1E-D8E8FF56A3FD}"/>
+              </a:ext>
+            </a:extLst>
+          </p:cNvPr>
+          <p:cNvSpPr txBox="1"/>
+          <p:nvPr/>
+        </p:nvSpPr>
+        <p:spPr bwMode="auto">
+          <a:xfrm>
+            <a:off x="5508108" y="4000304"/>
+            <a:ext cx="1008112" cy="369332"/>
+          </a:xfrm>
+          <a:prstGeom prst="rect">
+            <a:avLst/>
+          </a:prstGeom>
+          <a:noFill/>
+          <a:ln w="9525">
+            <a:noFill/>
+            <a:miter lim="800000"/>
+            <a:headEnd/>
+            <a:tailEnd/>
+          </a:ln>
+        </p:spPr>
+        <p:txBody>
+          <a:bodyPr wrap="square" rtlCol="0" anchor="ctr">
+            <a:spAutoFit/>
+          </a:bodyPr>
+          <a:lstStyle/>
+          <a:p>
+            <a:pPr algn="ctr" eaLnBrk="1" hangingPunct="1"/>
+            <a:r>
+              <a:rPr lang="de-DE" sz="900" dirty="0">
+                <a:solidFill>
+                  <a:schemeClr val="bg1"/>
+                </a:solidFill>
+                <a:latin typeface="Arial" charset="0"/>
+              </a:rPr>
+              <a:t>DEPLOY TO</a:t>
+            </a:r>
+          </a:p>
+          <a:p>
+            <a:pPr algn="ctr" eaLnBrk="1" hangingPunct="1"/>
+            <a:r>
+              <a:rPr lang="de-DE" sz="900" dirty="0">
+                <a:solidFill>
+                  <a:schemeClr val="bg1"/>
+                </a:solidFill>
+                <a:latin typeface="Arial" charset="0"/>
+              </a:rPr>
+              <a:t>PRODUCTION</a:t>
+            </a:r>
+          </a:p>
+        </p:txBody>
+      </p:sp>
+      <p:cxnSp>
+        <p:nvCxnSpPr>
+          <p:cNvPr id="2049" name="Gerader Verbinder 2048">
+            <a:extLst>
+              <a:ext uri="{FF2B5EF4-FFF2-40B4-BE49-F238E27FC236}">
+                <a16:creationId xmlns:a16="http://schemas.microsoft.com/office/drawing/2014/main" id="{4BEE7699-020F-6FE2-B93D-D65402A9302E}"/>
+              </a:ext>
+            </a:extLst>
+          </p:cNvPr>
+          <p:cNvCxnSpPr>
+            <a:cxnSpLocks/>
+            <a:endCxn id="2048" idx="1"/>
+          </p:cNvCxnSpPr>
+          <p:nvPr/>
+        </p:nvCxnSpPr>
+        <p:spPr bwMode="auto">
+          <a:xfrm>
+            <a:off x="5220074" y="4184970"/>
+            <a:ext cx="288034" cy="0"/>
+          </a:xfrm>
+          <a:prstGeom prst="line">
+            <a:avLst/>
+          </a:prstGeom>
+          <a:solidFill>
+            <a:schemeClr val="accent1"/>
+          </a:solidFill>
+          <a:ln w="12700" cap="flat" cmpd="sng" algn="ctr">
+            <a:solidFill>
+              <a:schemeClr val="tx1"/>
+            </a:solidFill>
+            <a:prstDash val="solid"/>
+            <a:round/>
+            <a:headEnd type="none" w="sm" len="sm"/>
+            <a:tailEnd type="none" w="sm" len="sm"/>
+          </a:ln>
+          <a:effectLst/>
+        </p:spPr>
+      </p:cxnSp>
+      <p:cxnSp>
+        <p:nvCxnSpPr>
+          <p:cNvPr id="2052" name="Gerader Verbinder 2051">
+            <a:extLst>
+              <a:ext uri="{FF2B5EF4-FFF2-40B4-BE49-F238E27FC236}">
+                <a16:creationId xmlns:a16="http://schemas.microsoft.com/office/drawing/2014/main" id="{4968B9B7-354C-BC55-9E84-29D5ABF550CB}"/>
+              </a:ext>
+            </a:extLst>
+          </p:cNvPr>
+          <p:cNvCxnSpPr>
+            <a:cxnSpLocks/>
+            <a:stCxn id="63" idx="3"/>
+            <a:endCxn id="55" idx="1"/>
+          </p:cNvCxnSpPr>
+          <p:nvPr/>
+        </p:nvCxnSpPr>
+        <p:spPr bwMode="auto">
+          <a:xfrm>
+            <a:off x="6516220" y="4189618"/>
+            <a:ext cx="288034" cy="0"/>
+          </a:xfrm>
+          <a:prstGeom prst="line">
+            <a:avLst/>
+          </a:prstGeom>
+          <a:solidFill>
+            <a:schemeClr val="accent1"/>
+          </a:solidFill>
+          <a:ln w="12700" cap="flat" cmpd="sng" algn="ctr">
+            <a:solidFill>
+              <a:schemeClr val="tx1"/>
+            </a:solidFill>
+            <a:prstDash val="solid"/>
+            <a:round/>
+            <a:headEnd type="none" w="sm" len="sm"/>
+            <a:tailEnd type="none" w="sm" len="sm"/>
+          </a:ln>
+          <a:effectLst/>
+        </p:spPr>
+      </p:cxnSp>
+      <p:sp>
+        <p:nvSpPr>
+          <p:cNvPr id="2056" name="Textfeld 2055">
+            <a:extLst>
+              <a:ext uri="{FF2B5EF4-FFF2-40B4-BE49-F238E27FC236}">
+                <a16:creationId xmlns:a16="http://schemas.microsoft.com/office/drawing/2014/main" id="{E825550E-CCB5-0CE3-7C8E-72AEBBC65E1E}"/>
+              </a:ext>
+            </a:extLst>
+          </p:cNvPr>
+          <p:cNvSpPr txBox="1"/>
+          <p:nvPr/>
+        </p:nvSpPr>
+        <p:spPr bwMode="auto">
+          <a:xfrm>
+            <a:off x="4067939" y="3203571"/>
+            <a:ext cx="2491636" cy="276999"/>
+          </a:xfrm>
+          <a:prstGeom prst="rect">
+            <a:avLst/>
+          </a:prstGeom>
+          <a:noFill/>
+          <a:ln w="9525">
+            <a:noFill/>
+            <a:miter lim="800000"/>
+            <a:headEnd/>
+            <a:tailEnd/>
+          </a:ln>
+        </p:spPr>
+        <p:txBody>
+          <a:bodyPr wrap="square" rtlCol="0" anchor="ctr">
+            <a:spAutoFit/>
+          </a:bodyPr>
+          <a:lstStyle/>
+          <a:p>
+            <a:pPr eaLnBrk="1" hangingPunct="1"/>
+            <a:r>
+              <a:rPr lang="de-DE" sz="1200" dirty="0" err="1">
+                <a:latin typeface="Arial" charset="0"/>
+              </a:rPr>
+              <a:t>Continuous</a:t>
+            </a:r>
+            <a:r>
+              <a:rPr lang="de-DE" sz="1200" dirty="0">
+                <a:latin typeface="Arial" charset="0"/>
+              </a:rPr>
+              <a:t> </a:t>
+            </a:r>
+            <a:r>
+              <a:rPr lang="de-DE" sz="1200" dirty="0" err="1">
+                <a:latin typeface="Arial" charset="0"/>
+              </a:rPr>
+              <a:t>delivery</a:t>
+            </a:r>
+            <a:endParaRPr lang="de-DE" sz="1200" dirty="0">
+              <a:latin typeface="Arial" charset="0"/>
+            </a:endParaRPr>
+          </a:p>
+        </p:txBody>
+      </p:sp>
+      <p:sp>
+        <p:nvSpPr>
+          <p:cNvPr id="2057" name="Textfeld 2056">
+            <a:extLst>
+              <a:ext uri="{FF2B5EF4-FFF2-40B4-BE49-F238E27FC236}">
+                <a16:creationId xmlns:a16="http://schemas.microsoft.com/office/drawing/2014/main" id="{29B9DA1F-C581-2263-D3F6-27564B0C9F60}"/>
+              </a:ext>
+            </a:extLst>
+          </p:cNvPr>
+          <p:cNvSpPr txBox="1"/>
+          <p:nvPr/>
+        </p:nvSpPr>
+        <p:spPr bwMode="auto">
+          <a:xfrm>
+            <a:off x="3923922" y="4437199"/>
+            <a:ext cx="2491636" cy="276999"/>
+          </a:xfrm>
+          <a:prstGeom prst="rect">
+            <a:avLst/>
+          </a:prstGeom>
+          <a:noFill/>
+          <a:ln w="9525">
+            <a:noFill/>
+            <a:miter lim="800000"/>
+            <a:headEnd/>
+            <a:tailEnd/>
+          </a:ln>
+        </p:spPr>
+        <p:txBody>
+          <a:bodyPr wrap="square" rtlCol="0" anchor="ctr">
+            <a:spAutoFit/>
+          </a:bodyPr>
+          <a:lstStyle/>
+          <a:p>
+            <a:pPr eaLnBrk="1" hangingPunct="1"/>
+            <a:r>
+              <a:rPr lang="de-DE" sz="1200" dirty="0" err="1">
+                <a:latin typeface="Arial" charset="0"/>
+              </a:rPr>
+              <a:t>Continuous</a:t>
+            </a:r>
+            <a:r>
+              <a:rPr lang="de-DE" sz="1200" dirty="0">
+                <a:latin typeface="Arial" charset="0"/>
+              </a:rPr>
+              <a:t> </a:t>
+            </a:r>
+            <a:r>
+              <a:rPr lang="de-DE" sz="1200" dirty="0" err="1">
+                <a:latin typeface="Arial" charset="0"/>
+              </a:rPr>
+              <a:t>deployment</a:t>
+            </a:r>
+            <a:endParaRPr lang="de-DE" sz="1200" dirty="0">
+              <a:latin typeface="Arial" charset="0"/>
+            </a:endParaRPr>
+          </a:p>
+        </p:txBody>
+      </p:sp>
+      <p:sp>
+        <p:nvSpPr>
+          <p:cNvPr id="2058" name="Rechteck 2057">
+            <a:extLst>
+              <a:ext uri="{FF2B5EF4-FFF2-40B4-BE49-F238E27FC236}">
+                <a16:creationId xmlns:a16="http://schemas.microsoft.com/office/drawing/2014/main" id="{53297076-7778-E6A6-BBD7-5053742163E5}"/>
+              </a:ext>
+            </a:extLst>
+          </p:cNvPr>
+          <p:cNvSpPr/>
+          <p:nvPr/>
+        </p:nvSpPr>
+        <p:spPr bwMode="auto">
+          <a:xfrm>
+            <a:off x="5724128" y="1340768"/>
+            <a:ext cx="216024" cy="216024"/>
+          </a:xfrm>
+          <a:prstGeom prst="rect">
+            <a:avLst/>
+          </a:prstGeom>
+          <a:solidFill>
+            <a:schemeClr val="accent2"/>
+          </a:solidFill>
+          <a:ln w="12700" cap="flat" cmpd="sng" algn="ctr">
+            <a:solidFill>
+              <a:schemeClr val="tx1"/>
+            </a:solidFill>
+            <a:prstDash val="solid"/>
+            <a:round/>
+            <a:headEnd type="none" w="sm" len="sm"/>
+            <a:tailEnd type="none" w="sm" len="sm"/>
+          </a:ln>
+          <a:effectLst/>
+        </p:spPr>
+        <p:txBody>
+          <a:bodyPr vert="horz" wrap="square" lIns="91440" tIns="45720" rIns="91440" bIns="45720" numCol="1" rtlCol="0" anchor="t" anchorCtr="0" compatLnSpc="1">
+            <a:prstTxWarp prst="textNoShape">
+              <a:avLst/>
+            </a:prstTxWarp>
+          </a:bodyPr>
+          <a:lstStyle/>
+          <a:p>
+            <a:pPr marL="0" marR="0" indent="0" algn="l" defTabSz="914400" rtl="0" eaLnBrk="0" fontAlgn="base" latinLnBrk="0" hangingPunct="0">
+              <a:lnSpc>
+                <a:spcPct val="100000"/>
+              </a:lnSpc>
+              <a:spcBef>
+                <a:spcPct val="0"/>
+              </a:spcBef>
+              <a:spcAft>
+                <a:spcPct val="0"/>
+              </a:spcAft>
+              <a:buClrTx/>
+              <a:buSzTx/>
+              <a:buFontTx/>
+              <a:buNone/>
+              <a:tabLst/>
+            </a:pPr>
+            <a:endParaRPr kumimoji="0" lang="de-DE" sz="2400" b="0" i="0" u="none" strike="noStrike" cap="none" normalizeH="0" baseline="0">
+              <a:ln>
+                <a:noFill/>
+              </a:ln>
+              <a:solidFill>
+                <a:schemeClr val="tx1"/>
+              </a:solidFill>
+              <a:effectLst/>
+              <a:latin typeface="Times New Roman" pitchFamily="18" charset="0"/>
+            </a:endParaRPr>
+          </a:p>
+        </p:txBody>
+      </p:sp>
+      <p:sp>
+        <p:nvSpPr>
+          <p:cNvPr id="2059" name="Rechteck 2058">
+            <a:extLst>
+              <a:ext uri="{FF2B5EF4-FFF2-40B4-BE49-F238E27FC236}">
+                <a16:creationId xmlns:a16="http://schemas.microsoft.com/office/drawing/2014/main" id="{1EAC33D4-6F41-8C00-25FB-DFDFB332BEDC}"/>
+              </a:ext>
+            </a:extLst>
+          </p:cNvPr>
+          <p:cNvSpPr/>
+          <p:nvPr/>
+        </p:nvSpPr>
+        <p:spPr bwMode="auto">
+          <a:xfrm>
+            <a:off x="5724128" y="1615764"/>
+            <a:ext cx="216024" cy="216024"/>
+          </a:xfrm>
+          <a:prstGeom prst="rect">
+            <a:avLst/>
+          </a:prstGeom>
+          <a:solidFill>
+            <a:srgbClr val="FFCC00"/>
+          </a:solidFill>
+          <a:ln w="12700" cap="flat" cmpd="sng" algn="ctr">
+            <a:solidFill>
+              <a:schemeClr val="tx1"/>
+            </a:solidFill>
+            <a:prstDash val="solid"/>
+            <a:round/>
+            <a:headEnd type="none" w="sm" len="sm"/>
+            <a:tailEnd type="none" w="sm" len="sm"/>
+          </a:ln>
+          <a:effectLst/>
+        </p:spPr>
+        <p:txBody>
+          <a:bodyPr vert="horz" wrap="square" lIns="91440" tIns="45720" rIns="91440" bIns="45720" numCol="1" rtlCol="0" anchor="t" anchorCtr="0" compatLnSpc="1">
+            <a:prstTxWarp prst="textNoShape">
+              <a:avLst/>
+            </a:prstTxWarp>
+          </a:bodyPr>
+          <a:lstStyle/>
+          <a:p>
+            <a:pPr marL="0" marR="0" indent="0" algn="l" defTabSz="914400" rtl="0" eaLnBrk="0" fontAlgn="base" latinLnBrk="0" hangingPunct="0">
+              <a:lnSpc>
+                <a:spcPct val="100000"/>
+              </a:lnSpc>
+              <a:spcBef>
+                <a:spcPct val="0"/>
+              </a:spcBef>
+              <a:spcAft>
+                <a:spcPct val="0"/>
+              </a:spcAft>
+              <a:buClrTx/>
+              <a:buSzTx/>
+              <a:buFontTx/>
+              <a:buNone/>
+              <a:tabLst/>
+            </a:pPr>
+            <a:endParaRPr kumimoji="0" lang="de-DE" sz="2400" b="0" i="0" u="none" strike="noStrike" cap="none" normalizeH="0" baseline="0">
+              <a:ln>
+                <a:noFill/>
+              </a:ln>
+              <a:solidFill>
+                <a:schemeClr val="tx1"/>
+              </a:solidFill>
+              <a:effectLst/>
+              <a:latin typeface="Times New Roman" pitchFamily="18" charset="0"/>
+            </a:endParaRPr>
+          </a:p>
+        </p:txBody>
+      </p:sp>
+      <p:sp>
+        <p:nvSpPr>
+          <p:cNvPr id="2060" name="Textfeld 2059">
+            <a:extLst>
+              <a:ext uri="{FF2B5EF4-FFF2-40B4-BE49-F238E27FC236}">
+                <a16:creationId xmlns:a16="http://schemas.microsoft.com/office/drawing/2014/main" id="{EA914E8C-424C-CBD8-1DD0-530A04D6CCCE}"/>
+              </a:ext>
+            </a:extLst>
+          </p:cNvPr>
+          <p:cNvSpPr txBox="1"/>
+          <p:nvPr/>
+        </p:nvSpPr>
+        <p:spPr bwMode="auto">
+          <a:xfrm>
+            <a:off x="6012164" y="1333361"/>
+            <a:ext cx="1008112" cy="230832"/>
+          </a:xfrm>
+          <a:prstGeom prst="rect">
+            <a:avLst/>
+          </a:prstGeom>
+          <a:noFill/>
+          <a:ln w="9525">
+            <a:noFill/>
+            <a:miter lim="800000"/>
+            <a:headEnd/>
+            <a:tailEnd/>
+          </a:ln>
+        </p:spPr>
+        <p:txBody>
+          <a:bodyPr wrap="square" rtlCol="0" anchor="ctr">
+            <a:spAutoFit/>
+          </a:bodyPr>
+          <a:lstStyle/>
+          <a:p>
+            <a:pPr eaLnBrk="1" hangingPunct="1"/>
+            <a:r>
+              <a:rPr lang="de-DE" sz="900" dirty="0">
+                <a:latin typeface="Arial" charset="0"/>
+              </a:rPr>
+              <a:t>AUTOMATIC</a:t>
+            </a:r>
+          </a:p>
+        </p:txBody>
+      </p:sp>
+      <p:sp>
+        <p:nvSpPr>
+          <p:cNvPr id="2061" name="Textfeld 2060">
+            <a:extLst>
+              <a:ext uri="{FF2B5EF4-FFF2-40B4-BE49-F238E27FC236}">
+                <a16:creationId xmlns:a16="http://schemas.microsoft.com/office/drawing/2014/main" id="{C3C57DFD-6B75-EDE5-93CD-9A88F78601F8}"/>
+              </a:ext>
+            </a:extLst>
+          </p:cNvPr>
+          <p:cNvSpPr txBox="1"/>
+          <p:nvPr/>
+        </p:nvSpPr>
+        <p:spPr bwMode="auto">
+          <a:xfrm>
+            <a:off x="6084168" y="1615764"/>
+            <a:ext cx="792088" cy="230832"/>
+          </a:xfrm>
+          <a:prstGeom prst="rect">
+            <a:avLst/>
+          </a:prstGeom>
+          <a:noFill/>
+          <a:ln w="9525">
+            <a:noFill/>
+            <a:miter lim="800000"/>
+            <a:headEnd/>
+            <a:tailEnd/>
+          </a:ln>
+        </p:spPr>
+        <p:txBody>
+          <a:bodyPr wrap="square" rtlCol="0" anchor="ctr">
+            <a:spAutoFit/>
+          </a:bodyPr>
+          <a:lstStyle/>
+          <a:p>
+            <a:pPr eaLnBrk="1" hangingPunct="1"/>
+            <a:r>
+              <a:rPr lang="de-DE" sz="900" dirty="0">
+                <a:latin typeface="Arial" charset="0"/>
+              </a:rPr>
+              <a:t>MANUAL</a:t>
+            </a:r>
+          </a:p>
+        </p:txBody>
+      </p:sp>
     </p:spTree>
     <p:extLst>
       <p:ext uri="{BB962C8B-B14F-4D97-AF65-F5344CB8AC3E}">
-        <p14:creationId xmlns:p14="http://schemas.microsoft.com/office/powerpoint/2010/main" val="1935013887"/>
+        <p14:creationId xmlns:p14="http://schemas.microsoft.com/office/powerpoint/2010/main" val="2957096432"/>
       </p:ext>
     </p:extLst>
   </p:cSld>
@@ -4689,115 +7378,29 @@
           <a:p>
             <a:r>
               <a:rPr lang="de-DE" dirty="0"/>
-              <a:t>Stages</a:t>
-            </a:r>
-          </a:p>
-        </p:txBody>
-      </p:sp>
-      <p:sp>
-        <p:nvSpPr>
-          <p:cNvPr id="3" name="Inhaltsplatzhalter 2">
-            <a:extLst>
-              <a:ext uri="{FF2B5EF4-FFF2-40B4-BE49-F238E27FC236}">
-                <a16:creationId xmlns:a16="http://schemas.microsoft.com/office/drawing/2014/main" id="{77E2263B-B497-253E-3C49-6BDD6C0EE524}"/>
-              </a:ext>
-            </a:extLst>
-          </p:cNvPr>
-          <p:cNvSpPr>
-            <a:spLocks noGrp="1"/>
-          </p:cNvSpPr>
-          <p:nvPr>
-            <p:ph idx="1"/>
-          </p:nvPr>
-        </p:nvSpPr>
-        <p:spPr/>
-        <p:txBody>
-          <a:bodyPr/>
-          <a:lstStyle/>
-          <a:p>
-            <a:pPr marL="0" indent="0">
-              <a:buNone/>
-            </a:pPr>
-            <a:r>
-              <a:rPr lang="de-DE" b="1" dirty="0" err="1"/>
-              <a:t>Gitlab</a:t>
-            </a:r>
-            <a:r>
-              <a:rPr lang="de-DE" b="1" dirty="0"/>
-              <a:t> Stages und Jobs</a:t>
-            </a:r>
-          </a:p>
-          <a:p>
-            <a:pPr>
-              <a:buFont typeface="Arial" panose="020B0604020202020204" pitchFamily="34" charset="0"/>
-              <a:buChar char="•"/>
-            </a:pPr>
-            <a:r>
-              <a:rPr lang="de-DE" dirty="0"/>
-              <a:t>Die Stages werden oben in der .</a:t>
-            </a:r>
-            <a:r>
-              <a:rPr lang="de-DE" dirty="0" err="1"/>
-              <a:t>gitlab-ci.yml</a:t>
-            </a:r>
-            <a:r>
-              <a:rPr lang="de-DE" dirty="0"/>
-              <a:t> definiert</a:t>
-            </a:r>
-          </a:p>
-          <a:p>
-            <a:pPr>
-              <a:buFont typeface="Arial" panose="020B0604020202020204" pitchFamily="34" charset="0"/>
-              <a:buChar char="•"/>
-            </a:pPr>
-            <a:r>
-              <a:rPr lang="de-DE" dirty="0"/>
-              <a:t>Eine Stage kann mehrere Jobs haben</a:t>
-            </a:r>
-          </a:p>
-          <a:p>
-            <a:pPr>
-              <a:buFont typeface="Arial" panose="020B0604020202020204" pitchFamily="34" charset="0"/>
-              <a:buChar char="•"/>
-            </a:pPr>
-            <a:r>
-              <a:rPr lang="de-DE" dirty="0"/>
-              <a:t>Die Jobs einer Stage können </a:t>
-            </a:r>
-            <a:r>
-              <a:rPr lang="de-DE" dirty="0" err="1"/>
-              <a:t>Paralle</a:t>
-            </a:r>
-            <a:r>
-              <a:rPr lang="de-DE" dirty="0"/>
-              <a:t> laufen</a:t>
-            </a:r>
-          </a:p>
-          <a:p>
-            <a:pPr>
-              <a:buFont typeface="Arial" panose="020B0604020202020204" pitchFamily="34" charset="0"/>
-              <a:buChar char="•"/>
-            </a:pPr>
-            <a:endParaRPr lang="de-DE" dirty="0"/>
+              <a:t>CI/CD</a:t>
+            </a:r>
           </a:p>
         </p:txBody>
       </p:sp>
       <p:pic>
         <p:nvPicPr>
-          <p:cNvPr id="4098" name="Picture 2" descr="CI/CD pipelines | GitLab">
+          <p:cNvPr id="3074" name="Picture 2" descr="Why the World Needs CI/CD | Flexagon">
             <a:extLst>
               <a:ext uri="{FF2B5EF4-FFF2-40B4-BE49-F238E27FC236}">
-                <a16:creationId xmlns:a16="http://schemas.microsoft.com/office/drawing/2014/main" id="{C1FA6D5B-FF36-2B08-0DA1-24240B5D4307}"/>
+                <a16:creationId xmlns:a16="http://schemas.microsoft.com/office/drawing/2014/main" id="{6B3BD708-89D9-2A3B-48E9-3578730D2699}"/>
               </a:ext>
             </a:extLst>
           </p:cNvPr>
           <p:cNvPicPr>
-            <a:picLocks noChangeAspect="1" noChangeArrowheads="1"/>
+            <a:picLocks noGrp="1" noChangeAspect="1" noChangeArrowheads="1"/>
           </p:cNvPicPr>
-          <p:nvPr/>
+          <p:nvPr>
+            <p:ph idx="1"/>
+          </p:nvPr>
         </p:nvPicPr>
         <p:blipFill>
-          <a:blip r:embed="rId2">
+          <a:blip r:embed="rId3">
             <a:extLst>
               <a:ext uri="{28A0092B-C50C-407E-A947-70E740481C1C}">
                 <a14:useLocalDpi xmlns:a14="http://schemas.microsoft.com/office/drawing/2010/main" val="0"/>
@@ -4811,8 +7414,8 @@
         </p:blipFill>
         <p:spPr bwMode="auto">
           <a:xfrm>
-            <a:off x="683568" y="2708920"/>
-            <a:ext cx="7344816" cy="3667308"/>
+            <a:off x="342106" y="1300162"/>
+            <a:ext cx="8439150" cy="4762500"/>
           </a:xfrm>
           <a:prstGeom prst="rect">
             <a:avLst/>
@@ -4832,7 +7435,7 @@
     </p:spTree>
     <p:extLst>
       <p:ext uri="{BB962C8B-B14F-4D97-AF65-F5344CB8AC3E}">
-        <p14:creationId xmlns:p14="http://schemas.microsoft.com/office/powerpoint/2010/main" val="1026791722"/>
+        <p14:creationId xmlns:p14="http://schemas.microsoft.com/office/powerpoint/2010/main" val="1935013887"/>
       </p:ext>
     </p:extLst>
   </p:cSld>
@@ -4882,7 +7485,7 @@
           <a:p>
             <a:r>
               <a:rPr lang="de-DE" dirty="0"/>
-              <a:t>CI/CD</a:t>
+              <a:t>Stages</a:t>
             </a:r>
           </a:p>
         </p:txBody>
@@ -4913,6 +7516,790 @@
             </a:pPr>
             <a:r>
               <a:rPr lang="de-DE" b="1" dirty="0" err="1"/>
+              <a:t>Gitlab</a:t>
+            </a:r>
+            <a:r>
+              <a:rPr lang="de-DE" b="1" dirty="0"/>
+              <a:t> Stages und Jobs</a:t>
+            </a:r>
+          </a:p>
+          <a:p>
+            <a:pPr>
+              <a:buFont typeface="Arial" panose="020B0604020202020204" pitchFamily="34" charset="0"/>
+              <a:buChar char="•"/>
+            </a:pPr>
+            <a:r>
+              <a:rPr lang="de-DE" dirty="0"/>
+              <a:t>Die Stages werden oben in der .</a:t>
+            </a:r>
+            <a:r>
+              <a:rPr lang="de-DE" dirty="0" err="1"/>
+              <a:t>gitlab-ci.yml</a:t>
+            </a:r>
+            <a:r>
+              <a:rPr lang="de-DE" dirty="0"/>
+              <a:t> definiert</a:t>
+            </a:r>
+          </a:p>
+          <a:p>
+            <a:pPr>
+              <a:buFont typeface="Arial" panose="020B0604020202020204" pitchFamily="34" charset="0"/>
+              <a:buChar char="•"/>
+            </a:pPr>
+            <a:r>
+              <a:rPr lang="de-DE" dirty="0"/>
+              <a:t>Eine Stage kann mehrere Jobs haben</a:t>
+            </a:r>
+          </a:p>
+          <a:p>
+            <a:pPr>
+              <a:buFont typeface="Arial" panose="020B0604020202020204" pitchFamily="34" charset="0"/>
+              <a:buChar char="•"/>
+            </a:pPr>
+            <a:r>
+              <a:rPr lang="de-DE" dirty="0"/>
+              <a:t>Die Jobs einer Stage können </a:t>
+            </a:r>
+            <a:r>
+              <a:rPr lang="de-DE" dirty="0" err="1"/>
+              <a:t>Paralle</a:t>
+            </a:r>
+            <a:r>
+              <a:rPr lang="de-DE" dirty="0"/>
+              <a:t> laufen</a:t>
+            </a:r>
+          </a:p>
+          <a:p>
+            <a:pPr>
+              <a:buFont typeface="Arial" panose="020B0604020202020204" pitchFamily="34" charset="0"/>
+              <a:buChar char="•"/>
+            </a:pPr>
+            <a:endParaRPr lang="de-DE" dirty="0"/>
+          </a:p>
+        </p:txBody>
+      </p:sp>
+      <p:pic>
+        <p:nvPicPr>
+          <p:cNvPr id="4098" name="Picture 2" descr="CI/CD pipelines | GitLab">
+            <a:extLst>
+              <a:ext uri="{FF2B5EF4-FFF2-40B4-BE49-F238E27FC236}">
+                <a16:creationId xmlns:a16="http://schemas.microsoft.com/office/drawing/2014/main" id="{C1FA6D5B-FF36-2B08-0DA1-24240B5D4307}"/>
+              </a:ext>
+            </a:extLst>
+          </p:cNvPr>
+          <p:cNvPicPr>
+            <a:picLocks noChangeAspect="1" noChangeArrowheads="1"/>
+          </p:cNvPicPr>
+          <p:nvPr/>
+        </p:nvPicPr>
+        <p:blipFill>
+          <a:blip r:embed="rId2">
+            <a:extLst>
+              <a:ext uri="{28A0092B-C50C-407E-A947-70E740481C1C}">
+                <a14:useLocalDpi xmlns:a14="http://schemas.microsoft.com/office/drawing/2010/main" val="0"/>
+              </a:ext>
+            </a:extLst>
+          </a:blip>
+          <a:srcRect/>
+          <a:stretch>
+            <a:fillRect/>
+          </a:stretch>
+        </p:blipFill>
+        <p:spPr bwMode="auto">
+          <a:xfrm>
+            <a:off x="683568" y="2708920"/>
+            <a:ext cx="7344816" cy="3667308"/>
+          </a:xfrm>
+          <a:prstGeom prst="rect">
+            <a:avLst/>
+          </a:prstGeom>
+          <a:noFill/>
+          <a:extLst>
+            <a:ext uri="{909E8E84-426E-40DD-AFC4-6F175D3DCCD1}">
+              <a14:hiddenFill xmlns:a14="http://schemas.microsoft.com/office/drawing/2010/main">
+                <a:solidFill>
+                  <a:srgbClr val="FFFFFF"/>
+                </a:solidFill>
+              </a14:hiddenFill>
+            </a:ext>
+          </a:extLst>
+        </p:spPr>
+      </p:pic>
+    </p:spTree>
+    <p:extLst>
+      <p:ext uri="{BB962C8B-B14F-4D97-AF65-F5344CB8AC3E}">
+        <p14:creationId xmlns:p14="http://schemas.microsoft.com/office/powerpoint/2010/main" val="1026791722"/>
+      </p:ext>
+    </p:extLst>
+  </p:cSld>
+  <p:clrMapOvr>
+    <a:masterClrMapping/>
+  </p:clrMapOvr>
+</p:sld>
+</file>
+
+<file path=ppt/slides/slide14.xml><?xml version="1.0" encoding="utf-8"?>
+<p:sld xmlns:a="http://schemas.openxmlformats.org/drawingml/2006/main" xmlns:r="http://schemas.openxmlformats.org/officeDocument/2006/relationships" xmlns:p="http://schemas.openxmlformats.org/presentationml/2006/main">
+  <p:cSld>
+    <p:spTree>
+      <p:nvGrpSpPr>
+        <p:cNvPr id="1" name=""/>
+        <p:cNvGrpSpPr/>
+        <p:nvPr/>
+      </p:nvGrpSpPr>
+      <p:grpSpPr>
+        <a:xfrm>
+          <a:off x="0" y="0"/>
+          <a:ext cx="0" cy="0"/>
+          <a:chOff x="0" y="0"/>
+          <a:chExt cx="0" cy="0"/>
+        </a:xfrm>
+      </p:grpSpPr>
+      <p:sp>
+        <p:nvSpPr>
+          <p:cNvPr id="2" name="Titel 1">
+            <a:extLst>
+              <a:ext uri="{FF2B5EF4-FFF2-40B4-BE49-F238E27FC236}">
+                <a16:creationId xmlns:a16="http://schemas.microsoft.com/office/drawing/2014/main" id="{A665D894-C205-240B-EACE-153832C5C589}"/>
+              </a:ext>
+            </a:extLst>
+          </p:cNvPr>
+          <p:cNvSpPr>
+            <a:spLocks noGrp="1"/>
+          </p:cNvSpPr>
+          <p:nvPr>
+            <p:ph type="title"/>
+          </p:nvPr>
+        </p:nvSpPr>
+        <p:spPr/>
+        <p:txBody>
+          <a:bodyPr/>
+          <a:lstStyle/>
+          <a:p>
+            <a:r>
+              <a:rPr lang="de-DE" dirty="0"/>
+              <a:t>Stages</a:t>
+            </a:r>
+          </a:p>
+        </p:txBody>
+      </p:sp>
+      <p:sp>
+        <p:nvSpPr>
+          <p:cNvPr id="3" name="Inhaltsplatzhalter 2">
+            <a:extLst>
+              <a:ext uri="{FF2B5EF4-FFF2-40B4-BE49-F238E27FC236}">
+                <a16:creationId xmlns:a16="http://schemas.microsoft.com/office/drawing/2014/main" id="{77E2263B-B497-253E-3C49-6BDD6C0EE524}"/>
+              </a:ext>
+            </a:extLst>
+          </p:cNvPr>
+          <p:cNvSpPr>
+            <a:spLocks noGrp="1"/>
+          </p:cNvSpPr>
+          <p:nvPr>
+            <p:ph idx="1"/>
+          </p:nvPr>
+        </p:nvSpPr>
+        <p:spPr/>
+        <p:txBody>
+          <a:bodyPr/>
+          <a:lstStyle/>
+          <a:p>
+            <a:pPr marL="0" indent="0">
+              <a:buNone/>
+            </a:pPr>
+            <a:r>
+              <a:rPr lang="de-DE" b="1" dirty="0" err="1"/>
+              <a:t>Gitlab</a:t>
+            </a:r>
+            <a:r>
+              <a:rPr lang="de-DE" b="1" dirty="0"/>
+              <a:t> Stages und Jobs</a:t>
+            </a:r>
+          </a:p>
+          <a:p>
+            <a:pPr>
+              <a:buFont typeface="Arial" panose="020B0604020202020204" pitchFamily="34" charset="0"/>
+              <a:buChar char="•"/>
+            </a:pPr>
+            <a:endParaRPr lang="de-DE" dirty="0"/>
+          </a:p>
+        </p:txBody>
+      </p:sp>
+      <p:sp>
+        <p:nvSpPr>
+          <p:cNvPr id="9" name="Textfeld 8">
+            <a:extLst>
+              <a:ext uri="{FF2B5EF4-FFF2-40B4-BE49-F238E27FC236}">
+                <a16:creationId xmlns:a16="http://schemas.microsoft.com/office/drawing/2014/main" id="{487C53F5-2973-8FAA-CA75-10074D9757CB}"/>
+              </a:ext>
+            </a:extLst>
+          </p:cNvPr>
+          <p:cNvSpPr txBox="1"/>
+          <p:nvPr/>
+        </p:nvSpPr>
+        <p:spPr bwMode="auto">
+          <a:xfrm>
+            <a:off x="1187624" y="1500180"/>
+            <a:ext cx="6528062" cy="5262979"/>
+          </a:xfrm>
+          <a:prstGeom prst="rect">
+            <a:avLst/>
+          </a:prstGeom>
+          <a:noFill/>
+          <a:ln w="9525">
+            <a:noFill/>
+            <a:miter lim="800000"/>
+            <a:headEnd/>
+            <a:tailEnd/>
+          </a:ln>
+        </p:spPr>
+        <p:txBody>
+          <a:bodyPr wrap="square">
+            <a:spAutoFit/>
+          </a:bodyPr>
+          <a:lstStyle/>
+          <a:p>
+            <a:r>
+              <a:rPr lang="en-US" b="0" dirty="0">
+                <a:solidFill>
+                  <a:srgbClr val="800000"/>
+                </a:solidFill>
+                <a:effectLst/>
+                <a:highlight>
+                  <a:srgbClr val="FFFFFF"/>
+                </a:highlight>
+                <a:latin typeface="Consolas" panose="020B0609020204030204" pitchFamily="49" charset="0"/>
+              </a:rPr>
+              <a:t>stages</a:t>
+            </a:r>
+            <a:r>
+              <a:rPr lang="en-US" b="0" dirty="0">
+                <a:solidFill>
+                  <a:srgbClr val="3B3B3B"/>
+                </a:solidFill>
+                <a:effectLst/>
+                <a:highlight>
+                  <a:srgbClr val="FFFFFF"/>
+                </a:highlight>
+                <a:latin typeface="Consolas" panose="020B0609020204030204" pitchFamily="49" charset="0"/>
+              </a:rPr>
+              <a:t>:</a:t>
+            </a:r>
+          </a:p>
+          <a:p>
+            <a:r>
+              <a:rPr lang="en-US" b="0" dirty="0">
+                <a:solidFill>
+                  <a:srgbClr val="3B3B3B"/>
+                </a:solidFill>
+                <a:effectLst/>
+                <a:highlight>
+                  <a:srgbClr val="FFFFFF"/>
+                </a:highlight>
+                <a:latin typeface="Consolas" panose="020B0609020204030204" pitchFamily="49" charset="0"/>
+              </a:rPr>
+              <a:t>  - </a:t>
+            </a:r>
+            <a:r>
+              <a:rPr lang="en-US" b="0" dirty="0">
+                <a:solidFill>
+                  <a:srgbClr val="0000FF"/>
+                </a:solidFill>
+                <a:effectLst/>
+                <a:highlight>
+                  <a:srgbClr val="FFFFFF"/>
+                </a:highlight>
+                <a:latin typeface="Consolas" panose="020B0609020204030204" pitchFamily="49" charset="0"/>
+              </a:rPr>
+              <a:t>build</a:t>
+            </a:r>
+            <a:endParaRPr lang="en-US" b="0" dirty="0">
+              <a:solidFill>
+                <a:srgbClr val="3B3B3B"/>
+              </a:solidFill>
+              <a:effectLst/>
+              <a:highlight>
+                <a:srgbClr val="FFFFFF"/>
+              </a:highlight>
+              <a:latin typeface="Consolas" panose="020B0609020204030204" pitchFamily="49" charset="0"/>
+            </a:endParaRPr>
+          </a:p>
+          <a:p>
+            <a:br>
+              <a:rPr lang="en-US" b="0" dirty="0">
+                <a:solidFill>
+                  <a:srgbClr val="3B3B3B"/>
+                </a:solidFill>
+                <a:effectLst/>
+                <a:highlight>
+                  <a:srgbClr val="FFFFFF"/>
+                </a:highlight>
+                <a:latin typeface="Consolas" panose="020B0609020204030204" pitchFamily="49" charset="0"/>
+              </a:rPr>
+            </a:br>
+            <a:r>
+              <a:rPr lang="en-US" b="0" dirty="0">
+                <a:solidFill>
+                  <a:srgbClr val="800000"/>
+                </a:solidFill>
+                <a:effectLst/>
+                <a:highlight>
+                  <a:srgbClr val="FFFFFF"/>
+                </a:highlight>
+                <a:latin typeface="Consolas" panose="020B0609020204030204" pitchFamily="49" charset="0"/>
+              </a:rPr>
+              <a:t>frontend</a:t>
+            </a:r>
+            <a:r>
+              <a:rPr lang="en-US" b="0" dirty="0">
+                <a:solidFill>
+                  <a:srgbClr val="3B3B3B"/>
+                </a:solidFill>
+                <a:effectLst/>
+                <a:highlight>
+                  <a:srgbClr val="FFFFFF"/>
+                </a:highlight>
+                <a:latin typeface="Consolas" panose="020B0609020204030204" pitchFamily="49" charset="0"/>
+              </a:rPr>
+              <a:t>:</a:t>
+            </a:r>
+          </a:p>
+          <a:p>
+            <a:r>
+              <a:rPr lang="en-US" b="0" dirty="0">
+                <a:solidFill>
+                  <a:srgbClr val="3B3B3B"/>
+                </a:solidFill>
+                <a:effectLst/>
+                <a:highlight>
+                  <a:srgbClr val="FFFFFF"/>
+                </a:highlight>
+                <a:latin typeface="Consolas" panose="020B0609020204030204" pitchFamily="49" charset="0"/>
+              </a:rPr>
+              <a:t>  </a:t>
+            </a:r>
+            <a:r>
+              <a:rPr lang="en-US" b="0" dirty="0">
+                <a:solidFill>
+                  <a:srgbClr val="800000"/>
+                </a:solidFill>
+                <a:effectLst/>
+                <a:highlight>
+                  <a:srgbClr val="FFFFFF"/>
+                </a:highlight>
+                <a:latin typeface="Consolas" panose="020B0609020204030204" pitchFamily="49" charset="0"/>
+              </a:rPr>
+              <a:t>stage</a:t>
+            </a:r>
+            <a:r>
+              <a:rPr lang="en-US" b="0" dirty="0">
+                <a:solidFill>
+                  <a:srgbClr val="3B3B3B"/>
+                </a:solidFill>
+                <a:effectLst/>
+                <a:highlight>
+                  <a:srgbClr val="FFFFFF"/>
+                </a:highlight>
+                <a:latin typeface="Consolas" panose="020B0609020204030204" pitchFamily="49" charset="0"/>
+              </a:rPr>
+              <a:t>: </a:t>
+            </a:r>
+            <a:r>
+              <a:rPr lang="en-US" b="0" dirty="0">
+                <a:solidFill>
+                  <a:srgbClr val="0000FF"/>
+                </a:solidFill>
+                <a:effectLst/>
+                <a:highlight>
+                  <a:srgbClr val="FFFFFF"/>
+                </a:highlight>
+                <a:latin typeface="Consolas" panose="020B0609020204030204" pitchFamily="49" charset="0"/>
+              </a:rPr>
+              <a:t>build</a:t>
+            </a:r>
+            <a:endParaRPr lang="en-US" b="0" dirty="0">
+              <a:solidFill>
+                <a:srgbClr val="3B3B3B"/>
+              </a:solidFill>
+              <a:effectLst/>
+              <a:highlight>
+                <a:srgbClr val="FFFFFF"/>
+              </a:highlight>
+              <a:latin typeface="Consolas" panose="020B0609020204030204" pitchFamily="49" charset="0"/>
+            </a:endParaRPr>
+          </a:p>
+          <a:p>
+            <a:r>
+              <a:rPr lang="en-US" b="0" dirty="0">
+                <a:solidFill>
+                  <a:srgbClr val="3B3B3B"/>
+                </a:solidFill>
+                <a:effectLst/>
+                <a:highlight>
+                  <a:srgbClr val="FFFFFF"/>
+                </a:highlight>
+                <a:latin typeface="Consolas" panose="020B0609020204030204" pitchFamily="49" charset="0"/>
+              </a:rPr>
+              <a:t>  </a:t>
+            </a:r>
+            <a:r>
+              <a:rPr lang="en-US" b="0" dirty="0">
+                <a:solidFill>
+                  <a:srgbClr val="800000"/>
+                </a:solidFill>
+                <a:effectLst/>
+                <a:highlight>
+                  <a:srgbClr val="FFFFFF"/>
+                </a:highlight>
+                <a:latin typeface="Consolas" panose="020B0609020204030204" pitchFamily="49" charset="0"/>
+              </a:rPr>
+              <a:t>script</a:t>
+            </a:r>
+            <a:r>
+              <a:rPr lang="en-US" b="0" dirty="0">
+                <a:solidFill>
+                  <a:srgbClr val="3B3B3B"/>
+                </a:solidFill>
+                <a:effectLst/>
+                <a:highlight>
+                  <a:srgbClr val="FFFFFF"/>
+                </a:highlight>
+                <a:latin typeface="Consolas" panose="020B0609020204030204" pitchFamily="49" charset="0"/>
+              </a:rPr>
+              <a:t>:</a:t>
+            </a:r>
+          </a:p>
+          <a:p>
+            <a:r>
+              <a:rPr lang="en-US" b="0" dirty="0">
+                <a:solidFill>
+                  <a:srgbClr val="3B3B3B"/>
+                </a:solidFill>
+                <a:effectLst/>
+                <a:highlight>
+                  <a:srgbClr val="FFFFFF"/>
+                </a:highlight>
+                <a:latin typeface="Consolas" panose="020B0609020204030204" pitchFamily="49" charset="0"/>
+              </a:rPr>
+              <a:t>    - </a:t>
+            </a:r>
+            <a:r>
+              <a:rPr lang="en-US" b="0" dirty="0">
+                <a:solidFill>
+                  <a:srgbClr val="0000FF"/>
+                </a:solidFill>
+                <a:effectLst/>
+                <a:highlight>
+                  <a:srgbClr val="FFFFFF"/>
+                </a:highlight>
+                <a:latin typeface="Consolas" panose="020B0609020204030204" pitchFamily="49" charset="0"/>
+              </a:rPr>
+              <a:t>echo "Building the frontend..."</a:t>
+            </a:r>
+            <a:endParaRPr lang="en-US" b="0" dirty="0">
+              <a:solidFill>
+                <a:srgbClr val="3B3B3B"/>
+              </a:solidFill>
+              <a:effectLst/>
+              <a:highlight>
+                <a:srgbClr val="FFFFFF"/>
+              </a:highlight>
+              <a:latin typeface="Consolas" panose="020B0609020204030204" pitchFamily="49" charset="0"/>
+            </a:endParaRPr>
+          </a:p>
+          <a:p>
+            <a:br>
+              <a:rPr lang="en-US" b="0" dirty="0">
+                <a:solidFill>
+                  <a:srgbClr val="3B3B3B"/>
+                </a:solidFill>
+                <a:effectLst/>
+                <a:highlight>
+                  <a:srgbClr val="FFFFFF"/>
+                </a:highlight>
+                <a:latin typeface="Consolas" panose="020B0609020204030204" pitchFamily="49" charset="0"/>
+              </a:rPr>
+            </a:br>
+            <a:r>
+              <a:rPr lang="en-US" b="0" dirty="0">
+                <a:solidFill>
+                  <a:srgbClr val="800000"/>
+                </a:solidFill>
+                <a:effectLst/>
+                <a:highlight>
+                  <a:srgbClr val="FFFFFF"/>
+                </a:highlight>
+                <a:latin typeface="Consolas" panose="020B0609020204030204" pitchFamily="49" charset="0"/>
+              </a:rPr>
+              <a:t>backend</a:t>
+            </a:r>
+            <a:r>
+              <a:rPr lang="en-US" b="0" dirty="0">
+                <a:solidFill>
+                  <a:srgbClr val="3B3B3B"/>
+                </a:solidFill>
+                <a:effectLst/>
+                <a:highlight>
+                  <a:srgbClr val="FFFFFF"/>
+                </a:highlight>
+                <a:latin typeface="Consolas" panose="020B0609020204030204" pitchFamily="49" charset="0"/>
+              </a:rPr>
+              <a:t>:</a:t>
+            </a:r>
+          </a:p>
+          <a:p>
+            <a:r>
+              <a:rPr lang="en-US" b="0" dirty="0">
+                <a:solidFill>
+                  <a:srgbClr val="3B3B3B"/>
+                </a:solidFill>
+                <a:effectLst/>
+                <a:highlight>
+                  <a:srgbClr val="FFFFFF"/>
+                </a:highlight>
+                <a:latin typeface="Consolas" panose="020B0609020204030204" pitchFamily="49" charset="0"/>
+              </a:rPr>
+              <a:t>  </a:t>
+            </a:r>
+            <a:r>
+              <a:rPr lang="en-US" b="0" dirty="0">
+                <a:solidFill>
+                  <a:srgbClr val="800000"/>
+                </a:solidFill>
+                <a:effectLst/>
+                <a:highlight>
+                  <a:srgbClr val="FFFFFF"/>
+                </a:highlight>
+                <a:latin typeface="Consolas" panose="020B0609020204030204" pitchFamily="49" charset="0"/>
+              </a:rPr>
+              <a:t>stage</a:t>
+            </a:r>
+            <a:r>
+              <a:rPr lang="en-US" b="0" dirty="0">
+                <a:solidFill>
+                  <a:srgbClr val="3B3B3B"/>
+                </a:solidFill>
+                <a:effectLst/>
+                <a:highlight>
+                  <a:srgbClr val="FFFFFF"/>
+                </a:highlight>
+                <a:latin typeface="Consolas" panose="020B0609020204030204" pitchFamily="49" charset="0"/>
+              </a:rPr>
+              <a:t>: </a:t>
+            </a:r>
+            <a:r>
+              <a:rPr lang="en-US" b="0" dirty="0">
+                <a:solidFill>
+                  <a:srgbClr val="0000FF"/>
+                </a:solidFill>
+                <a:effectLst/>
+                <a:highlight>
+                  <a:srgbClr val="FFFFFF"/>
+                </a:highlight>
+                <a:latin typeface="Consolas" panose="020B0609020204030204" pitchFamily="49" charset="0"/>
+              </a:rPr>
+              <a:t>build</a:t>
+            </a:r>
+            <a:endParaRPr lang="en-US" b="0" dirty="0">
+              <a:solidFill>
+                <a:srgbClr val="3B3B3B"/>
+              </a:solidFill>
+              <a:effectLst/>
+              <a:highlight>
+                <a:srgbClr val="FFFFFF"/>
+              </a:highlight>
+              <a:latin typeface="Consolas" panose="020B0609020204030204" pitchFamily="49" charset="0"/>
+            </a:endParaRPr>
+          </a:p>
+          <a:p>
+            <a:r>
+              <a:rPr lang="en-US" b="0" dirty="0">
+                <a:solidFill>
+                  <a:srgbClr val="3B3B3B"/>
+                </a:solidFill>
+                <a:effectLst/>
+                <a:highlight>
+                  <a:srgbClr val="FFFFFF"/>
+                </a:highlight>
+                <a:latin typeface="Consolas" panose="020B0609020204030204" pitchFamily="49" charset="0"/>
+              </a:rPr>
+              <a:t>  </a:t>
+            </a:r>
+            <a:r>
+              <a:rPr lang="en-US" b="0" dirty="0">
+                <a:solidFill>
+                  <a:srgbClr val="800000"/>
+                </a:solidFill>
+                <a:effectLst/>
+                <a:highlight>
+                  <a:srgbClr val="FFFFFF"/>
+                </a:highlight>
+                <a:latin typeface="Consolas" panose="020B0609020204030204" pitchFamily="49" charset="0"/>
+              </a:rPr>
+              <a:t>script</a:t>
+            </a:r>
+            <a:r>
+              <a:rPr lang="en-US" b="0" dirty="0">
+                <a:solidFill>
+                  <a:srgbClr val="3B3B3B"/>
+                </a:solidFill>
+                <a:effectLst/>
+                <a:highlight>
+                  <a:srgbClr val="FFFFFF"/>
+                </a:highlight>
+                <a:latin typeface="Consolas" panose="020B0609020204030204" pitchFamily="49" charset="0"/>
+              </a:rPr>
+              <a:t>:</a:t>
+            </a:r>
+          </a:p>
+          <a:p>
+            <a:r>
+              <a:rPr lang="en-US" b="0" dirty="0">
+                <a:solidFill>
+                  <a:srgbClr val="3B3B3B"/>
+                </a:solidFill>
+                <a:effectLst/>
+                <a:highlight>
+                  <a:srgbClr val="FFFFFF"/>
+                </a:highlight>
+                <a:latin typeface="Consolas" panose="020B0609020204030204" pitchFamily="49" charset="0"/>
+              </a:rPr>
+              <a:t>    - </a:t>
+            </a:r>
+            <a:r>
+              <a:rPr lang="en-US" b="0" dirty="0">
+                <a:solidFill>
+                  <a:srgbClr val="0000FF"/>
+                </a:solidFill>
+                <a:effectLst/>
+                <a:highlight>
+                  <a:srgbClr val="FFFFFF"/>
+                </a:highlight>
+                <a:latin typeface="Consolas" panose="020B0609020204030204" pitchFamily="49" charset="0"/>
+              </a:rPr>
+              <a:t>echo "Building the backend..."</a:t>
+            </a:r>
+            <a:endParaRPr lang="en-US" b="0" dirty="0">
+              <a:solidFill>
+                <a:srgbClr val="3B3B3B"/>
+              </a:solidFill>
+              <a:effectLst/>
+              <a:highlight>
+                <a:srgbClr val="FFFFFF"/>
+              </a:highlight>
+              <a:latin typeface="Consolas" panose="020B0609020204030204" pitchFamily="49" charset="0"/>
+            </a:endParaRPr>
+          </a:p>
+          <a:p>
+            <a:br>
+              <a:rPr lang="en-US" b="0" dirty="0">
+                <a:solidFill>
+                  <a:srgbClr val="3B3B3B"/>
+                </a:solidFill>
+                <a:effectLst/>
+                <a:highlight>
+                  <a:srgbClr val="FFFFFF"/>
+                </a:highlight>
+                <a:latin typeface="Consolas" panose="020B0609020204030204" pitchFamily="49" charset="0"/>
+              </a:rPr>
+            </a:br>
+            <a:endParaRPr lang="en-US" b="0" dirty="0">
+              <a:solidFill>
+                <a:srgbClr val="3B3B3B"/>
+              </a:solidFill>
+              <a:effectLst/>
+              <a:highlight>
+                <a:srgbClr val="FFFFFF"/>
+              </a:highlight>
+              <a:latin typeface="Consolas" panose="020B0609020204030204" pitchFamily="49" charset="0"/>
+            </a:endParaRPr>
+          </a:p>
+        </p:txBody>
+      </p:sp>
+    </p:spTree>
+    <p:extLst>
+      <p:ext uri="{BB962C8B-B14F-4D97-AF65-F5344CB8AC3E}">
+        <p14:creationId xmlns:p14="http://schemas.microsoft.com/office/powerpoint/2010/main" val="4286913370"/>
+      </p:ext>
+    </p:extLst>
+  </p:cSld>
+  <p:clrMapOvr>
+    <a:masterClrMapping/>
+  </p:clrMapOvr>
+</p:sld>
+</file>
+
+<file path=ppt/slides/slide15.xml><?xml version="1.0" encoding="utf-8"?>
+<p:sld xmlns:a="http://schemas.openxmlformats.org/drawingml/2006/main" xmlns:r="http://schemas.openxmlformats.org/officeDocument/2006/relationships" xmlns:p="http://schemas.openxmlformats.org/presentationml/2006/main">
+  <p:cSld>
+    <p:spTree>
+      <p:nvGrpSpPr>
+        <p:cNvPr id="1" name=""/>
+        <p:cNvGrpSpPr/>
+        <p:nvPr/>
+      </p:nvGrpSpPr>
+      <p:grpSpPr>
+        <a:xfrm>
+          <a:off x="0" y="0"/>
+          <a:ext cx="0" cy="0"/>
+          <a:chOff x="0" y="0"/>
+          <a:chExt cx="0" cy="0"/>
+        </a:xfrm>
+      </p:grpSpPr>
+      <p:sp>
+        <p:nvSpPr>
+          <p:cNvPr id="2" name="Titel 1">
+            <a:extLst>
+              <a:ext uri="{FF2B5EF4-FFF2-40B4-BE49-F238E27FC236}">
+                <a16:creationId xmlns:a16="http://schemas.microsoft.com/office/drawing/2014/main" id="{A665D894-C205-240B-EACE-153832C5C589}"/>
+              </a:ext>
+            </a:extLst>
+          </p:cNvPr>
+          <p:cNvSpPr>
+            <a:spLocks noGrp="1"/>
+          </p:cNvSpPr>
+          <p:nvPr>
+            <p:ph type="title"/>
+          </p:nvPr>
+        </p:nvSpPr>
+        <p:spPr/>
+        <p:txBody>
+          <a:bodyPr/>
+          <a:lstStyle/>
+          <a:p>
+            <a:r>
+              <a:rPr lang="de-DE" dirty="0"/>
+              <a:t>CI/CD</a:t>
+            </a:r>
+          </a:p>
+        </p:txBody>
+      </p:sp>
+      <p:sp>
+        <p:nvSpPr>
+          <p:cNvPr id="3" name="Inhaltsplatzhalter 2">
+            <a:extLst>
+              <a:ext uri="{FF2B5EF4-FFF2-40B4-BE49-F238E27FC236}">
+                <a16:creationId xmlns:a16="http://schemas.microsoft.com/office/drawing/2014/main" id="{77E2263B-B497-253E-3C49-6BDD6C0EE524}"/>
+              </a:ext>
+            </a:extLst>
+          </p:cNvPr>
+          <p:cNvSpPr>
+            <a:spLocks noGrp="1"/>
+          </p:cNvSpPr>
+          <p:nvPr>
+            <p:ph idx="1"/>
+          </p:nvPr>
+        </p:nvSpPr>
+        <p:spPr/>
+        <p:txBody>
+          <a:bodyPr/>
+          <a:lstStyle/>
+          <a:p>
+            <a:pPr marL="0" indent="0">
+              <a:buNone/>
+            </a:pPr>
+            <a:r>
+              <a:rPr lang="de-DE" b="1" dirty="0" err="1"/>
               <a:t>Artifacts</a:t>
             </a:r>
             <a:endParaRPr lang="de-DE" b="1" dirty="0"/>
@@ -5054,7 +8441,512 @@
 </p:sld>
 </file>
 
-<file path=ppt/slides/slide14.xml><?xml version="1.0" encoding="utf-8"?>
+<file path=ppt/slides/slide16.xml><?xml version="1.0" encoding="utf-8"?>
+<p:sld xmlns:a="http://schemas.openxmlformats.org/drawingml/2006/main" xmlns:r="http://schemas.openxmlformats.org/officeDocument/2006/relationships" xmlns:p="http://schemas.openxmlformats.org/presentationml/2006/main">
+  <p:cSld>
+    <p:spTree>
+      <p:nvGrpSpPr>
+        <p:cNvPr id="1" name=""/>
+        <p:cNvGrpSpPr/>
+        <p:nvPr/>
+      </p:nvGrpSpPr>
+      <p:grpSpPr>
+        <a:xfrm>
+          <a:off x="0" y="0"/>
+          <a:ext cx="0" cy="0"/>
+          <a:chOff x="0" y="0"/>
+          <a:chExt cx="0" cy="0"/>
+        </a:xfrm>
+      </p:grpSpPr>
+      <p:sp>
+        <p:nvSpPr>
+          <p:cNvPr id="2" name="Titel 1">
+            <a:extLst>
+              <a:ext uri="{FF2B5EF4-FFF2-40B4-BE49-F238E27FC236}">
+                <a16:creationId xmlns:a16="http://schemas.microsoft.com/office/drawing/2014/main" id="{A665D894-C205-240B-EACE-153832C5C589}"/>
+              </a:ext>
+            </a:extLst>
+          </p:cNvPr>
+          <p:cNvSpPr>
+            <a:spLocks noGrp="1"/>
+          </p:cNvSpPr>
+          <p:nvPr>
+            <p:ph type="title"/>
+          </p:nvPr>
+        </p:nvSpPr>
+        <p:spPr/>
+        <p:txBody>
+          <a:bodyPr/>
+          <a:lstStyle/>
+          <a:p>
+            <a:r>
+              <a:rPr lang="de-DE" dirty="0"/>
+              <a:t>CI/CD</a:t>
+            </a:r>
+          </a:p>
+        </p:txBody>
+      </p:sp>
+      <p:sp>
+        <p:nvSpPr>
+          <p:cNvPr id="3" name="Inhaltsplatzhalter 2">
+            <a:extLst>
+              <a:ext uri="{FF2B5EF4-FFF2-40B4-BE49-F238E27FC236}">
+                <a16:creationId xmlns:a16="http://schemas.microsoft.com/office/drawing/2014/main" id="{77E2263B-B497-253E-3C49-6BDD6C0EE524}"/>
+              </a:ext>
+            </a:extLst>
+          </p:cNvPr>
+          <p:cNvSpPr>
+            <a:spLocks noGrp="1"/>
+          </p:cNvSpPr>
+          <p:nvPr>
+            <p:ph idx="1"/>
+          </p:nvPr>
+        </p:nvSpPr>
+        <p:spPr/>
+        <p:txBody>
+          <a:bodyPr/>
+          <a:lstStyle/>
+          <a:p>
+            <a:pPr marL="0" indent="0">
+              <a:buNone/>
+            </a:pPr>
+            <a:r>
+              <a:rPr lang="de-DE" b="1" dirty="0" err="1"/>
+              <a:t>Artifacts</a:t>
+            </a:r>
+            <a:endParaRPr lang="de-DE" b="1" dirty="0"/>
+          </a:p>
+        </p:txBody>
+      </p:sp>
+      <p:sp>
+        <p:nvSpPr>
+          <p:cNvPr id="9" name="Textfeld 8">
+            <a:extLst>
+              <a:ext uri="{FF2B5EF4-FFF2-40B4-BE49-F238E27FC236}">
+                <a16:creationId xmlns:a16="http://schemas.microsoft.com/office/drawing/2014/main" id="{5D961818-9FFA-849E-34B2-1211D00DCA0E}"/>
+              </a:ext>
+            </a:extLst>
+          </p:cNvPr>
+          <p:cNvSpPr txBox="1"/>
+          <p:nvPr/>
+        </p:nvSpPr>
+        <p:spPr bwMode="auto">
+          <a:xfrm>
+            <a:off x="1907704" y="1844824"/>
+            <a:ext cx="6528062" cy="3416320"/>
+          </a:xfrm>
+          <a:prstGeom prst="rect">
+            <a:avLst/>
+          </a:prstGeom>
+          <a:noFill/>
+          <a:ln w="9525">
+            <a:noFill/>
+            <a:miter lim="800000"/>
+            <a:headEnd/>
+            <a:tailEnd/>
+          </a:ln>
+        </p:spPr>
+        <p:txBody>
+          <a:bodyPr wrap="square">
+            <a:spAutoFit/>
+          </a:bodyPr>
+          <a:lstStyle/>
+          <a:p>
+            <a:r>
+              <a:rPr lang="en-US" b="0" dirty="0">
+                <a:solidFill>
+                  <a:srgbClr val="800000"/>
+                </a:solidFill>
+                <a:effectLst/>
+                <a:highlight>
+                  <a:srgbClr val="FFFFFF"/>
+                </a:highlight>
+                <a:latin typeface="Consolas" panose="020B0609020204030204" pitchFamily="49" charset="0"/>
+              </a:rPr>
+              <a:t>stages</a:t>
+            </a:r>
+            <a:r>
+              <a:rPr lang="en-US" b="0" dirty="0">
+                <a:solidFill>
+                  <a:srgbClr val="3B3B3B"/>
+                </a:solidFill>
+                <a:effectLst/>
+                <a:highlight>
+                  <a:srgbClr val="FFFFFF"/>
+                </a:highlight>
+                <a:latin typeface="Consolas" panose="020B0609020204030204" pitchFamily="49" charset="0"/>
+              </a:rPr>
+              <a:t>:</a:t>
+            </a:r>
+          </a:p>
+          <a:p>
+            <a:r>
+              <a:rPr lang="en-US" b="0" dirty="0">
+                <a:solidFill>
+                  <a:srgbClr val="3B3B3B"/>
+                </a:solidFill>
+                <a:effectLst/>
+                <a:highlight>
+                  <a:srgbClr val="FFFFFF"/>
+                </a:highlight>
+                <a:latin typeface="Consolas" panose="020B0609020204030204" pitchFamily="49" charset="0"/>
+              </a:rPr>
+              <a:t>  - </a:t>
+            </a:r>
+            <a:r>
+              <a:rPr lang="en-US" b="0" dirty="0">
+                <a:solidFill>
+                  <a:srgbClr val="0000FF"/>
+                </a:solidFill>
+                <a:effectLst/>
+                <a:highlight>
+                  <a:srgbClr val="FFFFFF"/>
+                </a:highlight>
+                <a:latin typeface="Consolas" panose="020B0609020204030204" pitchFamily="49" charset="0"/>
+              </a:rPr>
+              <a:t>build</a:t>
+            </a:r>
+            <a:endParaRPr lang="en-US" b="0" dirty="0">
+              <a:solidFill>
+                <a:srgbClr val="3B3B3B"/>
+              </a:solidFill>
+              <a:effectLst/>
+              <a:highlight>
+                <a:srgbClr val="FFFFFF"/>
+              </a:highlight>
+              <a:latin typeface="Consolas" panose="020B0609020204030204" pitchFamily="49" charset="0"/>
+            </a:endParaRPr>
+          </a:p>
+          <a:p>
+            <a:br>
+              <a:rPr lang="en-US" b="0" dirty="0">
+                <a:solidFill>
+                  <a:srgbClr val="3B3B3B"/>
+                </a:solidFill>
+                <a:effectLst/>
+                <a:highlight>
+                  <a:srgbClr val="FFFFFF"/>
+                </a:highlight>
+                <a:latin typeface="Consolas" panose="020B0609020204030204" pitchFamily="49" charset="0"/>
+              </a:rPr>
+            </a:br>
+            <a:r>
+              <a:rPr lang="en-US" b="0" dirty="0">
+                <a:solidFill>
+                  <a:srgbClr val="800000"/>
+                </a:solidFill>
+                <a:effectLst/>
+                <a:highlight>
+                  <a:srgbClr val="FFFFFF"/>
+                </a:highlight>
+                <a:latin typeface="Consolas" panose="020B0609020204030204" pitchFamily="49" charset="0"/>
+              </a:rPr>
+              <a:t>pdf</a:t>
+            </a:r>
+            <a:r>
+              <a:rPr lang="en-US" b="0" dirty="0">
+                <a:solidFill>
+                  <a:srgbClr val="3B3B3B"/>
+                </a:solidFill>
+                <a:effectLst/>
+                <a:highlight>
+                  <a:srgbClr val="FFFFFF"/>
+                </a:highlight>
+                <a:latin typeface="Consolas" panose="020B0609020204030204" pitchFamily="49" charset="0"/>
+              </a:rPr>
+              <a:t>:</a:t>
+            </a:r>
+          </a:p>
+          <a:p>
+            <a:r>
+              <a:rPr lang="en-US" b="0" dirty="0">
+                <a:solidFill>
+                  <a:srgbClr val="3B3B3B"/>
+                </a:solidFill>
+                <a:effectLst/>
+                <a:highlight>
+                  <a:srgbClr val="FFFFFF"/>
+                </a:highlight>
+                <a:latin typeface="Consolas" panose="020B0609020204030204" pitchFamily="49" charset="0"/>
+              </a:rPr>
+              <a:t>  </a:t>
+            </a:r>
+            <a:r>
+              <a:rPr lang="en-US" b="0" dirty="0">
+                <a:solidFill>
+                  <a:srgbClr val="800000"/>
+                </a:solidFill>
+                <a:effectLst/>
+                <a:highlight>
+                  <a:srgbClr val="FFFFFF"/>
+                </a:highlight>
+                <a:latin typeface="Consolas" panose="020B0609020204030204" pitchFamily="49" charset="0"/>
+              </a:rPr>
+              <a:t>stage</a:t>
+            </a:r>
+            <a:r>
+              <a:rPr lang="en-US" b="0" dirty="0">
+                <a:solidFill>
+                  <a:srgbClr val="3B3B3B"/>
+                </a:solidFill>
+                <a:effectLst/>
+                <a:highlight>
+                  <a:srgbClr val="FFFFFF"/>
+                </a:highlight>
+                <a:latin typeface="Consolas" panose="020B0609020204030204" pitchFamily="49" charset="0"/>
+              </a:rPr>
+              <a:t>: </a:t>
+            </a:r>
+            <a:r>
+              <a:rPr lang="en-US" b="0" dirty="0">
+                <a:solidFill>
+                  <a:srgbClr val="0000FF"/>
+                </a:solidFill>
+                <a:effectLst/>
+                <a:highlight>
+                  <a:srgbClr val="FFFFFF"/>
+                </a:highlight>
+                <a:latin typeface="Consolas" panose="020B0609020204030204" pitchFamily="49" charset="0"/>
+              </a:rPr>
+              <a:t>build</a:t>
+            </a:r>
+            <a:endParaRPr lang="en-US" b="0" dirty="0">
+              <a:solidFill>
+                <a:srgbClr val="3B3B3B"/>
+              </a:solidFill>
+              <a:effectLst/>
+              <a:highlight>
+                <a:srgbClr val="FFFFFF"/>
+              </a:highlight>
+              <a:latin typeface="Consolas" panose="020B0609020204030204" pitchFamily="49" charset="0"/>
+            </a:endParaRPr>
+          </a:p>
+          <a:p>
+            <a:r>
+              <a:rPr lang="en-US" b="0" dirty="0">
+                <a:solidFill>
+                  <a:srgbClr val="3B3B3B"/>
+                </a:solidFill>
+                <a:effectLst/>
+                <a:highlight>
+                  <a:srgbClr val="FFFFFF"/>
+                </a:highlight>
+                <a:latin typeface="Consolas" panose="020B0609020204030204" pitchFamily="49" charset="0"/>
+              </a:rPr>
+              <a:t>  </a:t>
+            </a:r>
+            <a:r>
+              <a:rPr lang="en-US" b="0" dirty="0">
+                <a:solidFill>
+                  <a:srgbClr val="800000"/>
+                </a:solidFill>
+                <a:effectLst/>
+                <a:highlight>
+                  <a:srgbClr val="FFFFFF"/>
+                </a:highlight>
+                <a:latin typeface="Consolas" panose="020B0609020204030204" pitchFamily="49" charset="0"/>
+              </a:rPr>
+              <a:t>script</a:t>
+            </a:r>
+            <a:r>
+              <a:rPr lang="en-US" b="0" dirty="0">
+                <a:solidFill>
+                  <a:srgbClr val="3B3B3B"/>
+                </a:solidFill>
+                <a:effectLst/>
+                <a:highlight>
+                  <a:srgbClr val="FFFFFF"/>
+                </a:highlight>
+                <a:latin typeface="Consolas" panose="020B0609020204030204" pitchFamily="49" charset="0"/>
+              </a:rPr>
+              <a:t>: </a:t>
+            </a:r>
+            <a:r>
+              <a:rPr lang="en-US" b="0" dirty="0" err="1">
+                <a:solidFill>
+                  <a:srgbClr val="0000FF"/>
+                </a:solidFill>
+                <a:effectLst/>
+                <a:highlight>
+                  <a:srgbClr val="FFFFFF"/>
+                </a:highlight>
+                <a:latin typeface="Consolas" panose="020B0609020204030204" pitchFamily="49" charset="0"/>
+              </a:rPr>
+              <a:t>xelatex</a:t>
+            </a:r>
+            <a:r>
+              <a:rPr lang="en-US" b="0" dirty="0">
+                <a:solidFill>
+                  <a:srgbClr val="0000FF"/>
+                </a:solidFill>
+                <a:effectLst/>
+                <a:highlight>
+                  <a:srgbClr val="FFFFFF"/>
+                </a:highlight>
+                <a:latin typeface="Consolas" panose="020B0609020204030204" pitchFamily="49" charset="0"/>
+              </a:rPr>
+              <a:t> </a:t>
+            </a:r>
+            <a:r>
+              <a:rPr lang="en-US" b="0" dirty="0" err="1">
+                <a:solidFill>
+                  <a:srgbClr val="0000FF"/>
+                </a:solidFill>
+                <a:effectLst/>
+                <a:highlight>
+                  <a:srgbClr val="FFFFFF"/>
+                </a:highlight>
+                <a:latin typeface="Consolas" panose="020B0609020204030204" pitchFamily="49" charset="0"/>
+              </a:rPr>
+              <a:t>mycv.tex</a:t>
+            </a:r>
+            <a:endParaRPr lang="en-US" b="0" dirty="0">
+              <a:solidFill>
+                <a:srgbClr val="3B3B3B"/>
+              </a:solidFill>
+              <a:effectLst/>
+              <a:highlight>
+                <a:srgbClr val="FFFFFF"/>
+              </a:highlight>
+              <a:latin typeface="Consolas" panose="020B0609020204030204" pitchFamily="49" charset="0"/>
+            </a:endParaRPr>
+          </a:p>
+          <a:p>
+            <a:r>
+              <a:rPr lang="en-US" b="0" dirty="0">
+                <a:solidFill>
+                  <a:srgbClr val="3B3B3B"/>
+                </a:solidFill>
+                <a:effectLst/>
+                <a:highlight>
+                  <a:srgbClr val="FFFFFF"/>
+                </a:highlight>
+                <a:latin typeface="Consolas" panose="020B0609020204030204" pitchFamily="49" charset="0"/>
+              </a:rPr>
+              <a:t>  </a:t>
+            </a:r>
+            <a:r>
+              <a:rPr lang="en-US" b="0" dirty="0">
+                <a:solidFill>
+                  <a:srgbClr val="800000"/>
+                </a:solidFill>
+                <a:effectLst/>
+                <a:highlight>
+                  <a:srgbClr val="FFFFFF"/>
+                </a:highlight>
+                <a:latin typeface="Consolas" panose="020B0609020204030204" pitchFamily="49" charset="0"/>
+              </a:rPr>
+              <a:t>artifacts</a:t>
+            </a:r>
+            <a:r>
+              <a:rPr lang="en-US" b="0" dirty="0">
+                <a:solidFill>
+                  <a:srgbClr val="3B3B3B"/>
+                </a:solidFill>
+                <a:effectLst/>
+                <a:highlight>
+                  <a:srgbClr val="FFFFFF"/>
+                </a:highlight>
+                <a:latin typeface="Consolas" panose="020B0609020204030204" pitchFamily="49" charset="0"/>
+              </a:rPr>
+              <a:t>:</a:t>
+            </a:r>
+          </a:p>
+          <a:p>
+            <a:r>
+              <a:rPr lang="en-US" b="0" dirty="0">
+                <a:solidFill>
+                  <a:srgbClr val="3B3B3B"/>
+                </a:solidFill>
+                <a:effectLst/>
+                <a:highlight>
+                  <a:srgbClr val="FFFFFF"/>
+                </a:highlight>
+                <a:latin typeface="Consolas" panose="020B0609020204030204" pitchFamily="49" charset="0"/>
+              </a:rPr>
+              <a:t>    </a:t>
+            </a:r>
+            <a:r>
+              <a:rPr lang="en-US" b="0" dirty="0">
+                <a:solidFill>
+                  <a:srgbClr val="800000"/>
+                </a:solidFill>
+                <a:effectLst/>
+                <a:highlight>
+                  <a:srgbClr val="FFFFFF"/>
+                </a:highlight>
+                <a:latin typeface="Consolas" panose="020B0609020204030204" pitchFamily="49" charset="0"/>
+              </a:rPr>
+              <a:t>paths</a:t>
+            </a:r>
+            <a:r>
+              <a:rPr lang="en-US" b="0" dirty="0">
+                <a:solidFill>
+                  <a:srgbClr val="3B3B3B"/>
+                </a:solidFill>
+                <a:effectLst/>
+                <a:highlight>
+                  <a:srgbClr val="FFFFFF"/>
+                </a:highlight>
+                <a:latin typeface="Consolas" panose="020B0609020204030204" pitchFamily="49" charset="0"/>
+              </a:rPr>
+              <a:t>:</a:t>
+            </a:r>
+          </a:p>
+          <a:p>
+            <a:r>
+              <a:rPr lang="en-US" b="0" dirty="0">
+                <a:solidFill>
+                  <a:srgbClr val="3B3B3B"/>
+                </a:solidFill>
+                <a:effectLst/>
+                <a:highlight>
+                  <a:srgbClr val="FFFFFF"/>
+                </a:highlight>
+                <a:latin typeface="Consolas" panose="020B0609020204030204" pitchFamily="49" charset="0"/>
+              </a:rPr>
+              <a:t>      - </a:t>
+            </a:r>
+            <a:r>
+              <a:rPr lang="en-US" b="0" dirty="0">
+                <a:solidFill>
+                  <a:srgbClr val="0000FF"/>
+                </a:solidFill>
+                <a:effectLst/>
+                <a:highlight>
+                  <a:srgbClr val="FFFFFF"/>
+                </a:highlight>
+                <a:latin typeface="Consolas" panose="020B0609020204030204" pitchFamily="49" charset="0"/>
+              </a:rPr>
+              <a:t>mycv.pdf</a:t>
+            </a:r>
+            <a:endParaRPr lang="en-US" b="0" dirty="0">
+              <a:solidFill>
+                <a:srgbClr val="3B3B3B"/>
+              </a:solidFill>
+              <a:effectLst/>
+              <a:highlight>
+                <a:srgbClr val="FFFFFF"/>
+              </a:highlight>
+              <a:latin typeface="Consolas" panose="020B0609020204030204" pitchFamily="49" charset="0"/>
+            </a:endParaRPr>
+          </a:p>
+        </p:txBody>
+      </p:sp>
+    </p:spTree>
+    <p:extLst>
+      <p:ext uri="{BB962C8B-B14F-4D97-AF65-F5344CB8AC3E}">
+        <p14:creationId xmlns:p14="http://schemas.microsoft.com/office/powerpoint/2010/main" val="4003437883"/>
+      </p:ext>
+    </p:extLst>
+  </p:cSld>
+  <p:clrMapOvr>
+    <a:masterClrMapping/>
+  </p:clrMapOvr>
+</p:sld>
+</file>
+
+<file path=ppt/slides/slide17.xml><?xml version="1.0" encoding="utf-8"?>
 <p:sld xmlns:a="http://schemas.openxmlformats.org/drawingml/2006/main" xmlns:r="http://schemas.openxmlformats.org/officeDocument/2006/relationships" xmlns:p="http://schemas.openxmlformats.org/presentationml/2006/main">
   <p:cSld>
     <p:spTree>
@@ -5101,10 +8993,10 @@
       </p:sp>
       <p:sp>
         <p:nvSpPr>
-          <p:cNvPr id="4" name="Inhaltsplatzhalter 2">
+          <p:cNvPr id="3" name="Inhaltsplatzhalter 2">
             <a:extLst>
               <a:ext uri="{FF2B5EF4-FFF2-40B4-BE49-F238E27FC236}">
-                <a16:creationId xmlns:a16="http://schemas.microsoft.com/office/drawing/2014/main" id="{FE26268B-C609-ACA5-B6B4-D8D23D94F991}"/>
+                <a16:creationId xmlns:a16="http://schemas.microsoft.com/office/drawing/2014/main" id="{4F73DCFB-96BE-78F1-0678-EC4405A46D0F}"/>
               </a:ext>
             </a:extLst>
           </p:cNvPr>
@@ -5115,12 +9007,7 @@
             <p:ph idx="1"/>
           </p:nvPr>
         </p:nvSpPr>
-        <p:spPr>
-          <a:xfrm>
-            <a:off x="303213" y="981075"/>
-            <a:ext cx="8516937" cy="5400675"/>
-          </a:xfrm>
-        </p:spPr>
+        <p:spPr/>
         <p:txBody>
           <a:bodyPr/>
           <a:lstStyle/>
@@ -5130,7 +9017,7 @@
             </a:pPr>
             <a:r>
               <a:rPr lang="de-DE" b="1" dirty="0"/>
-              <a:t>Rules</a:t>
+              <a:t>Variables</a:t>
             </a:r>
           </a:p>
           <a:p>
@@ -5140,7 +9027,7 @@
             </a:pPr>
             <a:r>
               <a:rPr lang="de-DE" dirty="0"/>
-              <a:t>Regeln zur Steuerung der Ausführung von Jobs in CI/CD-Pipelines</a:t>
+              <a:t>Umgebungsvariablen für CI/CD-Pipelines</a:t>
             </a:r>
           </a:p>
           <a:p>
@@ -5150,7 +9037,7 @@
             </a:pPr>
             <a:r>
               <a:rPr lang="de-DE" dirty="0"/>
-              <a:t>Verwendung:</a:t>
+              <a:t>Arten von Variablen:</a:t>
             </a:r>
           </a:p>
           <a:p>
@@ -5160,13 +9047,16 @@
             </a:pPr>
             <a:r>
               <a:rPr lang="de-DE" dirty="0"/>
-              <a:t>Konfiguration in .</a:t>
+              <a:t>CI/CD-Variablen: In .</a:t>
             </a:r>
             <a:r>
               <a:rPr lang="de-DE" dirty="0" err="1"/>
               <a:t>gitlab-ci.yml</a:t>
             </a:r>
-            <a:endParaRPr lang="de-DE" dirty="0"/>
+            <a:r>
+              <a:rPr lang="de-DE" dirty="0"/>
+              <a:t> definiert</a:t>
+            </a:r>
           </a:p>
           <a:p>
             <a:pPr lvl="1">
@@ -5175,21 +9065,46 @@
             </a:pPr>
             <a:r>
               <a:rPr lang="de-DE" dirty="0"/>
-              <a:t>Ersetzt </a:t>
-            </a:r>
-            <a:r>
-              <a:rPr lang="de-DE" b="1" dirty="0" err="1"/>
-              <a:t>only</a:t>
-            </a:r>
+              <a:t>Projekt-Variablen: Im Projekt unter Einstellungen -&gt; CI/CD</a:t>
+            </a:r>
+          </a:p>
+          <a:p>
+            <a:pPr lvl="1">
+              <a:buFont typeface="Arial" panose="020B0604020202020204" pitchFamily="34" charset="0"/>
+              <a:buChar char="•"/>
+            </a:pPr>
             <a:r>
               <a:rPr lang="de-DE" dirty="0"/>
-              <a:t> und </a:t>
-            </a:r>
-            <a:r>
-              <a:rPr lang="de-DE" b="1" dirty="0" err="1"/>
-              <a:t>except</a:t>
-            </a:r>
-            <a:endParaRPr lang="de-DE" b="1" dirty="0"/>
+              <a:t>Gruppen-Variablen: Auf Gruppenebene definiert</a:t>
+            </a:r>
+          </a:p>
+          <a:p>
+            <a:pPr lvl="1">
+              <a:buFont typeface="Arial" panose="020B0604020202020204" pitchFamily="34" charset="0"/>
+              <a:buChar char="•"/>
+            </a:pPr>
+            <a:r>
+              <a:rPr lang="de-DE" dirty="0"/>
+              <a:t>Benutzerdefinierte Variablen: Vom Benutzer erstellt</a:t>
+            </a:r>
+          </a:p>
+          <a:p>
+            <a:pPr lvl="1">
+              <a:buFont typeface="Arial" panose="020B0604020202020204" pitchFamily="34" charset="0"/>
+              <a:buChar char="•"/>
+            </a:pPr>
+            <a:r>
+              <a:rPr lang="de-DE" dirty="0"/>
+              <a:t>Vordefinierte Variablen: Von </a:t>
+            </a:r>
+            <a:r>
+              <a:rPr lang="de-DE" dirty="0" err="1"/>
+              <a:t>GitLab</a:t>
+            </a:r>
+            <a:r>
+              <a:rPr lang="de-DE" dirty="0"/>
+              <a:t> bereitgestellt (z.B. CI_COMMIT_SHA)</a:t>
+            </a:r>
           </a:p>
           <a:p>
             <a:pPr>
@@ -5198,7 +9113,7 @@
             </a:pPr>
             <a:r>
               <a:rPr lang="de-DE" dirty="0"/>
-              <a:t>Wichtige Schlüsselwörter:</a:t>
+              <a:t>Sicherheitsaspekte</a:t>
             </a:r>
           </a:p>
           <a:p>
@@ -5207,12 +9122,16 @@
               <a:buChar char="•"/>
             </a:pPr>
             <a:r>
-              <a:rPr lang="de-DE" b="1" dirty="0" err="1"/>
-              <a:t>if</a:t>
-            </a:r>
-            <a:r>
               <a:rPr lang="de-DE" dirty="0"/>
-              <a:t>: Bedingungen basierend auf Variablen oder Pipeline-Status</a:t>
+              <a:t>Geschützte Variablen: Nur für geschützte </a:t>
+            </a:r>
+            <a:r>
+              <a:rPr lang="de-DE" dirty="0" err="1"/>
+              <a:t>Branches</a:t>
+            </a:r>
+            <a:r>
+              <a:rPr lang="de-DE" dirty="0"/>
+              <a:t>/Tags</a:t>
             </a:r>
           </a:p>
           <a:p>
@@ -5221,12 +9140,8 @@
               <a:buChar char="•"/>
             </a:pPr>
             <a:r>
-              <a:rPr lang="de-DE" b="1" dirty="0" err="1"/>
-              <a:t>changes</a:t>
-            </a:r>
-            <a:r>
               <a:rPr lang="de-DE" dirty="0"/>
-              <a:t>: Bedingungen basierend auf Dateiänderungen</a:t>
+              <a:t>Vertrauliche Variablen: Verstecken den Wert im Job-Log</a:t>
             </a:r>
           </a:p>
           <a:p>
@@ -5234,75 +9149,21 @@
               <a:buFont typeface="Arial" panose="020B0604020202020204" pitchFamily="34" charset="0"/>
               <a:buChar char="•"/>
             </a:pPr>
-            <a:r>
-              <a:rPr lang="de-DE" b="1" dirty="0" err="1"/>
-              <a:t>exists</a:t>
-            </a:r>
-            <a:r>
-              <a:rPr lang="de-DE" dirty="0"/>
-              <a:t>: Bedingungen basierend auf dem Vorhandensein von Dateien</a:t>
-            </a:r>
+            <a:endParaRPr lang="de-DE" dirty="0"/>
           </a:p>
           <a:p>
             <a:pPr lvl="1">
               <a:buFont typeface="Arial" panose="020B0604020202020204" pitchFamily="34" charset="0"/>
               <a:buChar char="•"/>
             </a:pPr>
-            <a:r>
-              <a:rPr lang="de-DE" b="1" dirty="0" err="1"/>
-              <a:t>when</a:t>
-            </a:r>
-            <a:r>
-              <a:rPr lang="de-DE" dirty="0"/>
-              <a:t>: Bestimmt, wann ein Job ausgeführt wird (</a:t>
-            </a:r>
-            <a:r>
-              <a:rPr lang="de-DE" dirty="0" err="1"/>
-              <a:t>on_success</a:t>
-            </a:r>
-            <a:r>
-              <a:rPr lang="de-DE" dirty="0"/>
-              <a:t>, </a:t>
-            </a:r>
-            <a:r>
-              <a:rPr lang="de-DE" dirty="0" err="1"/>
-              <a:t>on_failure</a:t>
-            </a:r>
-            <a:r>
-              <a:rPr lang="de-DE" dirty="0"/>
-              <a:t>, </a:t>
-            </a:r>
-            <a:r>
-              <a:rPr lang="de-DE" dirty="0" err="1"/>
-              <a:t>always</a:t>
-            </a:r>
-            <a:r>
-              <a:rPr lang="de-DE" dirty="0"/>
-              <a:t>, </a:t>
-            </a:r>
-            <a:r>
-              <a:rPr lang="de-DE" dirty="0" err="1"/>
-              <a:t>manual</a:t>
-            </a:r>
-            <a:r>
-              <a:rPr lang="de-DE" dirty="0"/>
-              <a:t>, </a:t>
-            </a:r>
-            <a:r>
-              <a:rPr lang="de-DE" dirty="0" err="1"/>
-              <a:t>delayed</a:t>
-            </a:r>
-            <a:r>
-              <a:rPr lang="de-DE" dirty="0"/>
-              <a:t>)</a:t>
-            </a:r>
+            <a:endParaRPr lang="de-DE" dirty="0"/>
           </a:p>
         </p:txBody>
       </p:sp>
     </p:spTree>
     <p:extLst>
       <p:ext uri="{BB962C8B-B14F-4D97-AF65-F5344CB8AC3E}">
-        <p14:creationId xmlns:p14="http://schemas.microsoft.com/office/powerpoint/2010/main" val="760018284"/>
+        <p14:creationId xmlns:p14="http://schemas.microsoft.com/office/powerpoint/2010/main" val="443678370"/>
       </p:ext>
     </p:extLst>
   </p:cSld>
@@ -5312,7 +9173,7 @@
 </p:sld>
 </file>
 
-<file path=ppt/slides/slide15.xml><?xml version="1.0" encoding="utf-8"?>
+<file path=ppt/slides/slide18.xml><?xml version="1.0" encoding="utf-8"?>
 <p:sld xmlns:a="http://schemas.openxmlformats.org/drawingml/2006/main" xmlns:r="http://schemas.openxmlformats.org/officeDocument/2006/relationships" xmlns:p="http://schemas.openxmlformats.org/presentationml/2006/main">
   <p:cSld>
     <p:spTree>
@@ -5387,149 +9248,831 @@
             </a:r>
           </a:p>
           <a:p>
-            <a:pPr>
-              <a:buFont typeface="Arial" panose="020B0604020202020204" pitchFamily="34" charset="0"/>
-              <a:buChar char="•"/>
-            </a:pPr>
-            <a:r>
-              <a:rPr lang="de-DE" dirty="0"/>
-              <a:t>Umgebungsvariablen für CI/CD-Pipelines</a:t>
-            </a:r>
-          </a:p>
-          <a:p>
-            <a:pPr>
-              <a:buFont typeface="Arial" panose="020B0604020202020204" pitchFamily="34" charset="0"/>
-              <a:buChar char="•"/>
-            </a:pPr>
-            <a:r>
-              <a:rPr lang="de-DE" dirty="0"/>
-              <a:t>Arten von Variablen:</a:t>
-            </a:r>
-          </a:p>
-          <a:p>
             <a:pPr lvl="1">
               <a:buFont typeface="Arial" panose="020B0604020202020204" pitchFamily="34" charset="0"/>
               <a:buChar char="•"/>
             </a:pPr>
-            <a:r>
-              <a:rPr lang="de-DE" dirty="0"/>
-              <a:t>CI/CD-Variablen: In .</a:t>
-            </a:r>
-            <a:r>
-              <a:rPr lang="de-DE" dirty="0" err="1"/>
-              <a:t>gitlab-ci.yml</a:t>
-            </a:r>
-            <a:r>
-              <a:rPr lang="de-DE" dirty="0"/>
-              <a:t> definiert</a:t>
-            </a:r>
+            <a:endParaRPr lang="de-DE" dirty="0"/>
           </a:p>
           <a:p>
             <a:pPr lvl="1">
               <a:buFont typeface="Arial" panose="020B0604020202020204" pitchFamily="34" charset="0"/>
               <a:buChar char="•"/>
             </a:pPr>
-            <a:r>
-              <a:rPr lang="de-DE" dirty="0"/>
-              <a:t>Projekt-Variablen: Im Projekt unter Einstellungen -&gt; CI/CD</a:t>
-            </a:r>
-          </a:p>
-          <a:p>
-            <a:pPr lvl="1">
-              <a:buFont typeface="Arial" panose="020B0604020202020204" pitchFamily="34" charset="0"/>
-              <a:buChar char="•"/>
-            </a:pPr>
-            <a:r>
-              <a:rPr lang="de-DE" dirty="0"/>
-              <a:t>Gruppen-Variablen: Auf Gruppenebene definiert</a:t>
-            </a:r>
-          </a:p>
-          <a:p>
-            <a:pPr lvl="1">
-              <a:buFont typeface="Arial" panose="020B0604020202020204" pitchFamily="34" charset="0"/>
-              <a:buChar char="•"/>
-            </a:pPr>
-            <a:r>
-              <a:rPr lang="de-DE" dirty="0"/>
-              <a:t>Benutzerdefinierte Variablen: Vom Benutzer erstellt</a:t>
-            </a:r>
-          </a:p>
-          <a:p>
-            <a:pPr lvl="1">
-              <a:buFont typeface="Arial" panose="020B0604020202020204" pitchFamily="34" charset="0"/>
-              <a:buChar char="•"/>
-            </a:pPr>
-            <a:r>
-              <a:rPr lang="de-DE" dirty="0"/>
-              <a:t>Vordefinierte Variablen: Von </a:t>
-            </a:r>
-            <a:r>
-              <a:rPr lang="de-DE" dirty="0" err="1"/>
-              <a:t>GitLab</a:t>
-            </a:r>
-            <a:r>
-              <a:rPr lang="de-DE" dirty="0"/>
-              <a:t> bereitgestellt (z.B. CI_COMMIT_SHA)</a:t>
-            </a:r>
-          </a:p>
-          <a:p>
-            <a:pPr>
-              <a:buFont typeface="Arial" panose="020B0604020202020204" pitchFamily="34" charset="0"/>
-              <a:buChar char="•"/>
-            </a:pPr>
-            <a:r>
-              <a:rPr lang="de-DE" dirty="0"/>
-              <a:t>Sicherheitsaspekte</a:t>
-            </a:r>
-          </a:p>
-          <a:p>
-            <a:pPr lvl="1">
-              <a:buFont typeface="Arial" panose="020B0604020202020204" pitchFamily="34" charset="0"/>
-              <a:buChar char="•"/>
-            </a:pPr>
-            <a:r>
-              <a:rPr lang="de-DE" dirty="0"/>
-              <a:t>Geschützte Variablen: Nur für geschützte </a:t>
-            </a:r>
-            <a:r>
-              <a:rPr lang="de-DE" dirty="0" err="1"/>
-              <a:t>Branches</a:t>
-            </a:r>
-            <a:r>
-              <a:rPr lang="de-DE" dirty="0"/>
-              <a:t>/Tags</a:t>
-            </a:r>
-          </a:p>
-          <a:p>
-            <a:pPr lvl="1">
-              <a:buFont typeface="Arial" panose="020B0604020202020204" pitchFamily="34" charset="0"/>
-              <a:buChar char="•"/>
-            </a:pPr>
-            <a:r>
-              <a:rPr lang="de-DE" dirty="0"/>
-              <a:t>Vertrauliche Variablen: Verstecken den Wert im Job-Log</a:t>
-            </a:r>
-          </a:p>
-          <a:p>
-            <a:pPr lvl="1">
-              <a:buFont typeface="Arial" panose="020B0604020202020204" pitchFamily="34" charset="0"/>
-              <a:buChar char="•"/>
-            </a:pPr>
             <a:endParaRPr lang="de-DE" dirty="0"/>
           </a:p>
-          <a:p>
-            <a:pPr lvl="1">
-              <a:buFont typeface="Arial" panose="020B0604020202020204" pitchFamily="34" charset="0"/>
-              <a:buChar char="•"/>
-            </a:pPr>
-            <a:endParaRPr lang="de-DE" dirty="0"/>
+        </p:txBody>
+      </p:sp>
+      <p:sp>
+        <p:nvSpPr>
+          <p:cNvPr id="5" name="Textfeld 4">
+            <a:extLst>
+              <a:ext uri="{FF2B5EF4-FFF2-40B4-BE49-F238E27FC236}">
+                <a16:creationId xmlns:a16="http://schemas.microsoft.com/office/drawing/2014/main" id="{8C5AC552-0471-1D6B-3FD0-5E184FD5257E}"/>
+              </a:ext>
+            </a:extLst>
+          </p:cNvPr>
+          <p:cNvSpPr txBox="1"/>
+          <p:nvPr/>
+        </p:nvSpPr>
+        <p:spPr bwMode="auto">
+          <a:xfrm>
+            <a:off x="493390" y="1916832"/>
+            <a:ext cx="8136582" cy="3785652"/>
+          </a:xfrm>
+          <a:prstGeom prst="rect">
+            <a:avLst/>
+          </a:prstGeom>
+          <a:noFill/>
+          <a:ln w="9525">
+            <a:noFill/>
+            <a:miter lim="800000"/>
+            <a:headEnd/>
+            <a:tailEnd/>
+          </a:ln>
+        </p:spPr>
+        <p:txBody>
+          <a:bodyPr wrap="square">
+            <a:spAutoFit/>
+          </a:bodyPr>
+          <a:lstStyle/>
+          <a:p>
+            <a:r>
+              <a:rPr lang="de-DE" sz="2000" b="0" dirty="0">
+                <a:solidFill>
+                  <a:srgbClr val="800000"/>
+                </a:solidFill>
+                <a:effectLst/>
+                <a:highlight>
+                  <a:srgbClr val="FFFFFF"/>
+                </a:highlight>
+                <a:latin typeface="Consolas" panose="020B0609020204030204" pitchFamily="49" charset="0"/>
+              </a:rPr>
+              <a:t>variables</a:t>
+            </a:r>
+            <a:r>
+              <a:rPr lang="de-DE" sz="2000" b="0" dirty="0">
+                <a:solidFill>
+                  <a:srgbClr val="3B3B3B"/>
+                </a:solidFill>
+                <a:effectLst/>
+                <a:highlight>
+                  <a:srgbClr val="FFFFFF"/>
+                </a:highlight>
+                <a:latin typeface="Consolas" panose="020B0609020204030204" pitchFamily="49" charset="0"/>
+              </a:rPr>
+              <a:t>:</a:t>
+            </a:r>
+          </a:p>
+          <a:p>
+            <a:r>
+              <a:rPr lang="de-DE" sz="2000" b="0" dirty="0">
+                <a:solidFill>
+                  <a:srgbClr val="3B3B3B"/>
+                </a:solidFill>
+                <a:effectLst/>
+                <a:highlight>
+                  <a:srgbClr val="FFFFFF"/>
+                </a:highlight>
+                <a:latin typeface="Consolas" panose="020B0609020204030204" pitchFamily="49" charset="0"/>
+              </a:rPr>
+              <a:t>  </a:t>
+            </a:r>
+            <a:r>
+              <a:rPr lang="de-DE" sz="2000" b="0" dirty="0">
+                <a:solidFill>
+                  <a:srgbClr val="800000"/>
+                </a:solidFill>
+                <a:effectLst/>
+                <a:highlight>
+                  <a:srgbClr val="FFFFFF"/>
+                </a:highlight>
+                <a:latin typeface="Consolas" panose="020B0609020204030204" pitchFamily="49" charset="0"/>
+              </a:rPr>
+              <a:t>GLOBAL_VAR</a:t>
+            </a:r>
+            <a:r>
+              <a:rPr lang="de-DE" sz="2000" b="0" dirty="0">
+                <a:solidFill>
+                  <a:srgbClr val="3B3B3B"/>
+                </a:solidFill>
+                <a:effectLst/>
+                <a:highlight>
+                  <a:srgbClr val="FFFFFF"/>
+                </a:highlight>
+                <a:latin typeface="Consolas" panose="020B0609020204030204" pitchFamily="49" charset="0"/>
+              </a:rPr>
+              <a:t>: </a:t>
+            </a:r>
+            <a:r>
+              <a:rPr lang="de-DE" sz="2000" b="0" dirty="0">
+                <a:solidFill>
+                  <a:srgbClr val="A31515"/>
+                </a:solidFill>
+                <a:effectLst/>
+                <a:highlight>
+                  <a:srgbClr val="FFFFFF"/>
+                </a:highlight>
+                <a:latin typeface="Consolas" panose="020B0609020204030204" pitchFamily="49" charset="0"/>
+              </a:rPr>
+              <a:t>"A global variable"</a:t>
+            </a:r>
+            <a:endParaRPr lang="de-DE" sz="2000" b="0" dirty="0">
+              <a:solidFill>
+                <a:srgbClr val="3B3B3B"/>
+              </a:solidFill>
+              <a:effectLst/>
+              <a:highlight>
+                <a:srgbClr val="FFFFFF"/>
+              </a:highlight>
+              <a:latin typeface="Consolas" panose="020B0609020204030204" pitchFamily="49" charset="0"/>
+            </a:endParaRPr>
+          </a:p>
+          <a:p>
+            <a:br>
+              <a:rPr lang="de-DE" sz="2000" b="0" dirty="0">
+                <a:solidFill>
+                  <a:srgbClr val="3B3B3B"/>
+                </a:solidFill>
+                <a:effectLst/>
+                <a:highlight>
+                  <a:srgbClr val="FFFFFF"/>
+                </a:highlight>
+                <a:latin typeface="Consolas" panose="020B0609020204030204" pitchFamily="49" charset="0"/>
+              </a:rPr>
+            </a:br>
+            <a:r>
+              <a:rPr lang="de-DE" sz="2000" b="0" dirty="0">
+                <a:solidFill>
+                  <a:srgbClr val="800000"/>
+                </a:solidFill>
+                <a:effectLst/>
+                <a:highlight>
+                  <a:srgbClr val="FFFFFF"/>
+                </a:highlight>
+                <a:latin typeface="Consolas" panose="020B0609020204030204" pitchFamily="49" charset="0"/>
+              </a:rPr>
+              <a:t>job1</a:t>
+            </a:r>
+            <a:r>
+              <a:rPr lang="de-DE" sz="2000" b="0" dirty="0">
+                <a:solidFill>
+                  <a:srgbClr val="3B3B3B"/>
+                </a:solidFill>
+                <a:effectLst/>
+                <a:highlight>
+                  <a:srgbClr val="FFFFFF"/>
+                </a:highlight>
+                <a:latin typeface="Consolas" panose="020B0609020204030204" pitchFamily="49" charset="0"/>
+              </a:rPr>
+              <a:t>:</a:t>
+            </a:r>
+          </a:p>
+          <a:p>
+            <a:r>
+              <a:rPr lang="de-DE" sz="2000" b="0" dirty="0">
+                <a:solidFill>
+                  <a:srgbClr val="3B3B3B"/>
+                </a:solidFill>
+                <a:effectLst/>
+                <a:highlight>
+                  <a:srgbClr val="FFFFFF"/>
+                </a:highlight>
+                <a:latin typeface="Consolas" panose="020B0609020204030204" pitchFamily="49" charset="0"/>
+              </a:rPr>
+              <a:t>  </a:t>
+            </a:r>
+            <a:r>
+              <a:rPr lang="de-DE" sz="2000" b="0" dirty="0">
+                <a:solidFill>
+                  <a:srgbClr val="800000"/>
+                </a:solidFill>
+                <a:effectLst/>
+                <a:highlight>
+                  <a:srgbClr val="FFFFFF"/>
+                </a:highlight>
+                <a:latin typeface="Consolas" panose="020B0609020204030204" pitchFamily="49" charset="0"/>
+              </a:rPr>
+              <a:t>variables</a:t>
+            </a:r>
+            <a:r>
+              <a:rPr lang="de-DE" sz="2000" b="0" dirty="0">
+                <a:solidFill>
+                  <a:srgbClr val="3B3B3B"/>
+                </a:solidFill>
+                <a:effectLst/>
+                <a:highlight>
+                  <a:srgbClr val="FFFFFF"/>
+                </a:highlight>
+                <a:latin typeface="Consolas" panose="020B0609020204030204" pitchFamily="49" charset="0"/>
+              </a:rPr>
+              <a:t>:</a:t>
+            </a:r>
+          </a:p>
+          <a:p>
+            <a:r>
+              <a:rPr lang="de-DE" sz="2000" b="0" dirty="0">
+                <a:solidFill>
+                  <a:srgbClr val="3B3B3B"/>
+                </a:solidFill>
+                <a:effectLst/>
+                <a:highlight>
+                  <a:srgbClr val="FFFFFF"/>
+                </a:highlight>
+                <a:latin typeface="Consolas" panose="020B0609020204030204" pitchFamily="49" charset="0"/>
+              </a:rPr>
+              <a:t>    </a:t>
+            </a:r>
+            <a:r>
+              <a:rPr lang="de-DE" sz="2000" b="0" dirty="0">
+                <a:solidFill>
+                  <a:srgbClr val="800000"/>
+                </a:solidFill>
+                <a:effectLst/>
+                <a:highlight>
+                  <a:srgbClr val="FFFFFF"/>
+                </a:highlight>
+                <a:latin typeface="Consolas" panose="020B0609020204030204" pitchFamily="49" charset="0"/>
+              </a:rPr>
+              <a:t>JOB_VAR</a:t>
+            </a:r>
+            <a:r>
+              <a:rPr lang="de-DE" sz="2000" b="0" dirty="0">
+                <a:solidFill>
+                  <a:srgbClr val="3B3B3B"/>
+                </a:solidFill>
+                <a:effectLst/>
+                <a:highlight>
+                  <a:srgbClr val="FFFFFF"/>
+                </a:highlight>
+                <a:latin typeface="Consolas" panose="020B0609020204030204" pitchFamily="49" charset="0"/>
+              </a:rPr>
+              <a:t>: </a:t>
+            </a:r>
+            <a:r>
+              <a:rPr lang="de-DE" sz="2000" b="0" dirty="0">
+                <a:solidFill>
+                  <a:srgbClr val="A31515"/>
+                </a:solidFill>
+                <a:effectLst/>
+                <a:highlight>
+                  <a:srgbClr val="FFFFFF"/>
+                </a:highlight>
+                <a:latin typeface="Consolas" panose="020B0609020204030204" pitchFamily="49" charset="0"/>
+              </a:rPr>
+              <a:t>"A </a:t>
+            </a:r>
+            <a:r>
+              <a:rPr lang="de-DE" sz="2000" b="0" dirty="0" err="1">
+                <a:solidFill>
+                  <a:srgbClr val="A31515"/>
+                </a:solidFill>
+                <a:effectLst/>
+                <a:highlight>
+                  <a:srgbClr val="FFFFFF"/>
+                </a:highlight>
+                <a:latin typeface="Consolas" panose="020B0609020204030204" pitchFamily="49" charset="0"/>
+              </a:rPr>
+              <a:t>job</a:t>
+            </a:r>
+            <a:r>
+              <a:rPr lang="de-DE" sz="2000" b="0" dirty="0">
+                <a:solidFill>
+                  <a:srgbClr val="A31515"/>
+                </a:solidFill>
+                <a:effectLst/>
+                <a:highlight>
+                  <a:srgbClr val="FFFFFF"/>
+                </a:highlight>
+                <a:latin typeface="Consolas" panose="020B0609020204030204" pitchFamily="49" charset="0"/>
+              </a:rPr>
+              <a:t> variable"</a:t>
+            </a:r>
+            <a:endParaRPr lang="de-DE" sz="2000" b="0" dirty="0">
+              <a:solidFill>
+                <a:srgbClr val="3B3B3B"/>
+              </a:solidFill>
+              <a:effectLst/>
+              <a:highlight>
+                <a:srgbClr val="FFFFFF"/>
+              </a:highlight>
+              <a:latin typeface="Consolas" panose="020B0609020204030204" pitchFamily="49" charset="0"/>
+            </a:endParaRPr>
+          </a:p>
+          <a:p>
+            <a:r>
+              <a:rPr lang="de-DE" sz="2000" b="0" dirty="0">
+                <a:solidFill>
+                  <a:srgbClr val="3B3B3B"/>
+                </a:solidFill>
+                <a:effectLst/>
+                <a:highlight>
+                  <a:srgbClr val="FFFFFF"/>
+                </a:highlight>
+                <a:latin typeface="Consolas" panose="020B0609020204030204" pitchFamily="49" charset="0"/>
+              </a:rPr>
+              <a:t>  </a:t>
+            </a:r>
+            <a:r>
+              <a:rPr lang="de-DE" sz="2000" b="0" dirty="0" err="1">
+                <a:solidFill>
+                  <a:srgbClr val="800000"/>
+                </a:solidFill>
+                <a:effectLst/>
+                <a:highlight>
+                  <a:srgbClr val="FFFFFF"/>
+                </a:highlight>
+                <a:latin typeface="Consolas" panose="020B0609020204030204" pitchFamily="49" charset="0"/>
+              </a:rPr>
+              <a:t>script</a:t>
+            </a:r>
+            <a:r>
+              <a:rPr lang="de-DE" sz="2000" b="0" dirty="0">
+                <a:solidFill>
+                  <a:srgbClr val="3B3B3B"/>
+                </a:solidFill>
+                <a:effectLst/>
+                <a:highlight>
+                  <a:srgbClr val="FFFFFF"/>
+                </a:highlight>
+                <a:latin typeface="Consolas" panose="020B0609020204030204" pitchFamily="49" charset="0"/>
+              </a:rPr>
+              <a:t>:</a:t>
+            </a:r>
+          </a:p>
+          <a:p>
+            <a:r>
+              <a:rPr lang="de-DE" sz="2000" b="0" dirty="0">
+                <a:solidFill>
+                  <a:srgbClr val="3B3B3B"/>
+                </a:solidFill>
+                <a:effectLst/>
+                <a:highlight>
+                  <a:srgbClr val="FFFFFF"/>
+                </a:highlight>
+                <a:latin typeface="Consolas" panose="020B0609020204030204" pitchFamily="49" charset="0"/>
+              </a:rPr>
+              <a:t>    - </a:t>
+            </a:r>
+            <a:r>
+              <a:rPr lang="de-DE" sz="2000" b="0" dirty="0">
+                <a:solidFill>
+                  <a:srgbClr val="0000FF"/>
+                </a:solidFill>
+                <a:effectLst/>
+                <a:highlight>
+                  <a:srgbClr val="FFFFFF"/>
+                </a:highlight>
+                <a:latin typeface="Consolas" panose="020B0609020204030204" pitchFamily="49" charset="0"/>
+              </a:rPr>
+              <a:t>echo "Variables </a:t>
+            </a:r>
+            <a:r>
+              <a:rPr lang="de-DE" sz="2000" b="0" dirty="0" err="1">
+                <a:solidFill>
+                  <a:srgbClr val="0000FF"/>
+                </a:solidFill>
+                <a:effectLst/>
+                <a:highlight>
+                  <a:srgbClr val="FFFFFF"/>
+                </a:highlight>
+                <a:latin typeface="Consolas" panose="020B0609020204030204" pitchFamily="49" charset="0"/>
+              </a:rPr>
+              <a:t>are</a:t>
+            </a:r>
+            <a:r>
+              <a:rPr lang="de-DE" sz="2000" b="0" dirty="0">
+                <a:solidFill>
+                  <a:srgbClr val="0000FF"/>
+                </a:solidFill>
+                <a:effectLst/>
+                <a:highlight>
+                  <a:srgbClr val="FFFFFF"/>
+                </a:highlight>
+                <a:latin typeface="Consolas" panose="020B0609020204030204" pitchFamily="49" charset="0"/>
+              </a:rPr>
+              <a:t> '$GLOBAL_VAR' and '$JOB_VAR'"</a:t>
+            </a:r>
+            <a:endParaRPr lang="de-DE" sz="2000" b="0" dirty="0">
+              <a:solidFill>
+                <a:srgbClr val="3B3B3B"/>
+              </a:solidFill>
+              <a:effectLst/>
+              <a:highlight>
+                <a:srgbClr val="FFFFFF"/>
+              </a:highlight>
+              <a:latin typeface="Consolas" panose="020B0609020204030204" pitchFamily="49" charset="0"/>
+            </a:endParaRPr>
+          </a:p>
+          <a:p>
+            <a:br>
+              <a:rPr lang="de-DE" sz="2000" b="0" dirty="0">
+                <a:solidFill>
+                  <a:srgbClr val="3B3B3B"/>
+                </a:solidFill>
+                <a:effectLst/>
+                <a:highlight>
+                  <a:srgbClr val="FFFFFF"/>
+                </a:highlight>
+                <a:latin typeface="Consolas" panose="020B0609020204030204" pitchFamily="49" charset="0"/>
+              </a:rPr>
+            </a:br>
+            <a:r>
+              <a:rPr lang="de-DE" sz="2000" b="0" dirty="0">
+                <a:solidFill>
+                  <a:srgbClr val="800000"/>
+                </a:solidFill>
+                <a:effectLst/>
+                <a:highlight>
+                  <a:srgbClr val="FFFFFF"/>
+                </a:highlight>
+                <a:latin typeface="Consolas" panose="020B0609020204030204" pitchFamily="49" charset="0"/>
+              </a:rPr>
+              <a:t>job2</a:t>
+            </a:r>
+            <a:r>
+              <a:rPr lang="de-DE" sz="2000" b="0" dirty="0">
+                <a:solidFill>
+                  <a:srgbClr val="3B3B3B"/>
+                </a:solidFill>
+                <a:effectLst/>
+                <a:highlight>
+                  <a:srgbClr val="FFFFFF"/>
+                </a:highlight>
+                <a:latin typeface="Consolas" panose="020B0609020204030204" pitchFamily="49" charset="0"/>
+              </a:rPr>
+              <a:t>:</a:t>
+            </a:r>
+          </a:p>
+          <a:p>
+            <a:r>
+              <a:rPr lang="de-DE" sz="2000" b="0" dirty="0">
+                <a:solidFill>
+                  <a:srgbClr val="3B3B3B"/>
+                </a:solidFill>
+                <a:effectLst/>
+                <a:highlight>
+                  <a:srgbClr val="FFFFFF"/>
+                </a:highlight>
+                <a:latin typeface="Consolas" panose="020B0609020204030204" pitchFamily="49" charset="0"/>
+              </a:rPr>
+              <a:t>  </a:t>
+            </a:r>
+            <a:r>
+              <a:rPr lang="de-DE" sz="2000" b="0" dirty="0" err="1">
+                <a:solidFill>
+                  <a:srgbClr val="800000"/>
+                </a:solidFill>
+                <a:effectLst/>
+                <a:highlight>
+                  <a:srgbClr val="FFFFFF"/>
+                </a:highlight>
+                <a:latin typeface="Consolas" panose="020B0609020204030204" pitchFamily="49" charset="0"/>
+              </a:rPr>
+              <a:t>script</a:t>
+            </a:r>
+            <a:r>
+              <a:rPr lang="de-DE" sz="2000" b="0" dirty="0">
+                <a:solidFill>
+                  <a:srgbClr val="3B3B3B"/>
+                </a:solidFill>
+                <a:effectLst/>
+                <a:highlight>
+                  <a:srgbClr val="FFFFFF"/>
+                </a:highlight>
+                <a:latin typeface="Consolas" panose="020B0609020204030204" pitchFamily="49" charset="0"/>
+              </a:rPr>
+              <a:t>:</a:t>
+            </a:r>
+          </a:p>
+          <a:p>
+            <a:r>
+              <a:rPr lang="de-DE" sz="2000" b="0" dirty="0">
+                <a:solidFill>
+                  <a:srgbClr val="3B3B3B"/>
+                </a:solidFill>
+                <a:effectLst/>
+                <a:highlight>
+                  <a:srgbClr val="FFFFFF"/>
+                </a:highlight>
+                <a:latin typeface="Consolas" panose="020B0609020204030204" pitchFamily="49" charset="0"/>
+              </a:rPr>
+              <a:t>    - </a:t>
+            </a:r>
+            <a:r>
+              <a:rPr lang="de-DE" sz="2000" b="0" dirty="0">
+                <a:solidFill>
+                  <a:srgbClr val="0000FF"/>
+                </a:solidFill>
+                <a:effectLst/>
+                <a:highlight>
+                  <a:srgbClr val="FFFFFF"/>
+                </a:highlight>
+                <a:latin typeface="Consolas" panose="020B0609020204030204" pitchFamily="49" charset="0"/>
+              </a:rPr>
+              <a:t>echo "Variables </a:t>
+            </a:r>
+            <a:r>
+              <a:rPr lang="de-DE" sz="2000" b="0" dirty="0" err="1">
+                <a:solidFill>
+                  <a:srgbClr val="0000FF"/>
+                </a:solidFill>
+                <a:effectLst/>
+                <a:highlight>
+                  <a:srgbClr val="FFFFFF"/>
+                </a:highlight>
+                <a:latin typeface="Consolas" panose="020B0609020204030204" pitchFamily="49" charset="0"/>
+              </a:rPr>
+              <a:t>are</a:t>
+            </a:r>
+            <a:r>
+              <a:rPr lang="de-DE" sz="2000" b="0" dirty="0">
+                <a:solidFill>
+                  <a:srgbClr val="0000FF"/>
+                </a:solidFill>
+                <a:effectLst/>
+                <a:highlight>
+                  <a:srgbClr val="FFFFFF"/>
+                </a:highlight>
+                <a:latin typeface="Consolas" panose="020B0609020204030204" pitchFamily="49" charset="0"/>
+              </a:rPr>
+              <a:t> '$GLOBAL_VAR' and '$JOB_VAR'"</a:t>
+            </a:r>
+            <a:endParaRPr lang="de-DE" sz="2000" b="0" dirty="0">
+              <a:solidFill>
+                <a:srgbClr val="3B3B3B"/>
+              </a:solidFill>
+              <a:effectLst/>
+              <a:highlight>
+                <a:srgbClr val="FFFFFF"/>
+              </a:highlight>
+              <a:latin typeface="Consolas" panose="020B0609020204030204" pitchFamily="49" charset="0"/>
+            </a:endParaRPr>
           </a:p>
         </p:txBody>
       </p:sp>
     </p:spTree>
     <p:extLst>
       <p:ext uri="{BB962C8B-B14F-4D97-AF65-F5344CB8AC3E}">
-        <p14:creationId xmlns:p14="http://schemas.microsoft.com/office/powerpoint/2010/main" val="443678370"/>
+        <p14:creationId xmlns:p14="http://schemas.microsoft.com/office/powerpoint/2010/main" val="559828600"/>
+      </p:ext>
+    </p:extLst>
+  </p:cSld>
+  <p:clrMapOvr>
+    <a:masterClrMapping/>
+  </p:clrMapOvr>
+</p:sld>
+</file>
+
+<file path=ppt/slides/slide19.xml><?xml version="1.0" encoding="utf-8"?>
+<p:sld xmlns:a="http://schemas.openxmlformats.org/drawingml/2006/main" xmlns:r="http://schemas.openxmlformats.org/officeDocument/2006/relationships" xmlns:p="http://schemas.openxmlformats.org/presentationml/2006/main">
+  <p:cSld>
+    <p:spTree>
+      <p:nvGrpSpPr>
+        <p:cNvPr id="1" name=""/>
+        <p:cNvGrpSpPr/>
+        <p:nvPr/>
+      </p:nvGrpSpPr>
+      <p:grpSpPr>
+        <a:xfrm>
+          <a:off x="0" y="0"/>
+          <a:ext cx="0" cy="0"/>
+          <a:chOff x="0" y="0"/>
+          <a:chExt cx="0" cy="0"/>
+        </a:xfrm>
+      </p:grpSpPr>
+      <p:sp>
+        <p:nvSpPr>
+          <p:cNvPr id="2" name="Titel 1">
+            <a:extLst>
+              <a:ext uri="{FF2B5EF4-FFF2-40B4-BE49-F238E27FC236}">
+                <a16:creationId xmlns:a16="http://schemas.microsoft.com/office/drawing/2014/main" id="{3363B985-2812-BDBB-7E9D-A28D84AB06EF}"/>
+              </a:ext>
+            </a:extLst>
+          </p:cNvPr>
+          <p:cNvSpPr>
+            <a:spLocks noGrp="1"/>
+          </p:cNvSpPr>
+          <p:nvPr>
+            <p:ph type="title"/>
+          </p:nvPr>
+        </p:nvSpPr>
+        <p:spPr/>
+        <p:txBody>
+          <a:bodyPr/>
+          <a:lstStyle/>
+          <a:p>
+            <a:r>
+              <a:rPr lang="de-DE" dirty="0"/>
+              <a:t>CI/CD</a:t>
+            </a:r>
+          </a:p>
+        </p:txBody>
+      </p:sp>
+      <p:sp>
+        <p:nvSpPr>
+          <p:cNvPr id="4" name="Inhaltsplatzhalter 2">
+            <a:extLst>
+              <a:ext uri="{FF2B5EF4-FFF2-40B4-BE49-F238E27FC236}">
+                <a16:creationId xmlns:a16="http://schemas.microsoft.com/office/drawing/2014/main" id="{FE26268B-C609-ACA5-B6B4-D8D23D94F991}"/>
+              </a:ext>
+            </a:extLst>
+          </p:cNvPr>
+          <p:cNvSpPr>
+            <a:spLocks noGrp="1"/>
+          </p:cNvSpPr>
+          <p:nvPr>
+            <p:ph idx="1"/>
+          </p:nvPr>
+        </p:nvSpPr>
+        <p:spPr>
+          <a:xfrm>
+            <a:off x="303213" y="981075"/>
+            <a:ext cx="8516937" cy="5400675"/>
+          </a:xfrm>
+        </p:spPr>
+        <p:txBody>
+          <a:bodyPr/>
+          <a:lstStyle/>
+          <a:p>
+            <a:pPr marL="0" indent="0">
+              <a:buNone/>
+            </a:pPr>
+            <a:r>
+              <a:rPr lang="de-DE" b="1" dirty="0"/>
+              <a:t>Rules</a:t>
+            </a:r>
+          </a:p>
+          <a:p>
+            <a:pPr>
+              <a:buFont typeface="Arial" panose="020B0604020202020204" pitchFamily="34" charset="0"/>
+              <a:buChar char="•"/>
+            </a:pPr>
+            <a:r>
+              <a:rPr lang="de-DE" dirty="0"/>
+              <a:t>Regeln zur Steuerung der Ausführung von Jobs in CI/CD-Pipelines</a:t>
+            </a:r>
+          </a:p>
+          <a:p>
+            <a:pPr>
+              <a:buFont typeface="Arial" panose="020B0604020202020204" pitchFamily="34" charset="0"/>
+              <a:buChar char="•"/>
+            </a:pPr>
+            <a:r>
+              <a:rPr lang="de-DE" dirty="0"/>
+              <a:t>Verwendung:</a:t>
+            </a:r>
+          </a:p>
+          <a:p>
+            <a:pPr lvl="1">
+              <a:buFont typeface="Arial" panose="020B0604020202020204" pitchFamily="34" charset="0"/>
+              <a:buChar char="•"/>
+            </a:pPr>
+            <a:r>
+              <a:rPr lang="de-DE" dirty="0"/>
+              <a:t>Konfiguration in .</a:t>
+            </a:r>
+            <a:r>
+              <a:rPr lang="de-DE" dirty="0" err="1"/>
+              <a:t>gitlab-ci.yml</a:t>
+            </a:r>
+            <a:endParaRPr lang="de-DE" dirty="0"/>
+          </a:p>
+          <a:p>
+            <a:pPr lvl="1">
+              <a:buFont typeface="Arial" panose="020B0604020202020204" pitchFamily="34" charset="0"/>
+              <a:buChar char="•"/>
+            </a:pPr>
+            <a:r>
+              <a:rPr lang="de-DE" dirty="0"/>
+              <a:t>Ersetzt </a:t>
+            </a:r>
+            <a:r>
+              <a:rPr lang="de-DE" b="1" dirty="0" err="1"/>
+              <a:t>only</a:t>
+            </a:r>
+            <a:r>
+              <a:rPr lang="de-DE" dirty="0"/>
+              <a:t> und </a:t>
+            </a:r>
+            <a:r>
+              <a:rPr lang="de-DE" b="1" dirty="0" err="1"/>
+              <a:t>except</a:t>
+            </a:r>
+            <a:endParaRPr lang="de-DE" b="1" dirty="0"/>
+          </a:p>
+          <a:p>
+            <a:pPr>
+              <a:buFont typeface="Arial" panose="020B0604020202020204" pitchFamily="34" charset="0"/>
+              <a:buChar char="•"/>
+            </a:pPr>
+            <a:r>
+              <a:rPr lang="de-DE" dirty="0"/>
+              <a:t>Wichtige Schlüsselwörter:</a:t>
+            </a:r>
+          </a:p>
+          <a:p>
+            <a:pPr lvl="1">
+              <a:buFont typeface="Arial" panose="020B0604020202020204" pitchFamily="34" charset="0"/>
+              <a:buChar char="•"/>
+            </a:pPr>
+            <a:r>
+              <a:rPr lang="de-DE" b="1" dirty="0" err="1"/>
+              <a:t>if</a:t>
+            </a:r>
+            <a:r>
+              <a:rPr lang="de-DE" dirty="0"/>
+              <a:t>: Bedingungen basierend auf Variablen oder Pipeline-Status</a:t>
+            </a:r>
+          </a:p>
+          <a:p>
+            <a:pPr lvl="1">
+              <a:buFont typeface="Arial" panose="020B0604020202020204" pitchFamily="34" charset="0"/>
+              <a:buChar char="•"/>
+            </a:pPr>
+            <a:r>
+              <a:rPr lang="de-DE" b="1" dirty="0" err="1"/>
+              <a:t>changes</a:t>
+            </a:r>
+            <a:r>
+              <a:rPr lang="de-DE" dirty="0"/>
+              <a:t>: Bedingungen basierend auf Dateiänderungen</a:t>
+            </a:r>
+          </a:p>
+          <a:p>
+            <a:pPr lvl="1">
+              <a:buFont typeface="Arial" panose="020B0604020202020204" pitchFamily="34" charset="0"/>
+              <a:buChar char="•"/>
+            </a:pPr>
+            <a:r>
+              <a:rPr lang="de-DE" b="1" dirty="0" err="1"/>
+              <a:t>exists</a:t>
+            </a:r>
+            <a:r>
+              <a:rPr lang="de-DE" dirty="0"/>
+              <a:t>: Bedingungen basierend auf dem Vorhandensein von Dateien</a:t>
+            </a:r>
+          </a:p>
+          <a:p>
+            <a:pPr lvl="1">
+              <a:buFont typeface="Arial" panose="020B0604020202020204" pitchFamily="34" charset="0"/>
+              <a:buChar char="•"/>
+            </a:pPr>
+            <a:r>
+              <a:rPr lang="de-DE" b="1" dirty="0" err="1"/>
+              <a:t>when</a:t>
+            </a:r>
+            <a:r>
+              <a:rPr lang="de-DE" dirty="0"/>
+              <a:t>: Bestimmt, wann ein Job ausgeführt wird (</a:t>
+            </a:r>
+            <a:r>
+              <a:rPr lang="de-DE" dirty="0" err="1"/>
+              <a:t>on_success</a:t>
+            </a:r>
+            <a:r>
+              <a:rPr lang="de-DE" dirty="0"/>
+              <a:t>, </a:t>
+            </a:r>
+            <a:r>
+              <a:rPr lang="de-DE" dirty="0" err="1"/>
+              <a:t>on_failure</a:t>
+            </a:r>
+            <a:r>
+              <a:rPr lang="de-DE" dirty="0"/>
+              <a:t>, </a:t>
+            </a:r>
+            <a:r>
+              <a:rPr lang="de-DE" dirty="0" err="1"/>
+              <a:t>always</a:t>
+            </a:r>
+            <a:r>
+              <a:rPr lang="de-DE" dirty="0"/>
+              <a:t>, </a:t>
+            </a:r>
+            <a:r>
+              <a:rPr lang="de-DE" dirty="0" err="1"/>
+              <a:t>manual</a:t>
+            </a:r>
+            <a:r>
+              <a:rPr lang="de-DE" dirty="0"/>
+              <a:t>, </a:t>
+            </a:r>
+            <a:r>
+              <a:rPr lang="de-DE" dirty="0" err="1"/>
+              <a:t>delayed</a:t>
+            </a:r>
+            <a:r>
+              <a:rPr lang="de-DE" dirty="0"/>
+              <a:t>)</a:t>
+            </a:r>
+          </a:p>
+        </p:txBody>
+      </p:sp>
+    </p:spTree>
+    <p:extLst>
+      <p:ext uri="{BB962C8B-B14F-4D97-AF65-F5344CB8AC3E}">
+        <p14:creationId xmlns:p14="http://schemas.microsoft.com/office/powerpoint/2010/main" val="760018284"/>
       </p:ext>
     </p:extLst>
   </p:cSld>
@@ -5930,6 +10473,553 @@
         </p:txBody>
       </p:sp>
     </p:spTree>
+  </p:cSld>
+  <p:clrMapOvr>
+    <a:masterClrMapping/>
+  </p:clrMapOvr>
+</p:sld>
+</file>
+
+<file path=ppt/slides/slide20.xml><?xml version="1.0" encoding="utf-8"?>
+<p:sld xmlns:a="http://schemas.openxmlformats.org/drawingml/2006/main" xmlns:r="http://schemas.openxmlformats.org/officeDocument/2006/relationships" xmlns:p="http://schemas.openxmlformats.org/presentationml/2006/main">
+  <p:cSld>
+    <p:spTree>
+      <p:nvGrpSpPr>
+        <p:cNvPr id="1" name=""/>
+        <p:cNvGrpSpPr/>
+        <p:nvPr/>
+      </p:nvGrpSpPr>
+      <p:grpSpPr>
+        <a:xfrm>
+          <a:off x="0" y="0"/>
+          <a:ext cx="0" cy="0"/>
+          <a:chOff x="0" y="0"/>
+          <a:chExt cx="0" cy="0"/>
+        </a:xfrm>
+      </p:grpSpPr>
+      <p:sp>
+        <p:nvSpPr>
+          <p:cNvPr id="2" name="Titel 1">
+            <a:extLst>
+              <a:ext uri="{FF2B5EF4-FFF2-40B4-BE49-F238E27FC236}">
+                <a16:creationId xmlns:a16="http://schemas.microsoft.com/office/drawing/2014/main" id="{3363B985-2812-BDBB-7E9D-A28D84AB06EF}"/>
+              </a:ext>
+            </a:extLst>
+          </p:cNvPr>
+          <p:cNvSpPr>
+            <a:spLocks noGrp="1"/>
+          </p:cNvSpPr>
+          <p:nvPr>
+            <p:ph type="title"/>
+          </p:nvPr>
+        </p:nvSpPr>
+        <p:spPr/>
+        <p:txBody>
+          <a:bodyPr/>
+          <a:lstStyle/>
+          <a:p>
+            <a:r>
+              <a:rPr lang="de-DE" dirty="0"/>
+              <a:t>CI/CD</a:t>
+            </a:r>
+          </a:p>
+        </p:txBody>
+      </p:sp>
+      <p:sp>
+        <p:nvSpPr>
+          <p:cNvPr id="4" name="Inhaltsplatzhalter 2">
+            <a:extLst>
+              <a:ext uri="{FF2B5EF4-FFF2-40B4-BE49-F238E27FC236}">
+                <a16:creationId xmlns:a16="http://schemas.microsoft.com/office/drawing/2014/main" id="{FE26268B-C609-ACA5-B6B4-D8D23D94F991}"/>
+              </a:ext>
+            </a:extLst>
+          </p:cNvPr>
+          <p:cNvSpPr>
+            <a:spLocks noGrp="1"/>
+          </p:cNvSpPr>
+          <p:nvPr>
+            <p:ph idx="1"/>
+          </p:nvPr>
+        </p:nvSpPr>
+        <p:spPr>
+          <a:xfrm>
+            <a:off x="303213" y="981075"/>
+            <a:ext cx="8516937" cy="5400675"/>
+          </a:xfrm>
+        </p:spPr>
+        <p:txBody>
+          <a:bodyPr/>
+          <a:lstStyle/>
+          <a:p>
+            <a:pPr marL="0" indent="0">
+              <a:buNone/>
+            </a:pPr>
+            <a:r>
+              <a:rPr lang="de-DE" b="1" dirty="0"/>
+              <a:t>Rules</a:t>
+            </a:r>
+          </a:p>
+        </p:txBody>
+      </p:sp>
+      <p:sp>
+        <p:nvSpPr>
+          <p:cNvPr id="5" name="Textfeld 4">
+            <a:extLst>
+              <a:ext uri="{FF2B5EF4-FFF2-40B4-BE49-F238E27FC236}">
+                <a16:creationId xmlns:a16="http://schemas.microsoft.com/office/drawing/2014/main" id="{5BE24E27-5B7B-6348-7004-DF7AF55D9307}"/>
+              </a:ext>
+            </a:extLst>
+          </p:cNvPr>
+          <p:cNvSpPr txBox="1"/>
+          <p:nvPr/>
+        </p:nvSpPr>
+        <p:spPr bwMode="auto">
+          <a:xfrm>
+            <a:off x="323850" y="1628800"/>
+            <a:ext cx="8820149" cy="3785652"/>
+          </a:xfrm>
+          <a:prstGeom prst="rect">
+            <a:avLst/>
+          </a:prstGeom>
+          <a:noFill/>
+          <a:ln w="9525">
+            <a:noFill/>
+            <a:miter lim="800000"/>
+            <a:headEnd/>
+            <a:tailEnd/>
+          </a:ln>
+        </p:spPr>
+        <p:txBody>
+          <a:bodyPr wrap="square">
+            <a:spAutoFit/>
+          </a:bodyPr>
+          <a:lstStyle/>
+          <a:p>
+            <a:r>
+              <a:rPr lang="en-US" b="0" dirty="0">
+                <a:solidFill>
+                  <a:srgbClr val="800000"/>
+                </a:solidFill>
+                <a:effectLst/>
+                <a:highlight>
+                  <a:srgbClr val="FFFFFF"/>
+                </a:highlight>
+                <a:latin typeface="Consolas" panose="020B0609020204030204" pitchFamily="49" charset="0"/>
+              </a:rPr>
+              <a:t>stages</a:t>
+            </a:r>
+            <a:r>
+              <a:rPr lang="en-US" b="0" dirty="0">
+                <a:solidFill>
+                  <a:srgbClr val="3B3B3B"/>
+                </a:solidFill>
+                <a:effectLst/>
+                <a:highlight>
+                  <a:srgbClr val="FFFFFF"/>
+                </a:highlight>
+                <a:latin typeface="Consolas" panose="020B0609020204030204" pitchFamily="49" charset="0"/>
+              </a:rPr>
+              <a:t>:</a:t>
+            </a:r>
+          </a:p>
+          <a:p>
+            <a:r>
+              <a:rPr lang="en-US" b="0" dirty="0">
+                <a:solidFill>
+                  <a:srgbClr val="3B3B3B"/>
+                </a:solidFill>
+                <a:effectLst/>
+                <a:highlight>
+                  <a:srgbClr val="FFFFFF"/>
+                </a:highlight>
+                <a:latin typeface="Consolas" panose="020B0609020204030204" pitchFamily="49" charset="0"/>
+              </a:rPr>
+              <a:t>  - </a:t>
+            </a:r>
+            <a:r>
+              <a:rPr lang="en-US" b="0" dirty="0">
+                <a:solidFill>
+                  <a:srgbClr val="0000FF"/>
+                </a:solidFill>
+                <a:effectLst/>
+                <a:highlight>
+                  <a:srgbClr val="FFFFFF"/>
+                </a:highlight>
+                <a:latin typeface="Consolas" panose="020B0609020204030204" pitchFamily="49" charset="0"/>
+              </a:rPr>
+              <a:t>deploy</a:t>
+            </a:r>
+            <a:endParaRPr lang="en-US" b="0" dirty="0">
+              <a:solidFill>
+                <a:srgbClr val="3B3B3B"/>
+              </a:solidFill>
+              <a:effectLst/>
+              <a:highlight>
+                <a:srgbClr val="FFFFFF"/>
+              </a:highlight>
+              <a:latin typeface="Consolas" panose="020B0609020204030204" pitchFamily="49" charset="0"/>
+            </a:endParaRPr>
+          </a:p>
+          <a:p>
+            <a:br>
+              <a:rPr lang="en-US" b="0" dirty="0">
+                <a:solidFill>
+                  <a:srgbClr val="3B3B3B"/>
+                </a:solidFill>
+                <a:effectLst/>
+                <a:highlight>
+                  <a:srgbClr val="FFFFFF"/>
+                </a:highlight>
+                <a:latin typeface="Consolas" panose="020B0609020204030204" pitchFamily="49" charset="0"/>
+              </a:rPr>
+            </a:br>
+            <a:r>
+              <a:rPr lang="en-US" b="0" dirty="0" err="1">
+                <a:solidFill>
+                  <a:srgbClr val="800000"/>
+                </a:solidFill>
+                <a:effectLst/>
+                <a:highlight>
+                  <a:srgbClr val="FFFFFF"/>
+                </a:highlight>
+                <a:latin typeface="Consolas" panose="020B0609020204030204" pitchFamily="49" charset="0"/>
+              </a:rPr>
+              <a:t>deploy_prod</a:t>
+            </a:r>
+            <a:r>
+              <a:rPr lang="en-US" b="0" dirty="0">
+                <a:solidFill>
+                  <a:srgbClr val="3B3B3B"/>
+                </a:solidFill>
+                <a:effectLst/>
+                <a:highlight>
+                  <a:srgbClr val="FFFFFF"/>
+                </a:highlight>
+                <a:latin typeface="Consolas" panose="020B0609020204030204" pitchFamily="49" charset="0"/>
+              </a:rPr>
+              <a:t>:</a:t>
+            </a:r>
+          </a:p>
+          <a:p>
+            <a:r>
+              <a:rPr lang="en-US" b="0" dirty="0">
+                <a:solidFill>
+                  <a:srgbClr val="3B3B3B"/>
+                </a:solidFill>
+                <a:effectLst/>
+                <a:highlight>
+                  <a:srgbClr val="FFFFFF"/>
+                </a:highlight>
+                <a:latin typeface="Consolas" panose="020B0609020204030204" pitchFamily="49" charset="0"/>
+              </a:rPr>
+              <a:t>  </a:t>
+            </a:r>
+            <a:r>
+              <a:rPr lang="en-US" b="0" dirty="0">
+                <a:solidFill>
+                  <a:srgbClr val="800000"/>
+                </a:solidFill>
+                <a:effectLst/>
+                <a:highlight>
+                  <a:srgbClr val="FFFFFF"/>
+                </a:highlight>
+                <a:latin typeface="Consolas" panose="020B0609020204030204" pitchFamily="49" charset="0"/>
+              </a:rPr>
+              <a:t>stage</a:t>
+            </a:r>
+            <a:r>
+              <a:rPr lang="en-US" b="0" dirty="0">
+                <a:solidFill>
+                  <a:srgbClr val="3B3B3B"/>
+                </a:solidFill>
+                <a:effectLst/>
+                <a:highlight>
+                  <a:srgbClr val="FFFFFF"/>
+                </a:highlight>
+                <a:latin typeface="Consolas" panose="020B0609020204030204" pitchFamily="49" charset="0"/>
+              </a:rPr>
+              <a:t>: </a:t>
+            </a:r>
+            <a:r>
+              <a:rPr lang="en-US" b="0" dirty="0">
+                <a:solidFill>
+                  <a:srgbClr val="0000FF"/>
+                </a:solidFill>
+                <a:effectLst/>
+                <a:highlight>
+                  <a:srgbClr val="FFFFFF"/>
+                </a:highlight>
+                <a:latin typeface="Consolas" panose="020B0609020204030204" pitchFamily="49" charset="0"/>
+              </a:rPr>
+              <a:t>deploy</a:t>
+            </a:r>
+            <a:endParaRPr lang="en-US" b="0" dirty="0">
+              <a:solidFill>
+                <a:srgbClr val="3B3B3B"/>
+              </a:solidFill>
+              <a:effectLst/>
+              <a:highlight>
+                <a:srgbClr val="FFFFFF"/>
+              </a:highlight>
+              <a:latin typeface="Consolas" panose="020B0609020204030204" pitchFamily="49" charset="0"/>
+            </a:endParaRPr>
+          </a:p>
+          <a:p>
+            <a:r>
+              <a:rPr lang="en-US" b="0" dirty="0">
+                <a:solidFill>
+                  <a:srgbClr val="3B3B3B"/>
+                </a:solidFill>
+                <a:effectLst/>
+                <a:highlight>
+                  <a:srgbClr val="FFFFFF"/>
+                </a:highlight>
+                <a:latin typeface="Consolas" panose="020B0609020204030204" pitchFamily="49" charset="0"/>
+              </a:rPr>
+              <a:t>  </a:t>
+            </a:r>
+            <a:r>
+              <a:rPr lang="en-US" b="0" dirty="0">
+                <a:solidFill>
+                  <a:srgbClr val="800000"/>
+                </a:solidFill>
+                <a:effectLst/>
+                <a:highlight>
+                  <a:srgbClr val="FFFFFF"/>
+                </a:highlight>
+                <a:latin typeface="Consolas" panose="020B0609020204030204" pitchFamily="49" charset="0"/>
+              </a:rPr>
+              <a:t>script</a:t>
+            </a:r>
+            <a:r>
+              <a:rPr lang="en-US" b="0" dirty="0">
+                <a:solidFill>
+                  <a:srgbClr val="3B3B3B"/>
+                </a:solidFill>
+                <a:effectLst/>
+                <a:highlight>
+                  <a:srgbClr val="FFFFFF"/>
+                </a:highlight>
+                <a:latin typeface="Consolas" panose="020B0609020204030204" pitchFamily="49" charset="0"/>
+              </a:rPr>
+              <a:t>:</a:t>
+            </a:r>
+          </a:p>
+          <a:p>
+            <a:r>
+              <a:rPr lang="en-US" b="0" dirty="0">
+                <a:solidFill>
+                  <a:srgbClr val="3B3B3B"/>
+                </a:solidFill>
+                <a:effectLst/>
+                <a:highlight>
+                  <a:srgbClr val="FFFFFF"/>
+                </a:highlight>
+                <a:latin typeface="Consolas" panose="020B0609020204030204" pitchFamily="49" charset="0"/>
+              </a:rPr>
+              <a:t>    - </a:t>
+            </a:r>
+            <a:r>
+              <a:rPr lang="en-US" b="0" dirty="0">
+                <a:solidFill>
+                  <a:srgbClr val="0000FF"/>
+                </a:solidFill>
+                <a:effectLst/>
+                <a:highlight>
+                  <a:srgbClr val="FFFFFF"/>
+                </a:highlight>
+                <a:latin typeface="Consolas" panose="020B0609020204030204" pitchFamily="49" charset="0"/>
+              </a:rPr>
+              <a:t>echo "Deploy to production server"</a:t>
+            </a:r>
+            <a:endParaRPr lang="en-US" b="0" dirty="0">
+              <a:solidFill>
+                <a:srgbClr val="3B3B3B"/>
+              </a:solidFill>
+              <a:effectLst/>
+              <a:highlight>
+                <a:srgbClr val="FFFFFF"/>
+              </a:highlight>
+              <a:latin typeface="Consolas" panose="020B0609020204030204" pitchFamily="49" charset="0"/>
+            </a:endParaRPr>
+          </a:p>
+          <a:p>
+            <a:r>
+              <a:rPr lang="en-US" b="0" dirty="0">
+                <a:solidFill>
+                  <a:srgbClr val="3B3B3B"/>
+                </a:solidFill>
+                <a:effectLst/>
+                <a:highlight>
+                  <a:srgbClr val="FFFFFF"/>
+                </a:highlight>
+                <a:latin typeface="Consolas" panose="020B0609020204030204" pitchFamily="49" charset="0"/>
+              </a:rPr>
+              <a:t>  </a:t>
+            </a:r>
+            <a:r>
+              <a:rPr lang="en-US" b="0" dirty="0">
+                <a:solidFill>
+                  <a:srgbClr val="800000"/>
+                </a:solidFill>
+                <a:effectLst/>
+                <a:highlight>
+                  <a:srgbClr val="FFFFFF"/>
+                </a:highlight>
+                <a:latin typeface="Consolas" panose="020B0609020204030204" pitchFamily="49" charset="0"/>
+              </a:rPr>
+              <a:t>when</a:t>
+            </a:r>
+            <a:r>
+              <a:rPr lang="en-US" b="0" dirty="0">
+                <a:solidFill>
+                  <a:srgbClr val="3B3B3B"/>
+                </a:solidFill>
+                <a:effectLst/>
+                <a:highlight>
+                  <a:srgbClr val="FFFFFF"/>
+                </a:highlight>
+                <a:latin typeface="Consolas" panose="020B0609020204030204" pitchFamily="49" charset="0"/>
+              </a:rPr>
+              <a:t>: </a:t>
+            </a:r>
+            <a:r>
+              <a:rPr lang="en-US" b="0" dirty="0">
+                <a:solidFill>
+                  <a:srgbClr val="0000FF"/>
+                </a:solidFill>
+                <a:effectLst/>
+                <a:highlight>
+                  <a:srgbClr val="FFFFFF"/>
+                </a:highlight>
+                <a:latin typeface="Consolas" panose="020B0609020204030204" pitchFamily="49" charset="0"/>
+              </a:rPr>
+              <a:t>manual</a:t>
+            </a:r>
+            <a:endParaRPr lang="en-US" b="0" dirty="0">
+              <a:solidFill>
+                <a:srgbClr val="3B3B3B"/>
+              </a:solidFill>
+              <a:effectLst/>
+              <a:highlight>
+                <a:srgbClr val="FFFFFF"/>
+              </a:highlight>
+              <a:latin typeface="Consolas" panose="020B0609020204030204" pitchFamily="49" charset="0"/>
+            </a:endParaRPr>
+          </a:p>
+          <a:p>
+            <a:r>
+              <a:rPr lang="en-US" b="0" dirty="0">
+                <a:solidFill>
+                  <a:srgbClr val="3B3B3B"/>
+                </a:solidFill>
+                <a:effectLst/>
+                <a:highlight>
+                  <a:srgbClr val="FFFFFF"/>
+                </a:highlight>
+                <a:latin typeface="Consolas" panose="020B0609020204030204" pitchFamily="49" charset="0"/>
+              </a:rPr>
+              <a:t>  </a:t>
+            </a:r>
+            <a:r>
+              <a:rPr lang="en-US" b="0" dirty="0">
+                <a:solidFill>
+                  <a:srgbClr val="800000"/>
+                </a:solidFill>
+                <a:effectLst/>
+                <a:highlight>
+                  <a:srgbClr val="FFFFFF"/>
+                </a:highlight>
+                <a:latin typeface="Consolas" panose="020B0609020204030204" pitchFamily="49" charset="0"/>
+              </a:rPr>
+              <a:t>rules</a:t>
+            </a:r>
+            <a:r>
+              <a:rPr lang="en-US" b="0" dirty="0">
+                <a:solidFill>
+                  <a:srgbClr val="3B3B3B"/>
+                </a:solidFill>
+                <a:effectLst/>
+                <a:highlight>
+                  <a:srgbClr val="FFFFFF"/>
+                </a:highlight>
+                <a:latin typeface="Consolas" panose="020B0609020204030204" pitchFamily="49" charset="0"/>
+              </a:rPr>
+              <a:t>:</a:t>
+            </a:r>
+          </a:p>
+          <a:p>
+            <a:r>
+              <a:rPr lang="en-US" b="0" dirty="0">
+                <a:solidFill>
+                  <a:srgbClr val="3B3B3B"/>
+                </a:solidFill>
+                <a:effectLst/>
+                <a:highlight>
+                  <a:srgbClr val="FFFFFF"/>
+                </a:highlight>
+                <a:latin typeface="Consolas" panose="020B0609020204030204" pitchFamily="49" charset="0"/>
+              </a:rPr>
+              <a:t>    - </a:t>
+            </a:r>
+            <a:r>
+              <a:rPr lang="en-US" b="0" dirty="0">
+                <a:solidFill>
+                  <a:srgbClr val="800000"/>
+                </a:solidFill>
+                <a:effectLst/>
+                <a:highlight>
+                  <a:srgbClr val="FFFFFF"/>
+                </a:highlight>
+                <a:latin typeface="Consolas" panose="020B0609020204030204" pitchFamily="49" charset="0"/>
+              </a:rPr>
+              <a:t>if</a:t>
+            </a:r>
+            <a:r>
+              <a:rPr lang="en-US" b="0" dirty="0">
+                <a:solidFill>
+                  <a:srgbClr val="3B3B3B"/>
+                </a:solidFill>
+                <a:effectLst/>
+                <a:highlight>
+                  <a:srgbClr val="FFFFFF"/>
+                </a:highlight>
+                <a:latin typeface="Consolas" panose="020B0609020204030204" pitchFamily="49" charset="0"/>
+              </a:rPr>
+              <a:t>: </a:t>
+            </a:r>
+            <a:r>
+              <a:rPr lang="en-US" b="0" dirty="0">
+                <a:solidFill>
+                  <a:srgbClr val="0000FF"/>
+                </a:solidFill>
+                <a:effectLst/>
+                <a:highlight>
+                  <a:srgbClr val="FFFFFF"/>
+                </a:highlight>
+                <a:latin typeface="Consolas" panose="020B0609020204030204" pitchFamily="49" charset="0"/>
+              </a:rPr>
+              <a:t>$CI_COMMIT_BRANCH == $CI_DEFAULT_BRANCH</a:t>
+            </a:r>
+            <a:endParaRPr lang="en-US" b="0" dirty="0">
+              <a:solidFill>
+                <a:srgbClr val="3B3B3B"/>
+              </a:solidFill>
+              <a:effectLst/>
+              <a:highlight>
+                <a:srgbClr val="FFFFFF"/>
+              </a:highlight>
+              <a:latin typeface="Consolas" panose="020B0609020204030204" pitchFamily="49" charset="0"/>
+            </a:endParaRPr>
+          </a:p>
+        </p:txBody>
+      </p:sp>
+    </p:spTree>
+    <p:extLst>
+      <p:ext uri="{BB962C8B-B14F-4D97-AF65-F5344CB8AC3E}">
+        <p14:creationId xmlns:p14="http://schemas.microsoft.com/office/powerpoint/2010/main" val="1172414242"/>
+      </p:ext>
+    </p:extLst>
   </p:cSld>
   <p:clrMapOvr>
     <a:masterClrMapping/>
